--- a/SP_predstavitev.pptx
+++ b/SP_predstavitev.pptx
@@ -10,6 +10,7 @@
     <p:sldId id="258" r:id="rId4"/>
     <p:sldId id="260" r:id="rId5"/>
     <p:sldId id="261" r:id="rId6"/>
+    <p:sldId id="262" r:id="rId7"/>
   </p:sldIdLst>
   <p:sldSz cx="9144000" cy="6858000" type="screen4x3"/>
   <p:notesSz cx="6858000" cy="9144000"/>
@@ -330,7 +331,8 @@
           <a:p>
             <a:fld id="{70FAA508-F0CD-46EA-95FB-26B559A0B5D9}" type="datetimeFigureOut">
               <a:rPr lang="en-US" smtClean="0"/>
-              <a:t>11/06/15</a:t>
+              <a:pPr/>
+              <a:t>6/12/2015</a:t>
             </a:fld>
             <a:endParaRPr lang="en-US"/>
           </a:p>
@@ -372,6 +374,7 @@
           <a:p>
             <a:fld id="{4A822907-8A9D-4F6B-98F6-913902AD56B5}" type="slidenum">
               <a:rPr lang="en-US" smtClean="0"/>
+              <a:pPr/>
               <a:t>‹#›</a:t>
             </a:fld>
             <a:endParaRPr lang="en-US"/>
@@ -651,7 +654,8 @@
           <a:p>
             <a:fld id="{70FAA508-F0CD-46EA-95FB-26B559A0B5D9}" type="datetimeFigureOut">
               <a:rPr lang="en-US" smtClean="0"/>
-              <a:t>11/06/15</a:t>
+              <a:pPr/>
+              <a:t>6/12/2015</a:t>
             </a:fld>
             <a:endParaRPr lang="en-US"/>
           </a:p>
@@ -693,6 +697,7 @@
           <a:p>
             <a:fld id="{4A822907-8A9D-4F6B-98F6-913902AD56B5}" type="slidenum">
               <a:rPr lang="en-US" smtClean="0"/>
+              <a:pPr/>
               <a:t>‹#›</a:t>
             </a:fld>
             <a:endParaRPr lang="en-US"/>
@@ -928,7 +933,8 @@
           <a:p>
             <a:fld id="{70FAA508-F0CD-46EA-95FB-26B559A0B5D9}" type="datetimeFigureOut">
               <a:rPr lang="en-US" smtClean="0"/>
-              <a:t>11/06/15</a:t>
+              <a:pPr/>
+              <a:t>6/12/2015</a:t>
             </a:fld>
             <a:endParaRPr lang="en-US"/>
           </a:p>
@@ -1222,7 +1228,8 @@
           <a:p>
             <a:fld id="{70FAA508-F0CD-46EA-95FB-26B559A0B5D9}" type="datetimeFigureOut">
               <a:rPr lang="en-US" smtClean="0"/>
-              <a:t>11/06/15</a:t>
+              <a:pPr/>
+              <a:t>6/12/2015</a:t>
             </a:fld>
             <a:endParaRPr lang="en-US"/>
           </a:p>
@@ -1551,7 +1558,8 @@
           <a:p>
             <a:fld id="{70FAA508-F0CD-46EA-95FB-26B559A0B5D9}" type="datetimeFigureOut">
               <a:rPr lang="en-US" smtClean="0"/>
-              <a:t>11/06/15</a:t>
+              <a:pPr/>
+              <a:t>6/12/2015</a:t>
             </a:fld>
             <a:endParaRPr lang="en-US"/>
           </a:p>
@@ -1802,7 +1810,8 @@
           <a:p>
             <a:fld id="{70FAA508-F0CD-46EA-95FB-26B559A0B5D9}" type="datetimeFigureOut">
               <a:rPr lang="en-US" smtClean="0"/>
-              <a:t>11/06/15</a:t>
+              <a:pPr/>
+              <a:t>6/12/2015</a:t>
             </a:fld>
             <a:endParaRPr lang="en-US"/>
           </a:p>
@@ -1844,6 +1853,7 @@
           <a:p>
             <a:fld id="{4A822907-8A9D-4F6B-98F6-913902AD56B5}" type="slidenum">
               <a:rPr lang="en-US" smtClean="0"/>
+              <a:pPr/>
               <a:t>‹#›</a:t>
             </a:fld>
             <a:endParaRPr lang="en-US"/>
@@ -1981,7 +1991,8 @@
           <a:p>
             <a:fld id="{70FAA508-F0CD-46EA-95FB-26B559A0B5D9}" type="datetimeFigureOut">
               <a:rPr lang="en-US" smtClean="0"/>
-              <a:t>11/06/15</a:t>
+              <a:pPr/>
+              <a:t>6/12/2015</a:t>
             </a:fld>
             <a:endParaRPr lang="en-US"/>
           </a:p>
@@ -2023,6 +2034,7 @@
           <a:p>
             <a:fld id="{4A822907-8A9D-4F6B-98F6-913902AD56B5}" type="slidenum">
               <a:rPr lang="en-US" smtClean="0"/>
+              <a:pPr/>
               <a:t>‹#›</a:t>
             </a:fld>
             <a:endParaRPr lang="en-US"/>
@@ -2150,7 +2162,8 @@
           <a:p>
             <a:fld id="{70FAA508-F0CD-46EA-95FB-26B559A0B5D9}" type="datetimeFigureOut">
               <a:rPr lang="en-US" smtClean="0"/>
-              <a:t>11/06/15</a:t>
+              <a:pPr/>
+              <a:t>6/12/2015</a:t>
             </a:fld>
             <a:endParaRPr lang="en-US"/>
           </a:p>
@@ -2192,6 +2205,7 @@
           <a:p>
             <a:fld id="{4A822907-8A9D-4F6B-98F6-913902AD56B5}" type="slidenum">
               <a:rPr lang="en-US" smtClean="0"/>
+              <a:pPr/>
               <a:t>‹#›</a:t>
             </a:fld>
             <a:endParaRPr lang="en-US"/>
@@ -2419,7 +2433,8 @@
           <a:p>
             <a:fld id="{70FAA508-F0CD-46EA-95FB-26B559A0B5D9}" type="datetimeFigureOut">
               <a:rPr lang="en-US" smtClean="0"/>
-              <a:t>11/06/15</a:t>
+              <a:pPr/>
+              <a:t>6/12/2015</a:t>
             </a:fld>
             <a:endParaRPr lang="en-US"/>
           </a:p>
@@ -2726,7 +2741,8 @@
           <a:p>
             <a:fld id="{70FAA508-F0CD-46EA-95FB-26B559A0B5D9}" type="datetimeFigureOut">
               <a:rPr lang="en-US" smtClean="0"/>
-              <a:t>11/06/15</a:t>
+              <a:pPr/>
+              <a:t>6/12/2015</a:t>
             </a:fld>
             <a:endParaRPr lang="en-US"/>
           </a:p>
@@ -2768,6 +2784,7 @@
           <a:p>
             <a:fld id="{4A822907-8A9D-4F6B-98F6-913902AD56B5}" type="slidenum">
               <a:rPr lang="en-US" smtClean="0"/>
+              <a:pPr/>
               <a:t>‹#›</a:t>
             </a:fld>
             <a:endParaRPr lang="en-US"/>
@@ -3018,7 +3035,8 @@
           <a:p>
             <a:fld id="{70FAA508-F0CD-46EA-95FB-26B559A0B5D9}" type="datetimeFigureOut">
               <a:rPr lang="en-US" smtClean="0"/>
-              <a:t>11/06/15</a:t>
+              <a:pPr/>
+              <a:t>6/12/2015</a:t>
             </a:fld>
             <a:endParaRPr lang="en-US"/>
           </a:p>
@@ -3060,6 +3078,7 @@
           <a:p>
             <a:fld id="{4A822907-8A9D-4F6B-98F6-913902AD56B5}" type="slidenum">
               <a:rPr lang="en-US" smtClean="0"/>
+              <a:pPr/>
               <a:t>‹#›</a:t>
             </a:fld>
             <a:endParaRPr lang="en-US"/>
@@ -3448,7 +3467,8 @@
           <a:p>
             <a:fld id="{70FAA508-F0CD-46EA-95FB-26B559A0B5D9}" type="datetimeFigureOut">
               <a:rPr lang="en-US" smtClean="0"/>
-              <a:t>11/06/15</a:t>
+              <a:pPr/>
+              <a:t>6/12/2015</a:t>
             </a:fld>
             <a:endParaRPr lang="en-US"/>
           </a:p>
@@ -3495,6 +3515,7 @@
           <a:p>
             <a:fld id="{4A822907-8A9D-4F6B-98F6-913902AD56B5}" type="slidenum">
               <a:rPr lang="en-US" smtClean="0"/>
+              <a:pPr/>
               <a:t>‹#›</a:t>
             </a:fld>
             <a:endParaRPr lang="en-US"/>
@@ -3794,7 +3815,8 @@
           <a:p>
             <a:fld id="{70FAA508-F0CD-46EA-95FB-26B559A0B5D9}" type="datetimeFigureOut">
               <a:rPr lang="en-US" smtClean="0"/>
-              <a:t>11/06/15</a:t>
+              <a:pPr/>
+              <a:t>6/12/2015</a:t>
             </a:fld>
             <a:endParaRPr lang="en-US"/>
           </a:p>
@@ -3836,6 +3858,7 @@
           <a:p>
             <a:fld id="{4A822907-8A9D-4F6B-98F6-913902AD56B5}" type="slidenum">
               <a:rPr lang="en-US" smtClean="0"/>
+              <a:pPr/>
               <a:t>‹#›</a:t>
             </a:fld>
             <a:endParaRPr lang="en-US"/>
@@ -3884,7 +3907,8 @@
           <a:p>
             <a:fld id="{70FAA508-F0CD-46EA-95FB-26B559A0B5D9}" type="datetimeFigureOut">
               <a:rPr lang="en-US" smtClean="0"/>
-              <a:t>11/06/15</a:t>
+              <a:pPr/>
+              <a:t>6/12/2015</a:t>
             </a:fld>
             <a:endParaRPr lang="en-US"/>
           </a:p>
@@ -3926,6 +3950,7 @@
           <a:p>
             <a:fld id="{4A822907-8A9D-4F6B-98F6-913902AD56B5}" type="slidenum">
               <a:rPr lang="en-US" smtClean="0"/>
+              <a:pPr/>
               <a:t>‹#›</a:t>
             </a:fld>
             <a:endParaRPr lang="en-US"/>
@@ -4221,7 +4246,8 @@
           <a:p>
             <a:fld id="{70FAA508-F0CD-46EA-95FB-26B559A0B5D9}" type="datetimeFigureOut">
               <a:rPr lang="en-US" smtClean="0"/>
-              <a:t>11/06/15</a:t>
+              <a:pPr/>
+              <a:t>6/12/2015</a:t>
             </a:fld>
             <a:endParaRPr lang="en-US"/>
           </a:p>
@@ -4263,6 +4289,7 @@
           <a:p>
             <a:fld id="{4A822907-8A9D-4F6B-98F6-913902AD56B5}" type="slidenum">
               <a:rPr lang="en-US" smtClean="0"/>
+              <a:pPr/>
               <a:t>‹#›</a:t>
             </a:fld>
             <a:endParaRPr lang="en-US"/>
@@ -4433,7 +4460,8 @@
           <a:p>
             <a:fld id="{70FAA508-F0CD-46EA-95FB-26B559A0B5D9}" type="datetimeFigureOut">
               <a:rPr lang="en-US" smtClean="0"/>
-              <a:t>11/06/15</a:t>
+              <a:pPr/>
+              <a:t>6/12/2015</a:t>
             </a:fld>
             <a:endParaRPr lang="en-US"/>
           </a:p>
@@ -4513,6 +4541,7 @@
           <a:p>
             <a:fld id="{4A822907-8A9D-4F6B-98F6-913902AD56B5}" type="slidenum">
               <a:rPr lang="en-US" smtClean="0"/>
+              <a:pPr/>
               <a:t>‹#›</a:t>
             </a:fld>
             <a:endParaRPr lang="en-US"/>
@@ -5073,7 +5102,7 @@
     </p:spTree>
     <p:extLst>
       <p:ext uri="{BB962C8B-B14F-4D97-AF65-F5344CB8AC3E}">
-        <p14:creationId xmlns:p14="http://schemas.microsoft.com/office/powerpoint/2010/main" val="1298913096"/>
+        <p14:creationId xmlns:p14="http://schemas.microsoft.com/office/powerpoint/2010/main" xmlns="" val="1298913096"/>
       </p:ext>
     </p:extLst>
   </p:cSld>
@@ -5083,7 +5112,7 @@
   <p:timing>
     <p:tnLst>
       <p:par>
-        <p:cTn xmlns:p14="http://schemas.microsoft.com/office/powerpoint/2010/main" id="1" dur="indefinite" restart="never" nodeType="tmRoot"/>
+        <p:cTn id="1" dur="indefinite" restart="never" nodeType="tmRoot"/>
       </p:par>
     </p:tnLst>
   </p:timing>
@@ -5172,7 +5201,7 @@
     </p:spTree>
     <p:extLst>
       <p:ext uri="{BB962C8B-B14F-4D97-AF65-F5344CB8AC3E}">
-        <p14:creationId xmlns:p14="http://schemas.microsoft.com/office/powerpoint/2010/main" val="948333926"/>
+        <p14:creationId xmlns:p14="http://schemas.microsoft.com/office/powerpoint/2010/main" xmlns="" val="948333926"/>
       </p:ext>
     </p:extLst>
   </p:cSld>
@@ -5182,7 +5211,7 @@
   <p:timing>
     <p:tnLst>
       <p:par>
-        <p:cTn xmlns:p14="http://schemas.microsoft.com/office/powerpoint/2010/main" id="1" dur="indefinite" restart="never" nodeType="tmRoot"/>
+        <p:cTn id="1" dur="indefinite" restart="never" nodeType="tmRoot"/>
       </p:par>
     </p:tnLst>
   </p:timing>
@@ -5234,10 +5263,10 @@
           <p:nvPr/>
         </p:nvPicPr>
         <p:blipFill>
-          <a:blip r:embed="rId2">
+          <a:blip r:embed="rId2" cstate="print">
             <a:extLst>
               <a:ext uri="{28A0092B-C50C-407E-A947-70E740481C1C}">
-                <a14:useLocalDpi xmlns:a14="http://schemas.microsoft.com/office/drawing/2010/main" val="0"/>
+                <a14:useLocalDpi xmlns:a14="http://schemas.microsoft.com/office/drawing/2010/main" xmlns="" val="0"/>
               </a:ext>
             </a:extLst>
           </a:blip>
@@ -5489,7 +5518,7 @@
     </p:spTree>
     <p:extLst>
       <p:ext uri="{BB962C8B-B14F-4D97-AF65-F5344CB8AC3E}">
-        <p14:creationId xmlns:p14="http://schemas.microsoft.com/office/powerpoint/2010/main" val="2659497869"/>
+        <p14:creationId xmlns:p14="http://schemas.microsoft.com/office/powerpoint/2010/main" xmlns="" val="2659497869"/>
       </p:ext>
     </p:extLst>
   </p:cSld>
@@ -5499,7 +5528,7 @@
   <p:timing>
     <p:tnLst>
       <p:par>
-        <p:cTn xmlns:p14="http://schemas.microsoft.com/office/powerpoint/2010/main" id="1" dur="indefinite" restart="never" nodeType="tmRoot"/>
+        <p:cTn id="1" dur="indefinite" restart="never" nodeType="tmRoot"/>
       </p:par>
     </p:tnLst>
   </p:timing>
@@ -5532,10 +5561,10 @@
           <p:nvPr/>
         </p:nvPicPr>
         <p:blipFill>
-          <a:blip r:embed="rId2">
+          <a:blip r:embed="rId2" cstate="print">
             <a:extLst>
               <a:ext uri="{28A0092B-C50C-407E-A947-70E740481C1C}">
-                <a14:useLocalDpi xmlns:a14="http://schemas.microsoft.com/office/drawing/2010/main" val="0"/>
+                <a14:useLocalDpi xmlns:a14="http://schemas.microsoft.com/office/drawing/2010/main" xmlns="" val="0"/>
               </a:ext>
             </a:extLst>
           </a:blip>
@@ -5639,10 +5668,10 @@
           <p:nvPr/>
         </p:nvPicPr>
         <p:blipFill>
-          <a:blip r:embed="rId3">
+          <a:blip r:embed="rId3" cstate="print">
             <a:extLst>
               <a:ext uri="{28A0092B-C50C-407E-A947-70E740481C1C}">
-                <a14:useLocalDpi xmlns:a14="http://schemas.microsoft.com/office/drawing/2010/main" val="0"/>
+                <a14:useLocalDpi xmlns:a14="http://schemas.microsoft.com/office/drawing/2010/main" xmlns="" val="0"/>
               </a:ext>
             </a:extLst>
           </a:blip>
@@ -5698,8 +5727,64 @@
           <a:lstStyle/>
           <a:p>
             <a:r>
-              <a:rPr lang="en-US"/>
-              <a:t>In vašo oceno delite z ostalimi preko socialnih omrežij!</a:t>
+              <a:rPr lang="en-US" dirty="0"/>
+              <a:t>In </a:t>
+            </a:r>
+            <a:r>
+              <a:rPr lang="en-US" dirty="0" err="1"/>
+              <a:t>vašo</a:t>
+            </a:r>
+            <a:r>
+              <a:rPr lang="en-US" dirty="0"/>
+              <a:t> </a:t>
+            </a:r>
+            <a:r>
+              <a:rPr lang="en-US" dirty="0" err="1"/>
+              <a:t>oceno</a:t>
+            </a:r>
+            <a:r>
+              <a:rPr lang="en-US" dirty="0"/>
+              <a:t> </a:t>
+            </a:r>
+            <a:r>
+              <a:rPr lang="en-US" dirty="0" err="1"/>
+              <a:t>delite</a:t>
+            </a:r>
+            <a:r>
+              <a:rPr lang="en-US" dirty="0"/>
+              <a:t> z </a:t>
+            </a:r>
+            <a:r>
+              <a:rPr lang="en-US" dirty="0" err="1"/>
+              <a:t>ostalimi</a:t>
+            </a:r>
+            <a:r>
+              <a:rPr lang="en-US" dirty="0"/>
+              <a:t> </a:t>
+            </a:r>
+            <a:r>
+              <a:rPr lang="en-US" dirty="0" err="1"/>
+              <a:t>preko</a:t>
+            </a:r>
+            <a:r>
+              <a:rPr lang="en-US" dirty="0"/>
+              <a:t> </a:t>
+            </a:r>
+            <a:r>
+              <a:rPr lang="en-US" dirty="0" err="1"/>
+              <a:t>socialnih</a:t>
+            </a:r>
+            <a:r>
+              <a:rPr lang="en-US" dirty="0"/>
+              <a:t> </a:t>
+            </a:r>
+            <a:r>
+              <a:rPr lang="en-US" dirty="0" err="1"/>
+              <a:t>omrežij</a:t>
+            </a:r>
+            <a:r>
+              <a:rPr lang="en-US" dirty="0"/>
+              <a:t>!</a:t>
             </a:r>
           </a:p>
         </p:txBody>
@@ -5740,7 +5825,7 @@
     </p:spTree>
     <p:extLst>
       <p:ext uri="{BB962C8B-B14F-4D97-AF65-F5344CB8AC3E}">
-        <p14:creationId xmlns:p14="http://schemas.microsoft.com/office/powerpoint/2010/main" val="2314394337"/>
+        <p14:creationId xmlns:p14="http://schemas.microsoft.com/office/powerpoint/2010/main" xmlns="" val="2314394337"/>
       </p:ext>
     </p:extLst>
   </p:cSld>
@@ -5750,7 +5835,7 @@
   <p:timing>
     <p:tnLst>
       <p:par>
-        <p:cTn xmlns:p14="http://schemas.microsoft.com/office/powerpoint/2010/main" id="1" dur="indefinite" restart="never" nodeType="tmRoot">
+        <p:cTn id="1" dur="indefinite" restart="never" nodeType="tmRoot">
           <p:childTnLst>
             <p:seq concurrent="1" nextAc="seek">
               <p:cTn id="2" dur="indefinite" nodeType="mainSeq">
@@ -6073,29 +6158,156 @@
           <a:chExt cx="0" cy="0"/>
         </a:xfrm>
       </p:grpSpPr>
-      <p:sp>
-        <p:nvSpPr>
-          <p:cNvPr id="2" name="Title 1"/>
-          <p:cNvSpPr>
-            <a:spLocks noGrp="1"/>
-          </p:cNvSpPr>
-          <p:nvPr>
-            <p:ph type="title"/>
-          </p:nvPr>
-        </p:nvSpPr>
-        <p:spPr/>
-        <p:txBody>
-          <a:bodyPr/>
+      <p:pic>
+        <p:nvPicPr>
+          <p:cNvPr id="3" name="Picture 2" descr="Screenshot 2015-06-12 07.26.02.png"/>
+          <p:cNvPicPr>
+            <a:picLocks noChangeAspect="1"/>
+          </p:cNvPicPr>
+          <p:nvPr/>
+        </p:nvPicPr>
+        <p:blipFill>
+          <a:blip r:embed="rId2" cstate="print"/>
+          <a:stretch>
+            <a:fillRect/>
+          </a:stretch>
+        </p:blipFill>
+        <p:spPr>
+          <a:xfrm>
+            <a:off x="0" y="580576"/>
+            <a:ext cx="9144000" cy="5297713"/>
+          </a:xfrm>
+          <a:prstGeom prst="rect">
+            <a:avLst/>
+          </a:prstGeom>
+        </p:spPr>
+      </p:pic>
+      <p:sp>
+        <p:nvSpPr>
+          <p:cNvPr id="5" name="TextBox 4"/>
+          <p:cNvSpPr txBox="1"/>
+          <p:nvPr/>
+        </p:nvSpPr>
+        <p:spPr>
+          <a:xfrm>
+            <a:off x="5431413" y="5579756"/>
+            <a:ext cx="3510611" cy="646331"/>
+          </a:xfrm>
+          <a:prstGeom prst="rect">
+            <a:avLst/>
+          </a:prstGeom>
+        </p:spPr>
+        <p:style>
+          <a:lnRef idx="2">
+            <a:schemeClr val="accent1">
+              <a:shade val="50000"/>
+            </a:schemeClr>
+          </a:lnRef>
+          <a:fillRef idx="1">
+            <a:schemeClr val="accent1"/>
+          </a:fillRef>
+          <a:effectRef idx="0">
+            <a:schemeClr val="accent1"/>
+          </a:effectRef>
+          <a:fontRef idx="minor">
+            <a:schemeClr val="lt1"/>
+          </a:fontRef>
+        </p:style>
+        <p:txBody>
+          <a:bodyPr wrap="square" rtlCol="0">
+            <a:spAutoFit/>
+          </a:bodyPr>
           <a:lstStyle/>
           <a:p>
-            <a:endParaRPr lang="en-US"/>
-          </a:p>
-        </p:txBody>
-      </p:sp>
+            <a:r>
+              <a:rPr lang="en-US" dirty="0" err="1" smtClean="0"/>
+              <a:t>Lahko</a:t>
+            </a:r>
+            <a:r>
+              <a:rPr lang="en-US" dirty="0" smtClean="0"/>
+              <a:t> </a:t>
+            </a:r>
+            <a:r>
+              <a:rPr lang="en-US" dirty="0" err="1" smtClean="0"/>
+              <a:t>si</a:t>
+            </a:r>
+            <a:r>
+              <a:rPr lang="en-US" dirty="0" smtClean="0"/>
+              <a:t> </a:t>
+            </a:r>
+            <a:r>
+              <a:rPr lang="en-US" dirty="0" err="1" smtClean="0"/>
+              <a:t>pogledas</a:t>
+            </a:r>
+            <a:r>
+              <a:rPr lang="en-US" dirty="0" smtClean="0"/>
+              <a:t> </a:t>
+            </a:r>
+            <a:r>
+              <a:rPr lang="en-US" dirty="0" err="1" smtClean="0"/>
+              <a:t>ali</a:t>
+            </a:r>
+            <a:r>
+              <a:rPr lang="en-US" dirty="0" smtClean="0"/>
+              <a:t> se film </a:t>
+            </a:r>
+            <a:r>
+              <a:rPr lang="en-US" dirty="0" err="1" smtClean="0"/>
+              <a:t>predvaja</a:t>
+            </a:r>
+            <a:r>
+              <a:rPr lang="en-US" dirty="0" smtClean="0"/>
+              <a:t> </a:t>
+            </a:r>
+            <a:r>
+              <a:rPr lang="en-US" dirty="0" err="1" smtClean="0"/>
+              <a:t>na</a:t>
+            </a:r>
+            <a:r>
+              <a:rPr lang="en-US" dirty="0" smtClean="0"/>
+              <a:t> TV</a:t>
+            </a:r>
+            <a:endParaRPr lang="en-US" dirty="0"/>
+          </a:p>
+        </p:txBody>
+      </p:sp>
+      <p:cxnSp>
+        <p:nvCxnSpPr>
+          <p:cNvPr id="6" name="Straight Arrow Connector 5"/>
+          <p:cNvCxnSpPr/>
+          <p:nvPr/>
+        </p:nvCxnSpPr>
+        <p:spPr>
+          <a:xfrm flipH="1" flipV="1">
+            <a:off x="4760686" y="5579756"/>
+            <a:ext cx="670727" cy="111802"/>
+          </a:xfrm>
+          <a:prstGeom prst="straightConnector1">
+            <a:avLst/>
+          </a:prstGeom>
+          <a:ln w="57150" cmpd="sng">
+            <a:tailEnd type="arrow"/>
+          </a:ln>
+        </p:spPr>
+        <p:style>
+          <a:lnRef idx="2">
+            <a:schemeClr val="accent1"/>
+          </a:lnRef>
+          <a:fillRef idx="0">
+            <a:schemeClr val="accent1"/>
+          </a:fillRef>
+          <a:effectRef idx="1">
+            <a:schemeClr val="accent1"/>
+          </a:effectRef>
+          <a:fontRef idx="minor">
+            <a:schemeClr val="tx1"/>
+          </a:fontRef>
+        </p:style>
+      </p:cxnSp>
     </p:spTree>
     <p:extLst>
       <p:ext uri="{BB962C8B-B14F-4D97-AF65-F5344CB8AC3E}">
-        <p14:creationId xmlns:p14="http://schemas.microsoft.com/office/powerpoint/2010/main" val="3022251980"/>
+        <p14:creationId xmlns:p14="http://schemas.microsoft.com/office/powerpoint/2010/main" xmlns="" val="3022251980"/>
       </p:ext>
     </p:extLst>
   </p:cSld>
@@ -6105,9 +6317,599 @@
   <p:timing>
     <p:tnLst>
       <p:par>
-        <p:cTn xmlns:p14="http://schemas.microsoft.com/office/powerpoint/2010/main" id="1" dur="indefinite" restart="never" nodeType="tmRoot"/>
+        <p:cTn id="1" dur="indefinite" restart="never" nodeType="tmRoot">
+          <p:childTnLst>
+            <p:seq concurrent="1" nextAc="seek">
+              <p:cTn id="2" dur="indefinite" nodeType="mainSeq">
+                <p:childTnLst>
+                  <p:par>
+                    <p:cTn id="3" fill="hold">
+                      <p:stCondLst>
+                        <p:cond delay="indefinite"/>
+                      </p:stCondLst>
+                      <p:childTnLst>
+                        <p:par>
+                          <p:cTn id="4" fill="hold">
+                            <p:stCondLst>
+                              <p:cond delay="0"/>
+                            </p:stCondLst>
+                            <p:childTnLst>
+                              <p:par>
+                                <p:cTn id="5" presetID="2" presetClass="entr" presetSubtype="4" fill="hold" nodeType="clickEffect">
+                                  <p:stCondLst>
+                                    <p:cond delay="0"/>
+                                  </p:stCondLst>
+                                  <p:childTnLst>
+                                    <p:set>
+                                      <p:cBhvr>
+                                        <p:cTn id="6" dur="1" fill="hold">
+                                          <p:stCondLst>
+                                            <p:cond delay="0"/>
+                                          </p:stCondLst>
+                                        </p:cTn>
+                                        <p:tgtEl>
+                                          <p:spTgt spid="6"/>
+                                        </p:tgtEl>
+                                        <p:attrNameLst>
+                                          <p:attrName>style.visibility</p:attrName>
+                                        </p:attrNameLst>
+                                      </p:cBhvr>
+                                      <p:to>
+                                        <p:strVal val="visible"/>
+                                      </p:to>
+                                    </p:set>
+                                    <p:anim calcmode="lin" valueType="num">
+                                      <p:cBhvr additive="base">
+                                        <p:cTn id="7" dur="210" fill="hold"/>
+                                        <p:tgtEl>
+                                          <p:spTgt spid="6"/>
+                                        </p:tgtEl>
+                                        <p:attrNameLst>
+                                          <p:attrName>ppt_x</p:attrName>
+                                        </p:attrNameLst>
+                                      </p:cBhvr>
+                                      <p:tavLst>
+                                        <p:tav tm="0">
+                                          <p:val>
+                                            <p:strVal val="#ppt_x"/>
+                                          </p:val>
+                                        </p:tav>
+                                        <p:tav tm="100000">
+                                          <p:val>
+                                            <p:strVal val="#ppt_x"/>
+                                          </p:val>
+                                        </p:tav>
+                                      </p:tavLst>
+                                    </p:anim>
+                                    <p:anim calcmode="lin" valueType="num">
+                                      <p:cBhvr additive="base">
+                                        <p:cTn id="8" dur="210" fill="hold"/>
+                                        <p:tgtEl>
+                                          <p:spTgt spid="6"/>
+                                        </p:tgtEl>
+                                        <p:attrNameLst>
+                                          <p:attrName>ppt_y</p:attrName>
+                                        </p:attrNameLst>
+                                      </p:cBhvr>
+                                      <p:tavLst>
+                                        <p:tav tm="0">
+                                          <p:val>
+                                            <p:strVal val="1+#ppt_h/2"/>
+                                          </p:val>
+                                        </p:tav>
+                                        <p:tav tm="100000">
+                                          <p:val>
+                                            <p:strVal val="#ppt_y"/>
+                                          </p:val>
+                                        </p:tav>
+                                      </p:tavLst>
+                                    </p:anim>
+                                  </p:childTnLst>
+                                </p:cTn>
+                              </p:par>
+                            </p:childTnLst>
+                          </p:cTn>
+                        </p:par>
+                      </p:childTnLst>
+                    </p:cTn>
+                  </p:par>
+                  <p:par>
+                    <p:cTn id="9" fill="hold">
+                      <p:stCondLst>
+                        <p:cond delay="indefinite"/>
+                      </p:stCondLst>
+                      <p:childTnLst>
+                        <p:par>
+                          <p:cTn id="10" fill="hold">
+                            <p:stCondLst>
+                              <p:cond delay="0"/>
+                            </p:stCondLst>
+                            <p:childTnLst>
+                              <p:par>
+                                <p:cTn id="11" presetID="2" presetClass="entr" presetSubtype="4" fill="hold" grpId="0" nodeType="clickEffect">
+                                  <p:stCondLst>
+                                    <p:cond delay="0"/>
+                                  </p:stCondLst>
+                                  <p:childTnLst>
+                                    <p:set>
+                                      <p:cBhvr>
+                                        <p:cTn id="12" dur="1" fill="hold">
+                                          <p:stCondLst>
+                                            <p:cond delay="0"/>
+                                          </p:stCondLst>
+                                        </p:cTn>
+                                        <p:tgtEl>
+                                          <p:spTgt spid="5"/>
+                                        </p:tgtEl>
+                                        <p:attrNameLst>
+                                          <p:attrName>style.visibility</p:attrName>
+                                        </p:attrNameLst>
+                                      </p:cBhvr>
+                                      <p:to>
+                                        <p:strVal val="visible"/>
+                                      </p:to>
+                                    </p:set>
+                                    <p:anim calcmode="lin" valueType="num">
+                                      <p:cBhvr additive="base">
+                                        <p:cTn id="13" dur="210" fill="hold"/>
+                                        <p:tgtEl>
+                                          <p:spTgt spid="5"/>
+                                        </p:tgtEl>
+                                        <p:attrNameLst>
+                                          <p:attrName>ppt_x</p:attrName>
+                                        </p:attrNameLst>
+                                      </p:cBhvr>
+                                      <p:tavLst>
+                                        <p:tav tm="0">
+                                          <p:val>
+                                            <p:strVal val="#ppt_x"/>
+                                          </p:val>
+                                        </p:tav>
+                                        <p:tav tm="100000">
+                                          <p:val>
+                                            <p:strVal val="#ppt_x"/>
+                                          </p:val>
+                                        </p:tav>
+                                      </p:tavLst>
+                                    </p:anim>
+                                    <p:anim calcmode="lin" valueType="num">
+                                      <p:cBhvr additive="base">
+                                        <p:cTn id="14" dur="210" fill="hold"/>
+                                        <p:tgtEl>
+                                          <p:spTgt spid="5"/>
+                                        </p:tgtEl>
+                                        <p:attrNameLst>
+                                          <p:attrName>ppt_y</p:attrName>
+                                        </p:attrNameLst>
+                                      </p:cBhvr>
+                                      <p:tavLst>
+                                        <p:tav tm="0">
+                                          <p:val>
+                                            <p:strVal val="1+#ppt_h/2"/>
+                                          </p:val>
+                                        </p:tav>
+                                        <p:tav tm="100000">
+                                          <p:val>
+                                            <p:strVal val="#ppt_y"/>
+                                          </p:val>
+                                        </p:tav>
+                                      </p:tavLst>
+                                    </p:anim>
+                                  </p:childTnLst>
+                                </p:cTn>
+                              </p:par>
+                            </p:childTnLst>
+                          </p:cTn>
+                        </p:par>
+                      </p:childTnLst>
+                    </p:cTn>
+                  </p:par>
+                </p:childTnLst>
+              </p:cTn>
+              <p:prevCondLst>
+                <p:cond evt="onPrev" delay="0">
+                  <p:tgtEl>
+                    <p:sldTgt/>
+                  </p:tgtEl>
+                </p:cond>
+              </p:prevCondLst>
+              <p:nextCondLst>
+                <p:cond evt="onNext" delay="0">
+                  <p:tgtEl>
+                    <p:sldTgt/>
+                  </p:tgtEl>
+                </p:cond>
+              </p:nextCondLst>
+            </p:seq>
+          </p:childTnLst>
+        </p:cTn>
       </p:par>
     </p:tnLst>
+    <p:bldLst>
+      <p:bldP spid="5" grpId="0" animBg="1"/>
+    </p:bldLst>
+  </p:timing>
+</p:sld>
+</file>
+
+<file path=ppt/slides/slide6.xml><?xml version="1.0" encoding="utf-8"?>
+<p:sld xmlns:a="http://schemas.openxmlformats.org/drawingml/2006/main" xmlns:r="http://schemas.openxmlformats.org/officeDocument/2006/relationships" xmlns:p="http://schemas.openxmlformats.org/presentationml/2006/main">
+  <p:cSld>
+    <p:spTree>
+      <p:nvGrpSpPr>
+        <p:cNvPr id="1" name=""/>
+        <p:cNvGrpSpPr/>
+        <p:nvPr/>
+      </p:nvGrpSpPr>
+      <p:grpSpPr>
+        <a:xfrm>
+          <a:off x="0" y="0"/>
+          <a:ext cx="0" cy="0"/>
+          <a:chOff x="0" y="0"/>
+          <a:chExt cx="0" cy="0"/>
+        </a:xfrm>
+      </p:grpSpPr>
+      <p:pic>
+        <p:nvPicPr>
+          <p:cNvPr id="4" name="Picture 3" descr="Screenshot 2015-06-12 07.27.11.png"/>
+          <p:cNvPicPr>
+            <a:picLocks noChangeAspect="1"/>
+          </p:cNvPicPr>
+          <p:nvPr/>
+        </p:nvPicPr>
+        <p:blipFill>
+          <a:blip r:embed="rId2" cstate="print"/>
+          <a:stretch>
+            <a:fillRect/>
+          </a:stretch>
+        </p:blipFill>
+        <p:spPr>
+          <a:xfrm>
+            <a:off x="359531" y="756746"/>
+            <a:ext cx="8573454" cy="4631180"/>
+          </a:xfrm>
+          <a:prstGeom prst="rect">
+            <a:avLst/>
+          </a:prstGeom>
+        </p:spPr>
+      </p:pic>
+      <p:sp>
+        <p:nvSpPr>
+          <p:cNvPr id="5" name="TextBox 4"/>
+          <p:cNvSpPr txBox="1"/>
+          <p:nvPr/>
+        </p:nvSpPr>
+        <p:spPr>
+          <a:xfrm>
+            <a:off x="5431413" y="5579756"/>
+            <a:ext cx="3510611" cy="646331"/>
+          </a:xfrm>
+          <a:prstGeom prst="rect">
+            <a:avLst/>
+          </a:prstGeom>
+        </p:spPr>
+        <p:style>
+          <a:lnRef idx="2">
+            <a:schemeClr val="accent1">
+              <a:shade val="50000"/>
+            </a:schemeClr>
+          </a:lnRef>
+          <a:fillRef idx="1">
+            <a:schemeClr val="accent1"/>
+          </a:fillRef>
+          <a:effectRef idx="0">
+            <a:schemeClr val="accent1"/>
+          </a:effectRef>
+          <a:fontRef idx="minor">
+            <a:schemeClr val="lt1"/>
+          </a:fontRef>
+        </p:style>
+        <p:txBody>
+          <a:bodyPr wrap="square" rtlCol="0">
+            <a:spAutoFit/>
+          </a:bodyPr>
+          <a:lstStyle/>
+          <a:p>
+            <a:r>
+              <a:rPr lang="en-US" dirty="0" err="1" smtClean="0"/>
+              <a:t>Lahko</a:t>
+            </a:r>
+            <a:r>
+              <a:rPr lang="en-US" dirty="0" smtClean="0"/>
+              <a:t> </a:t>
+            </a:r>
+            <a:r>
+              <a:rPr lang="en-US" dirty="0" err="1" smtClean="0"/>
+              <a:t>si</a:t>
+            </a:r>
+            <a:r>
+              <a:rPr lang="en-US" dirty="0" smtClean="0"/>
+              <a:t> </a:t>
+            </a:r>
+            <a:r>
+              <a:rPr lang="en-US" dirty="0" err="1" smtClean="0"/>
+              <a:t>pogledas</a:t>
+            </a:r>
+            <a:r>
+              <a:rPr lang="en-US" dirty="0" smtClean="0"/>
+              <a:t> </a:t>
+            </a:r>
+            <a:r>
+              <a:rPr lang="en-US" dirty="0" err="1" smtClean="0"/>
+              <a:t>ali</a:t>
+            </a:r>
+            <a:r>
+              <a:rPr lang="en-US" dirty="0" smtClean="0"/>
+              <a:t> se film </a:t>
+            </a:r>
+            <a:r>
+              <a:rPr lang="en-US" dirty="0" err="1" smtClean="0"/>
+              <a:t>predvaja</a:t>
+            </a:r>
+            <a:r>
+              <a:rPr lang="en-US" dirty="0" smtClean="0"/>
+              <a:t> v </a:t>
+            </a:r>
+            <a:r>
+              <a:rPr lang="en-US" dirty="0" err="1" smtClean="0"/>
+              <a:t>kinu</a:t>
+            </a:r>
+            <a:endParaRPr lang="en-US" dirty="0"/>
+          </a:p>
+        </p:txBody>
+      </p:sp>
+      <p:cxnSp>
+        <p:nvCxnSpPr>
+          <p:cNvPr id="6" name="Straight Arrow Connector 5"/>
+          <p:cNvCxnSpPr/>
+          <p:nvPr/>
+        </p:nvCxnSpPr>
+        <p:spPr>
+          <a:xfrm flipH="1" flipV="1">
+            <a:off x="4760686" y="5387926"/>
+            <a:ext cx="670728" cy="303632"/>
+          </a:xfrm>
+          <a:prstGeom prst="straightConnector1">
+            <a:avLst/>
+          </a:prstGeom>
+          <a:ln w="57150" cmpd="sng">
+            <a:tailEnd type="arrow"/>
+          </a:ln>
+        </p:spPr>
+        <p:style>
+          <a:lnRef idx="2">
+            <a:schemeClr val="accent1"/>
+          </a:lnRef>
+          <a:fillRef idx="0">
+            <a:schemeClr val="accent1"/>
+          </a:fillRef>
+          <a:effectRef idx="1">
+            <a:schemeClr val="accent1"/>
+          </a:effectRef>
+          <a:fontRef idx="minor">
+            <a:schemeClr val="tx1"/>
+          </a:fontRef>
+        </p:style>
+      </p:cxnSp>
+    </p:spTree>
+  </p:cSld>
+  <p:clrMapOvr>
+    <a:masterClrMapping/>
+  </p:clrMapOvr>
+  <p:timing>
+    <p:tnLst>
+      <p:par>
+        <p:cTn id="1" dur="indefinite" restart="never" nodeType="tmRoot">
+          <p:childTnLst>
+            <p:seq concurrent="1" nextAc="seek">
+              <p:cTn id="2" dur="indefinite" nodeType="mainSeq">
+                <p:childTnLst>
+                  <p:par>
+                    <p:cTn id="3" fill="hold">
+                      <p:stCondLst>
+                        <p:cond delay="indefinite"/>
+                      </p:stCondLst>
+                      <p:childTnLst>
+                        <p:par>
+                          <p:cTn id="4" fill="hold">
+                            <p:stCondLst>
+                              <p:cond delay="0"/>
+                            </p:stCondLst>
+                            <p:childTnLst>
+                              <p:par>
+                                <p:cTn id="5" presetID="2" presetClass="entr" presetSubtype="4" fill="hold" nodeType="clickEffect">
+                                  <p:stCondLst>
+                                    <p:cond delay="0"/>
+                                  </p:stCondLst>
+                                  <p:childTnLst>
+                                    <p:set>
+                                      <p:cBhvr>
+                                        <p:cTn id="6" dur="1" fill="hold">
+                                          <p:stCondLst>
+                                            <p:cond delay="0"/>
+                                          </p:stCondLst>
+                                        </p:cTn>
+                                        <p:tgtEl>
+                                          <p:spTgt spid="6"/>
+                                        </p:tgtEl>
+                                        <p:attrNameLst>
+                                          <p:attrName>style.visibility</p:attrName>
+                                        </p:attrNameLst>
+                                      </p:cBhvr>
+                                      <p:to>
+                                        <p:strVal val="visible"/>
+                                      </p:to>
+                                    </p:set>
+                                    <p:anim calcmode="lin" valueType="num">
+                                      <p:cBhvr additive="base">
+                                        <p:cTn id="7" dur="210" fill="hold"/>
+                                        <p:tgtEl>
+                                          <p:spTgt spid="6"/>
+                                        </p:tgtEl>
+                                        <p:attrNameLst>
+                                          <p:attrName>ppt_x</p:attrName>
+                                        </p:attrNameLst>
+                                      </p:cBhvr>
+                                      <p:tavLst>
+                                        <p:tav tm="0">
+                                          <p:val>
+                                            <p:strVal val="#ppt_x"/>
+                                          </p:val>
+                                        </p:tav>
+                                        <p:tav tm="100000">
+                                          <p:val>
+                                            <p:strVal val="#ppt_x"/>
+                                          </p:val>
+                                        </p:tav>
+                                      </p:tavLst>
+                                    </p:anim>
+                                    <p:anim calcmode="lin" valueType="num">
+                                      <p:cBhvr additive="base">
+                                        <p:cTn id="8" dur="210" fill="hold"/>
+                                        <p:tgtEl>
+                                          <p:spTgt spid="6"/>
+                                        </p:tgtEl>
+                                        <p:attrNameLst>
+                                          <p:attrName>ppt_y</p:attrName>
+                                        </p:attrNameLst>
+                                      </p:cBhvr>
+                                      <p:tavLst>
+                                        <p:tav tm="0">
+                                          <p:val>
+                                            <p:strVal val="1+#ppt_h/2"/>
+                                          </p:val>
+                                        </p:tav>
+                                        <p:tav tm="100000">
+                                          <p:val>
+                                            <p:strVal val="#ppt_y"/>
+                                          </p:val>
+                                        </p:tav>
+                                      </p:tavLst>
+                                    </p:anim>
+                                  </p:childTnLst>
+                                </p:cTn>
+                              </p:par>
+                            </p:childTnLst>
+                          </p:cTn>
+                        </p:par>
+                      </p:childTnLst>
+                    </p:cTn>
+                  </p:par>
+                  <p:par>
+                    <p:cTn id="9" fill="hold">
+                      <p:stCondLst>
+                        <p:cond delay="indefinite"/>
+                      </p:stCondLst>
+                      <p:childTnLst>
+                        <p:par>
+                          <p:cTn id="10" fill="hold">
+                            <p:stCondLst>
+                              <p:cond delay="0"/>
+                            </p:stCondLst>
+                            <p:childTnLst>
+                              <p:par>
+                                <p:cTn id="11" presetID="2" presetClass="entr" presetSubtype="4" fill="hold" grpId="0" nodeType="clickEffect">
+                                  <p:stCondLst>
+                                    <p:cond delay="0"/>
+                                  </p:stCondLst>
+                                  <p:childTnLst>
+                                    <p:set>
+                                      <p:cBhvr>
+                                        <p:cTn id="12" dur="1" fill="hold">
+                                          <p:stCondLst>
+                                            <p:cond delay="0"/>
+                                          </p:stCondLst>
+                                        </p:cTn>
+                                        <p:tgtEl>
+                                          <p:spTgt spid="5"/>
+                                        </p:tgtEl>
+                                        <p:attrNameLst>
+                                          <p:attrName>style.visibility</p:attrName>
+                                        </p:attrNameLst>
+                                      </p:cBhvr>
+                                      <p:to>
+                                        <p:strVal val="visible"/>
+                                      </p:to>
+                                    </p:set>
+                                    <p:anim calcmode="lin" valueType="num">
+                                      <p:cBhvr additive="base">
+                                        <p:cTn id="13" dur="210" fill="hold"/>
+                                        <p:tgtEl>
+                                          <p:spTgt spid="5"/>
+                                        </p:tgtEl>
+                                        <p:attrNameLst>
+                                          <p:attrName>ppt_x</p:attrName>
+                                        </p:attrNameLst>
+                                      </p:cBhvr>
+                                      <p:tavLst>
+                                        <p:tav tm="0">
+                                          <p:val>
+                                            <p:strVal val="#ppt_x"/>
+                                          </p:val>
+                                        </p:tav>
+                                        <p:tav tm="100000">
+                                          <p:val>
+                                            <p:strVal val="#ppt_x"/>
+                                          </p:val>
+                                        </p:tav>
+                                      </p:tavLst>
+                                    </p:anim>
+                                    <p:anim calcmode="lin" valueType="num">
+                                      <p:cBhvr additive="base">
+                                        <p:cTn id="14" dur="210" fill="hold"/>
+                                        <p:tgtEl>
+                                          <p:spTgt spid="5"/>
+                                        </p:tgtEl>
+                                        <p:attrNameLst>
+                                          <p:attrName>ppt_y</p:attrName>
+                                        </p:attrNameLst>
+                                      </p:cBhvr>
+                                      <p:tavLst>
+                                        <p:tav tm="0">
+                                          <p:val>
+                                            <p:strVal val="1+#ppt_h/2"/>
+                                          </p:val>
+                                        </p:tav>
+                                        <p:tav tm="100000">
+                                          <p:val>
+                                            <p:strVal val="#ppt_y"/>
+                                          </p:val>
+                                        </p:tav>
+                                      </p:tavLst>
+                                    </p:anim>
+                                  </p:childTnLst>
+                                </p:cTn>
+                              </p:par>
+                            </p:childTnLst>
+                          </p:cTn>
+                        </p:par>
+                      </p:childTnLst>
+                    </p:cTn>
+                  </p:par>
+                </p:childTnLst>
+              </p:cTn>
+              <p:prevCondLst>
+                <p:cond evt="onPrev" delay="0">
+                  <p:tgtEl>
+                    <p:sldTgt/>
+                  </p:tgtEl>
+                </p:cond>
+              </p:prevCondLst>
+              <p:nextCondLst>
+                <p:cond evt="onNext" delay="0">
+                  <p:tgtEl>
+                    <p:sldTgt/>
+                  </p:tgtEl>
+                </p:cond>
+              </p:nextCondLst>
+            </p:seq>
+          </p:childTnLst>
+        </p:cTn>
+      </p:par>
+    </p:tnLst>
+    <p:bldLst>
+      <p:bldP spid="5" grpId="0" animBg="1"/>
+    </p:bldLst>
   </p:timing>
 </p:sld>
 </file>

--- a/SP_predstavitev.pptx
+++ b/SP_predstavitev.pptx
@@ -9,7 +9,8 @@
     <p:sldId id="259" r:id="rId3"/>
     <p:sldId id="258" r:id="rId4"/>
     <p:sldId id="260" r:id="rId5"/>
-    <p:sldId id="261" r:id="rId6"/>
+    <p:sldId id="262" r:id="rId6"/>
+    <p:sldId id="261" r:id="rId7"/>
   </p:sldIdLst>
   <p:sldSz cx="9144000" cy="6858000" type="screen4x3"/>
   <p:notesSz cx="6858000" cy="9144000"/>
@@ -330,7 +331,7 @@
           <a:p>
             <a:fld id="{70FAA508-F0CD-46EA-95FB-26B559A0B5D9}" type="datetimeFigureOut">
               <a:rPr lang="en-US" smtClean="0"/>
-              <a:t>11/06/15</a:t>
+              <a:t>12/06/15</a:t>
             </a:fld>
             <a:endParaRPr lang="en-US"/>
           </a:p>
@@ -651,7 +652,7 @@
           <a:p>
             <a:fld id="{70FAA508-F0CD-46EA-95FB-26B559A0B5D9}" type="datetimeFigureOut">
               <a:rPr lang="en-US" smtClean="0"/>
-              <a:t>11/06/15</a:t>
+              <a:t>12/06/15</a:t>
             </a:fld>
             <a:endParaRPr lang="en-US"/>
           </a:p>
@@ -928,7 +929,7 @@
           <a:p>
             <a:fld id="{70FAA508-F0CD-46EA-95FB-26B559A0B5D9}" type="datetimeFigureOut">
               <a:rPr lang="en-US" smtClean="0"/>
-              <a:t>11/06/15</a:t>
+              <a:t>12/06/15</a:t>
             </a:fld>
             <a:endParaRPr lang="en-US"/>
           </a:p>
@@ -1222,7 +1223,7 @@
           <a:p>
             <a:fld id="{70FAA508-F0CD-46EA-95FB-26B559A0B5D9}" type="datetimeFigureOut">
               <a:rPr lang="en-US" smtClean="0"/>
-              <a:t>11/06/15</a:t>
+              <a:t>12/06/15</a:t>
             </a:fld>
             <a:endParaRPr lang="en-US"/>
           </a:p>
@@ -1551,7 +1552,7 @@
           <a:p>
             <a:fld id="{70FAA508-F0CD-46EA-95FB-26B559A0B5D9}" type="datetimeFigureOut">
               <a:rPr lang="en-US" smtClean="0"/>
-              <a:t>11/06/15</a:t>
+              <a:t>12/06/15</a:t>
             </a:fld>
             <a:endParaRPr lang="en-US"/>
           </a:p>
@@ -1802,7 +1803,7 @@
           <a:p>
             <a:fld id="{70FAA508-F0CD-46EA-95FB-26B559A0B5D9}" type="datetimeFigureOut">
               <a:rPr lang="en-US" smtClean="0"/>
-              <a:t>11/06/15</a:t>
+              <a:t>12/06/15</a:t>
             </a:fld>
             <a:endParaRPr lang="en-US"/>
           </a:p>
@@ -1981,7 +1982,7 @@
           <a:p>
             <a:fld id="{70FAA508-F0CD-46EA-95FB-26B559A0B5D9}" type="datetimeFigureOut">
               <a:rPr lang="en-US" smtClean="0"/>
-              <a:t>11/06/15</a:t>
+              <a:t>12/06/15</a:t>
             </a:fld>
             <a:endParaRPr lang="en-US"/>
           </a:p>
@@ -2150,7 +2151,7 @@
           <a:p>
             <a:fld id="{70FAA508-F0CD-46EA-95FB-26B559A0B5D9}" type="datetimeFigureOut">
               <a:rPr lang="en-US" smtClean="0"/>
-              <a:t>11/06/15</a:t>
+              <a:t>12/06/15</a:t>
             </a:fld>
             <a:endParaRPr lang="en-US"/>
           </a:p>
@@ -2419,7 +2420,7 @@
           <a:p>
             <a:fld id="{70FAA508-F0CD-46EA-95FB-26B559A0B5D9}" type="datetimeFigureOut">
               <a:rPr lang="en-US" smtClean="0"/>
-              <a:t>11/06/15</a:t>
+              <a:t>12/06/15</a:t>
             </a:fld>
             <a:endParaRPr lang="en-US"/>
           </a:p>
@@ -2726,7 +2727,7 @@
           <a:p>
             <a:fld id="{70FAA508-F0CD-46EA-95FB-26B559A0B5D9}" type="datetimeFigureOut">
               <a:rPr lang="en-US" smtClean="0"/>
-              <a:t>11/06/15</a:t>
+              <a:t>12/06/15</a:t>
             </a:fld>
             <a:endParaRPr lang="en-US"/>
           </a:p>
@@ -3018,7 +3019,7 @@
           <a:p>
             <a:fld id="{70FAA508-F0CD-46EA-95FB-26B559A0B5D9}" type="datetimeFigureOut">
               <a:rPr lang="en-US" smtClean="0"/>
-              <a:t>11/06/15</a:t>
+              <a:t>12/06/15</a:t>
             </a:fld>
             <a:endParaRPr lang="en-US"/>
           </a:p>
@@ -3448,7 +3449,7 @@
           <a:p>
             <a:fld id="{70FAA508-F0CD-46EA-95FB-26B559A0B5D9}" type="datetimeFigureOut">
               <a:rPr lang="en-US" smtClean="0"/>
-              <a:t>11/06/15</a:t>
+              <a:t>12/06/15</a:t>
             </a:fld>
             <a:endParaRPr lang="en-US"/>
           </a:p>
@@ -3794,7 +3795,7 @@
           <a:p>
             <a:fld id="{70FAA508-F0CD-46EA-95FB-26B559A0B5D9}" type="datetimeFigureOut">
               <a:rPr lang="en-US" smtClean="0"/>
-              <a:t>11/06/15</a:t>
+              <a:t>12/06/15</a:t>
             </a:fld>
             <a:endParaRPr lang="en-US"/>
           </a:p>
@@ -3884,7 +3885,7 @@
           <a:p>
             <a:fld id="{70FAA508-F0CD-46EA-95FB-26B559A0B5D9}" type="datetimeFigureOut">
               <a:rPr lang="en-US" smtClean="0"/>
-              <a:t>11/06/15</a:t>
+              <a:t>12/06/15</a:t>
             </a:fld>
             <a:endParaRPr lang="en-US"/>
           </a:p>
@@ -4221,7 +4222,7 @@
           <a:p>
             <a:fld id="{70FAA508-F0CD-46EA-95FB-26B559A0B5D9}" type="datetimeFigureOut">
               <a:rPr lang="en-US" smtClean="0"/>
-              <a:t>11/06/15</a:t>
+              <a:t>12/06/15</a:t>
             </a:fld>
             <a:endParaRPr lang="en-US"/>
           </a:p>
@@ -4433,7 +4434,7 @@
           <a:p>
             <a:fld id="{70FAA508-F0CD-46EA-95FB-26B559A0B5D9}" type="datetimeFigureOut">
               <a:rPr lang="en-US" smtClean="0"/>
-              <a:t>11/06/15</a:t>
+              <a:t>12/06/15</a:t>
             </a:fld>
             <a:endParaRPr lang="en-US"/>
           </a:p>
@@ -5004,12 +5005,12 @@
         <p:spPr/>
         <p:txBody>
           <a:bodyPr>
-            <a:normAutofit/>
+            <a:normAutofit fontScale="85000" lnSpcReduction="10000"/>
           </a:bodyPr>
           <a:lstStyle/>
           <a:p>
             <a:r>
-              <a:rPr lang="en-US">
+              <a:rPr lang="en-US" sz="2200">
                 <a:latin typeface="Avenir Book"/>
                 <a:cs typeface="Avenir Book"/>
               </a:rPr>
@@ -5018,7 +5019,7 @@
           </a:p>
           <a:p>
             <a:r>
-              <a:rPr lang="en-US" i="1">
+              <a:rPr lang="en-US" sz="2200" i="1">
                 <a:latin typeface="Avenir Book"/>
                 <a:cs typeface="Avenir Book"/>
               </a:rPr>
@@ -5067,6 +5068,27 @@
               </a:rPr>
               <a:t>Urška Nemet</a:t>
             </a:r>
+          </a:p>
+          <a:p>
+            <a:pPr algn="r"/>
+            <a:r>
+              <a:rPr lang="en-US" i="1">
+                <a:latin typeface="Avenir Book"/>
+                <a:cs typeface="Avenir Book"/>
+              </a:rPr>
+              <a:t>Dominik Šb</a:t>
+            </a:r>
+            <a:r>
+              <a:rPr lang="en-US" i="1">
+                <a:latin typeface="Avenir Book"/>
+                <a:cs typeface="Avenir Book"/>
+              </a:rPr>
+              <a:t>üll</a:t>
+            </a:r>
+            <a:endParaRPr lang="en-US" i="1">
+              <a:latin typeface="Avenir Book"/>
+              <a:cs typeface="Avenir Book"/>
+            </a:endParaRPr>
           </a:p>
         </p:txBody>
       </p:sp>
@@ -5340,7 +5362,7 @@
         </p:nvSpPr>
         <p:spPr>
           <a:xfrm>
-            <a:off x="795434" y="4968604"/>
+            <a:off x="279100" y="4797894"/>
             <a:ext cx="6237029" cy="369332"/>
           </a:xfrm>
           <a:prstGeom prst="rect">
@@ -5384,8 +5406,8 @@
         </p:nvCxnSpPr>
         <p:spPr>
           <a:xfrm>
-            <a:off x="1631630" y="5337936"/>
-            <a:ext cx="740716" cy="0"/>
+            <a:off x="1631630" y="5167226"/>
+            <a:ext cx="740716" cy="240495"/>
           </a:xfrm>
           <a:prstGeom prst="straightConnector1">
             <a:avLst/>
@@ -5840,33 +5862,15 @@
                                   </p:childTnLst>
                                 </p:cTn>
                               </p:par>
-                            </p:childTnLst>
-                          </p:cTn>
-                        </p:par>
-                      </p:childTnLst>
-                    </p:cTn>
-                  </p:par>
-                  <p:par>
-                    <p:cTn id="9" fill="hold">
-                      <p:stCondLst>
-                        <p:cond delay="indefinite"/>
-                      </p:stCondLst>
-                      <p:childTnLst>
-                        <p:par>
-                          <p:cTn id="10" fill="hold">
-                            <p:stCondLst>
-                              <p:cond delay="0"/>
-                            </p:stCondLst>
-                            <p:childTnLst>
                               <p:par>
-                                <p:cTn id="11" presetID="2" presetClass="entr" presetSubtype="4" fill="hold" nodeType="clickEffect">
+                                <p:cTn id="9" presetID="2" presetClass="entr" presetSubtype="4" fill="hold" nodeType="withEffect">
                                   <p:stCondLst>
                                     <p:cond delay="0"/>
                                   </p:stCondLst>
                                   <p:childTnLst>
                                     <p:set>
                                       <p:cBhvr>
-                                        <p:cTn id="12" dur="1" fill="hold">
+                                        <p:cTn id="10" dur="1" fill="hold">
                                           <p:stCondLst>
                                             <p:cond delay="0"/>
                                           </p:stCondLst>
@@ -5884,7 +5888,7 @@
                                     </p:set>
                                     <p:anim calcmode="lin" valueType="num">
                                       <p:cBhvr additive="base">
-                                        <p:cTn id="13" dur="210" fill="hold"/>
+                                        <p:cTn id="11" dur="500" fill="hold"/>
                                         <p:tgtEl>
                                           <p:spTgt spid="17"/>
                                         </p:tgtEl>
@@ -5907,7 +5911,7 @@
                                     </p:anim>
                                     <p:anim calcmode="lin" valueType="num">
                                       <p:cBhvr additive="base">
-                                        <p:cTn id="14" dur="210" fill="hold"/>
+                                        <p:cTn id="12" dur="500" fill="hold"/>
                                         <p:tgtEl>
                                           <p:spTgt spid="17"/>
                                         </p:tgtEl>
@@ -5931,33 +5935,15 @@
                                   </p:childTnLst>
                                 </p:cTn>
                               </p:par>
-                            </p:childTnLst>
-                          </p:cTn>
-                        </p:par>
-                      </p:childTnLst>
-                    </p:cTn>
-                  </p:par>
-                  <p:par>
-                    <p:cTn id="15" fill="hold">
-                      <p:stCondLst>
-                        <p:cond delay="indefinite"/>
-                      </p:stCondLst>
-                      <p:childTnLst>
-                        <p:par>
-                          <p:cTn id="16" fill="hold">
-                            <p:stCondLst>
-                              <p:cond delay="0"/>
-                            </p:stCondLst>
-                            <p:childTnLst>
                               <p:par>
-                                <p:cTn id="17" presetID="2" presetClass="entr" presetSubtype="4" fill="hold" grpId="0" nodeType="clickEffect">
+                                <p:cTn id="13" presetID="2" presetClass="entr" presetSubtype="4" fill="hold" grpId="0" nodeType="withEffect">
                                   <p:stCondLst>
                                     <p:cond delay="0"/>
                                   </p:stCondLst>
                                   <p:childTnLst>
                                     <p:set>
                                       <p:cBhvr>
-                                        <p:cTn id="18" dur="1" fill="hold">
+                                        <p:cTn id="14" dur="1" fill="hold">
                                           <p:stCondLst>
                                             <p:cond delay="0"/>
                                           </p:stCondLst>
@@ -5975,7 +5961,7 @@
                                     </p:set>
                                     <p:anim calcmode="lin" valueType="num">
                                       <p:cBhvr additive="base">
-                                        <p:cTn id="19" dur="210" fill="hold"/>
+                                        <p:cTn id="15" dur="500" fill="hold"/>
                                         <p:tgtEl>
                                           <p:spTgt spid="16"/>
                                         </p:tgtEl>
@@ -5998,7 +5984,7 @@
                                     </p:anim>
                                     <p:anim calcmode="lin" valueType="num">
                                       <p:cBhvr additive="base">
-                                        <p:cTn id="20" dur="210" fill="hold"/>
+                                        <p:cTn id="16" dur="500" fill="hold"/>
                                         <p:tgtEl>
                                           <p:spTgt spid="16"/>
                                         </p:tgtEl>
@@ -6092,6 +6078,276 @@
           </a:p>
         </p:txBody>
       </p:sp>
+      <p:sp>
+        <p:nvSpPr>
+          <p:cNvPr id="3" name="Content Placeholder 2"/>
+          <p:cNvSpPr>
+            <a:spLocks noGrp="1"/>
+          </p:cNvSpPr>
+          <p:nvPr>
+            <p:ph idx="1"/>
+          </p:nvPr>
+        </p:nvSpPr>
+        <p:spPr/>
+        <p:txBody>
+          <a:bodyPr/>
+          <a:lstStyle/>
+          <a:p>
+            <a:endParaRPr lang="en-US"/>
+          </a:p>
+        </p:txBody>
+      </p:sp>
+    </p:spTree>
+    <p:extLst>
+      <p:ext uri="{BB962C8B-B14F-4D97-AF65-F5344CB8AC3E}">
+        <p14:creationId xmlns:p14="http://schemas.microsoft.com/office/powerpoint/2010/main" val="2306047835"/>
+      </p:ext>
+    </p:extLst>
+  </p:cSld>
+  <p:clrMapOvr>
+    <a:masterClrMapping/>
+  </p:clrMapOvr>
+  <p:timing>
+    <p:tnLst>
+      <p:par>
+        <p:cTn xmlns:p14="http://schemas.microsoft.com/office/powerpoint/2010/main" id="1" dur="indefinite" restart="never" nodeType="tmRoot"/>
+      </p:par>
+    </p:tnLst>
+  </p:timing>
+</p:sld>
+</file>
+
+<file path=ppt/slides/slide6.xml><?xml version="1.0" encoding="utf-8"?>
+<p:sld xmlns:a="http://schemas.openxmlformats.org/drawingml/2006/main" xmlns:r="http://schemas.openxmlformats.org/officeDocument/2006/relationships" xmlns:p="http://schemas.openxmlformats.org/presentationml/2006/main">
+  <p:cSld>
+    <p:spTree>
+      <p:nvGrpSpPr>
+        <p:cNvPr id="1" name=""/>
+        <p:cNvGrpSpPr/>
+        <p:nvPr/>
+      </p:nvGrpSpPr>
+      <p:grpSpPr>
+        <a:xfrm>
+          <a:off x="0" y="0"/>
+          <a:ext cx="0" cy="0"/>
+          <a:chOff x="0" y="0"/>
+          <a:chExt cx="0" cy="0"/>
+        </a:xfrm>
+      </p:grpSpPr>
+      <p:pic>
+        <p:nvPicPr>
+          <p:cNvPr id="3" name="Picture 2" descr="Screen Shot 2015-06-12 at 03.08.28.png"/>
+          <p:cNvPicPr>
+            <a:picLocks noChangeAspect="1"/>
+          </p:cNvPicPr>
+          <p:nvPr/>
+        </p:nvPicPr>
+        <p:blipFill>
+          <a:blip r:embed="rId2">
+            <a:extLst>
+              <a:ext uri="{28A0092B-C50C-407E-A947-70E740481C1C}">
+                <a14:useLocalDpi xmlns:a14="http://schemas.microsoft.com/office/drawing/2010/main" val="0"/>
+              </a:ext>
+            </a:extLst>
+          </a:blip>
+          <a:stretch>
+            <a:fillRect/>
+          </a:stretch>
+        </p:blipFill>
+        <p:spPr>
+          <a:xfrm>
+            <a:off x="0" y="638858"/>
+            <a:ext cx="9144000" cy="5672743"/>
+          </a:xfrm>
+          <a:prstGeom prst="rect">
+            <a:avLst/>
+          </a:prstGeom>
+        </p:spPr>
+      </p:pic>
+      <p:sp>
+        <p:nvSpPr>
+          <p:cNvPr id="4" name="TextBox 3"/>
+          <p:cNvSpPr txBox="1"/>
+          <p:nvPr/>
+        </p:nvSpPr>
+        <p:spPr>
+          <a:xfrm>
+            <a:off x="1423407" y="1475096"/>
+            <a:ext cx="3516655" cy="646331"/>
+          </a:xfrm>
+          <a:prstGeom prst="rect">
+            <a:avLst/>
+          </a:prstGeom>
+        </p:spPr>
+        <p:style>
+          <a:lnRef idx="2">
+            <a:schemeClr val="accent1">
+              <a:shade val="50000"/>
+            </a:schemeClr>
+          </a:lnRef>
+          <a:fillRef idx="1">
+            <a:schemeClr val="accent1"/>
+          </a:fillRef>
+          <a:effectRef idx="0">
+            <a:schemeClr val="accent1"/>
+          </a:effectRef>
+          <a:fontRef idx="minor">
+            <a:schemeClr val="lt1"/>
+          </a:fontRef>
+        </p:style>
+        <p:txBody>
+          <a:bodyPr wrap="square" rtlCol="0">
+            <a:spAutoFit/>
+          </a:bodyPr>
+          <a:lstStyle/>
+          <a:p>
+            <a:r>
+              <a:rPr lang="en-US"/>
+              <a:t>Uporabniku predlagamo tudi nekaj naključnih filmov!</a:t>
+            </a:r>
+          </a:p>
+        </p:txBody>
+      </p:sp>
+      <p:cxnSp>
+        <p:nvCxnSpPr>
+          <p:cNvPr id="5" name="Straight Arrow Connector 4"/>
+          <p:cNvCxnSpPr/>
+          <p:nvPr/>
+        </p:nvCxnSpPr>
+        <p:spPr>
+          <a:xfrm>
+            <a:off x="2918442" y="2121427"/>
+            <a:ext cx="1" cy="1564383"/>
+          </a:xfrm>
+          <a:prstGeom prst="straightConnector1">
+            <a:avLst/>
+          </a:prstGeom>
+          <a:ln w="57150" cmpd="sng">
+            <a:tailEnd type="arrow"/>
+          </a:ln>
+        </p:spPr>
+        <p:style>
+          <a:lnRef idx="2">
+            <a:schemeClr val="accent1"/>
+          </a:lnRef>
+          <a:fillRef idx="0">
+            <a:schemeClr val="accent1"/>
+          </a:fillRef>
+          <a:effectRef idx="1">
+            <a:schemeClr val="accent1"/>
+          </a:effectRef>
+          <a:fontRef idx="minor">
+            <a:schemeClr val="tx1"/>
+          </a:fontRef>
+        </p:style>
+      </p:cxnSp>
+      <p:pic>
+        <p:nvPicPr>
+          <p:cNvPr id="7" name="Picture 6" descr="Screen Shot 2015-06-12 at 03.10.44.png"/>
+          <p:cNvPicPr>
+            <a:picLocks noChangeAspect="1"/>
+          </p:cNvPicPr>
+          <p:nvPr/>
+        </p:nvPicPr>
+        <p:blipFill>
+          <a:blip r:embed="rId3">
+            <a:extLst>
+              <a:ext uri="{28A0092B-C50C-407E-A947-70E740481C1C}">
+                <a14:useLocalDpi xmlns:a14="http://schemas.microsoft.com/office/drawing/2010/main" val="0"/>
+              </a:ext>
+            </a:extLst>
+          </a:blip>
+          <a:stretch>
+            <a:fillRect/>
+          </a:stretch>
+        </p:blipFill>
+        <p:spPr>
+          <a:xfrm>
+            <a:off x="0" y="792383"/>
+            <a:ext cx="9144000" cy="5360573"/>
+          </a:xfrm>
+          <a:prstGeom prst="rect">
+            <a:avLst/>
+          </a:prstGeom>
+        </p:spPr>
+      </p:pic>
+      <p:sp>
+        <p:nvSpPr>
+          <p:cNvPr id="8" name="TextBox 7"/>
+          <p:cNvSpPr txBox="1"/>
+          <p:nvPr/>
+        </p:nvSpPr>
+        <p:spPr>
+          <a:xfrm>
+            <a:off x="4005079" y="4326593"/>
+            <a:ext cx="4545573" cy="369332"/>
+          </a:xfrm>
+          <a:prstGeom prst="rect">
+            <a:avLst/>
+          </a:prstGeom>
+        </p:spPr>
+        <p:style>
+          <a:lnRef idx="2">
+            <a:schemeClr val="accent1">
+              <a:shade val="50000"/>
+            </a:schemeClr>
+          </a:lnRef>
+          <a:fillRef idx="1">
+            <a:schemeClr val="accent1"/>
+          </a:fillRef>
+          <a:effectRef idx="0">
+            <a:schemeClr val="accent1"/>
+          </a:effectRef>
+          <a:fontRef idx="minor">
+            <a:schemeClr val="lt1"/>
+          </a:fontRef>
+        </p:style>
+        <p:txBody>
+          <a:bodyPr wrap="none" rtlCol="0">
+            <a:spAutoFit/>
+          </a:bodyPr>
+          <a:lstStyle/>
+          <a:p>
+            <a:r>
+              <a:rPr lang="en-US"/>
+              <a:t>Ogleda pa si lahko tudi že videne filme</a:t>
+            </a:r>
+          </a:p>
+        </p:txBody>
+      </p:sp>
+      <p:cxnSp>
+        <p:nvCxnSpPr>
+          <p:cNvPr id="9" name="Straight Arrow Connector 8"/>
+          <p:cNvCxnSpPr/>
+          <p:nvPr/>
+        </p:nvCxnSpPr>
+        <p:spPr>
+          <a:xfrm flipH="1" flipV="1">
+            <a:off x="7425899" y="3685811"/>
+            <a:ext cx="670728" cy="640782"/>
+          </a:xfrm>
+          <a:prstGeom prst="straightConnector1">
+            <a:avLst/>
+          </a:prstGeom>
+          <a:ln w="57150" cmpd="sng">
+            <a:tailEnd type="arrow"/>
+          </a:ln>
+        </p:spPr>
+        <p:style>
+          <a:lnRef idx="2">
+            <a:schemeClr val="accent1"/>
+          </a:lnRef>
+          <a:fillRef idx="0">
+            <a:schemeClr val="accent1"/>
+          </a:fillRef>
+          <a:effectRef idx="1">
+            <a:schemeClr val="accent1"/>
+          </a:effectRef>
+          <a:fontRef idx="minor">
+            <a:schemeClr val="tx1"/>
+          </a:fontRef>
+        </p:style>
+      </p:cxnSp>
     </p:spTree>
     <p:extLst>
       <p:ext uri="{BB962C8B-B14F-4D97-AF65-F5344CB8AC3E}">
@@ -6105,9 +6361,272 @@
   <p:timing>
     <p:tnLst>
       <p:par>
-        <p:cTn xmlns:p14="http://schemas.microsoft.com/office/powerpoint/2010/main" id="1" dur="indefinite" restart="never" nodeType="tmRoot"/>
+        <p:cTn xmlns:p14="http://schemas.microsoft.com/office/powerpoint/2010/main" id="1" dur="indefinite" restart="never" nodeType="tmRoot">
+          <p:childTnLst>
+            <p:seq concurrent="1" nextAc="seek">
+              <p:cTn id="2" dur="indefinite" nodeType="mainSeq">
+                <p:childTnLst>
+                  <p:par>
+                    <p:cTn id="3" fill="hold">
+                      <p:stCondLst>
+                        <p:cond delay="indefinite"/>
+                      </p:stCondLst>
+                      <p:childTnLst>
+                        <p:par>
+                          <p:cTn id="4" fill="hold">
+                            <p:stCondLst>
+                              <p:cond delay="0"/>
+                            </p:stCondLst>
+                            <p:childTnLst>
+                              <p:par>
+                                <p:cTn id="5" presetID="2" presetClass="entr" presetSubtype="4" fill="hold" nodeType="clickEffect">
+                                  <p:stCondLst>
+                                    <p:cond delay="0"/>
+                                  </p:stCondLst>
+                                  <p:childTnLst>
+                                    <p:set>
+                                      <p:cBhvr>
+                                        <p:cTn id="6" dur="1" fill="hold">
+                                          <p:stCondLst>
+                                            <p:cond delay="0"/>
+                                          </p:stCondLst>
+                                        </p:cTn>
+                                        <p:tgtEl>
+                                          <p:spTgt spid="7"/>
+                                        </p:tgtEl>
+                                        <p:attrNameLst>
+                                          <p:attrName>style.visibility</p:attrName>
+                                        </p:attrNameLst>
+                                      </p:cBhvr>
+                                      <p:to>
+                                        <p:strVal val="visible"/>
+                                      </p:to>
+                                    </p:set>
+                                    <p:anim calcmode="lin" valueType="num">
+                                      <p:cBhvr additive="base">
+                                        <p:cTn id="7" dur="300" fill="hold"/>
+                                        <p:tgtEl>
+                                          <p:spTgt spid="7"/>
+                                        </p:tgtEl>
+                                        <p:attrNameLst>
+                                          <p:attrName>ppt_x</p:attrName>
+                                        </p:attrNameLst>
+                                      </p:cBhvr>
+                                      <p:tavLst>
+                                        <p:tav tm="0">
+                                          <p:val>
+                                            <p:strVal val="#ppt_x"/>
+                                          </p:val>
+                                        </p:tav>
+                                        <p:tav tm="100000">
+                                          <p:val>
+                                            <p:strVal val="#ppt_x"/>
+                                          </p:val>
+                                        </p:tav>
+                                      </p:tavLst>
+                                    </p:anim>
+                                    <p:anim calcmode="lin" valueType="num">
+                                      <p:cBhvr additive="base">
+                                        <p:cTn id="8" dur="300" fill="hold"/>
+                                        <p:tgtEl>
+                                          <p:spTgt spid="7"/>
+                                        </p:tgtEl>
+                                        <p:attrNameLst>
+                                          <p:attrName>ppt_y</p:attrName>
+                                        </p:attrNameLst>
+                                      </p:cBhvr>
+                                      <p:tavLst>
+                                        <p:tav tm="0">
+                                          <p:val>
+                                            <p:strVal val="1+#ppt_h/2"/>
+                                          </p:val>
+                                        </p:tav>
+                                        <p:tav tm="100000">
+                                          <p:val>
+                                            <p:strVal val="#ppt_y"/>
+                                          </p:val>
+                                        </p:tav>
+                                      </p:tavLst>
+                                    </p:anim>
+                                  </p:childTnLst>
+                                </p:cTn>
+                              </p:par>
+                              <p:par>
+                                <p:cTn id="9" presetID="2" presetClass="entr" presetSubtype="4" fill="hold" nodeType="withEffect">
+                                  <p:stCondLst>
+                                    <p:cond delay="0"/>
+                                  </p:stCondLst>
+                                  <p:childTnLst>
+                                    <p:set>
+                                      <p:cBhvr>
+                                        <p:cTn id="10" dur="1" fill="hold">
+                                          <p:stCondLst>
+                                            <p:cond delay="0"/>
+                                          </p:stCondLst>
+                                        </p:cTn>
+                                        <p:tgtEl>
+                                          <p:spTgt spid="9"/>
+                                        </p:tgtEl>
+                                        <p:attrNameLst>
+                                          <p:attrName>style.visibility</p:attrName>
+                                        </p:attrNameLst>
+                                      </p:cBhvr>
+                                      <p:to>
+                                        <p:strVal val="visible"/>
+                                      </p:to>
+                                    </p:set>
+                                    <p:anim calcmode="lin" valueType="num">
+                                      <p:cBhvr additive="base">
+                                        <p:cTn id="11" dur="300" fill="hold"/>
+                                        <p:tgtEl>
+                                          <p:spTgt spid="9"/>
+                                        </p:tgtEl>
+                                        <p:attrNameLst>
+                                          <p:attrName>ppt_x</p:attrName>
+                                        </p:attrNameLst>
+                                      </p:cBhvr>
+                                      <p:tavLst>
+                                        <p:tav tm="0">
+                                          <p:val>
+                                            <p:strVal val="#ppt_x"/>
+                                          </p:val>
+                                        </p:tav>
+                                        <p:tav tm="100000">
+                                          <p:val>
+                                            <p:strVal val="#ppt_x"/>
+                                          </p:val>
+                                        </p:tav>
+                                      </p:tavLst>
+                                    </p:anim>
+                                    <p:anim calcmode="lin" valueType="num">
+                                      <p:cBhvr additive="base">
+                                        <p:cTn id="12" dur="300" fill="hold"/>
+                                        <p:tgtEl>
+                                          <p:spTgt spid="9"/>
+                                        </p:tgtEl>
+                                        <p:attrNameLst>
+                                          <p:attrName>ppt_y</p:attrName>
+                                        </p:attrNameLst>
+                                      </p:cBhvr>
+                                      <p:tavLst>
+                                        <p:tav tm="0">
+                                          <p:val>
+                                            <p:strVal val="1+#ppt_h/2"/>
+                                          </p:val>
+                                        </p:tav>
+                                        <p:tav tm="100000">
+                                          <p:val>
+                                            <p:strVal val="#ppt_y"/>
+                                          </p:val>
+                                        </p:tav>
+                                      </p:tavLst>
+                                    </p:anim>
+                                  </p:childTnLst>
+                                </p:cTn>
+                              </p:par>
+                              <p:par>
+                                <p:cTn id="13" presetID="2" presetClass="entr" presetSubtype="4" fill="hold" grpId="0" nodeType="withEffect">
+                                  <p:stCondLst>
+                                    <p:cond delay="0"/>
+                                  </p:stCondLst>
+                                  <p:childTnLst>
+                                    <p:set>
+                                      <p:cBhvr>
+                                        <p:cTn id="14" dur="1" fill="hold">
+                                          <p:stCondLst>
+                                            <p:cond delay="0"/>
+                                          </p:stCondLst>
+                                        </p:cTn>
+                                        <p:tgtEl>
+                                          <p:spTgt spid="8"/>
+                                        </p:tgtEl>
+                                        <p:attrNameLst>
+                                          <p:attrName>style.visibility</p:attrName>
+                                        </p:attrNameLst>
+                                      </p:cBhvr>
+                                      <p:to>
+                                        <p:strVal val="visible"/>
+                                      </p:to>
+                                    </p:set>
+                                    <p:anim calcmode="lin" valueType="num">
+                                      <p:cBhvr additive="base">
+                                        <p:cTn id="15" dur="300" fill="hold"/>
+                                        <p:tgtEl>
+                                          <p:spTgt spid="8"/>
+                                        </p:tgtEl>
+                                        <p:attrNameLst>
+                                          <p:attrName>ppt_x</p:attrName>
+                                        </p:attrNameLst>
+                                      </p:cBhvr>
+                                      <p:tavLst>
+                                        <p:tav tm="0">
+                                          <p:val>
+                                            <p:strVal val="#ppt_x"/>
+                                          </p:val>
+                                        </p:tav>
+                                        <p:tav tm="100000">
+                                          <p:val>
+                                            <p:strVal val="#ppt_x"/>
+                                          </p:val>
+                                        </p:tav>
+                                      </p:tavLst>
+                                    </p:anim>
+                                    <p:anim calcmode="lin" valueType="num">
+                                      <p:cBhvr additive="base">
+                                        <p:cTn id="16" dur="300" fill="hold"/>
+                                        <p:tgtEl>
+                                          <p:spTgt spid="8"/>
+                                        </p:tgtEl>
+                                        <p:attrNameLst>
+                                          <p:attrName>ppt_y</p:attrName>
+                                        </p:attrNameLst>
+                                      </p:cBhvr>
+                                      <p:tavLst>
+                                        <p:tav tm="0">
+                                          <p:val>
+                                            <p:strVal val="1+#ppt_h/2"/>
+                                          </p:val>
+                                        </p:tav>
+                                        <p:tav tm="100000">
+                                          <p:val>
+                                            <p:strVal val="#ppt_y"/>
+                                          </p:val>
+                                        </p:tav>
+                                      </p:tavLst>
+                                    </p:anim>
+                                  </p:childTnLst>
+                                </p:cTn>
+                              </p:par>
+                            </p:childTnLst>
+                          </p:cTn>
+                        </p:par>
+                      </p:childTnLst>
+                    </p:cTn>
+                  </p:par>
+                </p:childTnLst>
+              </p:cTn>
+              <p:prevCondLst>
+                <p:cond evt="onPrev" delay="0">
+                  <p:tgtEl>
+                    <p:sldTgt/>
+                  </p:tgtEl>
+                </p:cond>
+              </p:prevCondLst>
+              <p:nextCondLst>
+                <p:cond evt="onNext" delay="0">
+                  <p:tgtEl>
+                    <p:sldTgt/>
+                  </p:tgtEl>
+                </p:cond>
+              </p:nextCondLst>
+            </p:seq>
+          </p:childTnLst>
+        </p:cTn>
       </p:par>
     </p:tnLst>
+    <p:bldLst>
+      <p:bldP spid="8" grpId="0" animBg="1"/>
+    </p:bldLst>
   </p:timing>
 </p:sld>
 </file>

--- a/SP_predstavitev.pptx
+++ b/SP_predstavitev.pptx
@@ -9,8 +9,7 @@
     <p:sldId id="259" r:id="rId3"/>
     <p:sldId id="258" r:id="rId4"/>
     <p:sldId id="260" r:id="rId5"/>
-    <p:sldId id="262" r:id="rId6"/>
-    <p:sldId id="261" r:id="rId7"/>
+    <p:sldId id="261" r:id="rId6"/>
   </p:sldIdLst>
   <p:sldSz cx="9144000" cy="6858000" type="screen4x3"/>
   <p:notesSz cx="6858000" cy="9144000"/>
@@ -331,6 +330,7 @@
           <a:p>
             <a:fld id="{70FAA508-F0CD-46EA-95FB-26B559A0B5D9}" type="datetimeFigureOut">
               <a:rPr lang="en-US" smtClean="0"/>
+              <a:pPr/>
               <a:t>12/06/15</a:t>
             </a:fld>
             <a:endParaRPr lang="en-US"/>
@@ -373,6 +373,7 @@
           <a:p>
             <a:fld id="{4A822907-8A9D-4F6B-98F6-913902AD56B5}" type="slidenum">
               <a:rPr lang="en-US" smtClean="0"/>
+              <a:pPr/>
               <a:t>‹#›</a:t>
             </a:fld>
             <a:endParaRPr lang="en-US"/>
@@ -652,6 +653,7 @@
           <a:p>
             <a:fld id="{70FAA508-F0CD-46EA-95FB-26B559A0B5D9}" type="datetimeFigureOut">
               <a:rPr lang="en-US" smtClean="0"/>
+              <a:pPr/>
               <a:t>12/06/15</a:t>
             </a:fld>
             <a:endParaRPr lang="en-US"/>
@@ -694,6 +696,7 @@
           <a:p>
             <a:fld id="{4A822907-8A9D-4F6B-98F6-913902AD56B5}" type="slidenum">
               <a:rPr lang="en-US" smtClean="0"/>
+              <a:pPr/>
               <a:t>‹#›</a:t>
             </a:fld>
             <a:endParaRPr lang="en-US"/>
@@ -929,6 +932,7 @@
           <a:p>
             <a:fld id="{70FAA508-F0CD-46EA-95FB-26B559A0B5D9}" type="datetimeFigureOut">
               <a:rPr lang="en-US" smtClean="0"/>
+              <a:pPr/>
               <a:t>12/06/15</a:t>
             </a:fld>
             <a:endParaRPr lang="en-US"/>
@@ -1223,6 +1227,7 @@
           <a:p>
             <a:fld id="{70FAA508-F0CD-46EA-95FB-26B559A0B5D9}" type="datetimeFigureOut">
               <a:rPr lang="en-US" smtClean="0"/>
+              <a:pPr/>
               <a:t>12/06/15</a:t>
             </a:fld>
             <a:endParaRPr lang="en-US"/>
@@ -1552,6 +1557,7 @@
           <a:p>
             <a:fld id="{70FAA508-F0CD-46EA-95FB-26B559A0B5D9}" type="datetimeFigureOut">
               <a:rPr lang="en-US" smtClean="0"/>
+              <a:pPr/>
               <a:t>12/06/15</a:t>
             </a:fld>
             <a:endParaRPr lang="en-US"/>
@@ -1803,6 +1809,7 @@
           <a:p>
             <a:fld id="{70FAA508-F0CD-46EA-95FB-26B559A0B5D9}" type="datetimeFigureOut">
               <a:rPr lang="en-US" smtClean="0"/>
+              <a:pPr/>
               <a:t>12/06/15</a:t>
             </a:fld>
             <a:endParaRPr lang="en-US"/>
@@ -1845,6 +1852,7 @@
           <a:p>
             <a:fld id="{4A822907-8A9D-4F6B-98F6-913902AD56B5}" type="slidenum">
               <a:rPr lang="en-US" smtClean="0"/>
+              <a:pPr/>
               <a:t>‹#›</a:t>
             </a:fld>
             <a:endParaRPr lang="en-US"/>
@@ -1982,6 +1990,7 @@
           <a:p>
             <a:fld id="{70FAA508-F0CD-46EA-95FB-26B559A0B5D9}" type="datetimeFigureOut">
               <a:rPr lang="en-US" smtClean="0"/>
+              <a:pPr/>
               <a:t>12/06/15</a:t>
             </a:fld>
             <a:endParaRPr lang="en-US"/>
@@ -2024,6 +2033,7 @@
           <a:p>
             <a:fld id="{4A822907-8A9D-4F6B-98F6-913902AD56B5}" type="slidenum">
               <a:rPr lang="en-US" smtClean="0"/>
+              <a:pPr/>
               <a:t>‹#›</a:t>
             </a:fld>
             <a:endParaRPr lang="en-US"/>
@@ -2151,6 +2161,7 @@
           <a:p>
             <a:fld id="{70FAA508-F0CD-46EA-95FB-26B559A0B5D9}" type="datetimeFigureOut">
               <a:rPr lang="en-US" smtClean="0"/>
+              <a:pPr/>
               <a:t>12/06/15</a:t>
             </a:fld>
             <a:endParaRPr lang="en-US"/>
@@ -2193,6 +2204,7 @@
           <a:p>
             <a:fld id="{4A822907-8A9D-4F6B-98F6-913902AD56B5}" type="slidenum">
               <a:rPr lang="en-US" smtClean="0"/>
+              <a:pPr/>
               <a:t>‹#›</a:t>
             </a:fld>
             <a:endParaRPr lang="en-US"/>
@@ -2420,6 +2432,7 @@
           <a:p>
             <a:fld id="{70FAA508-F0CD-46EA-95FB-26B559A0B5D9}" type="datetimeFigureOut">
               <a:rPr lang="en-US" smtClean="0"/>
+              <a:pPr/>
               <a:t>12/06/15</a:t>
             </a:fld>
             <a:endParaRPr lang="en-US"/>
@@ -2727,6 +2740,7 @@
           <a:p>
             <a:fld id="{70FAA508-F0CD-46EA-95FB-26B559A0B5D9}" type="datetimeFigureOut">
               <a:rPr lang="en-US" smtClean="0"/>
+              <a:pPr/>
               <a:t>12/06/15</a:t>
             </a:fld>
             <a:endParaRPr lang="en-US"/>
@@ -2769,6 +2783,7 @@
           <a:p>
             <a:fld id="{4A822907-8A9D-4F6B-98F6-913902AD56B5}" type="slidenum">
               <a:rPr lang="en-US" smtClean="0"/>
+              <a:pPr/>
               <a:t>‹#›</a:t>
             </a:fld>
             <a:endParaRPr lang="en-US"/>
@@ -3019,6 +3034,7 @@
           <a:p>
             <a:fld id="{70FAA508-F0CD-46EA-95FB-26B559A0B5D9}" type="datetimeFigureOut">
               <a:rPr lang="en-US" smtClean="0"/>
+              <a:pPr/>
               <a:t>12/06/15</a:t>
             </a:fld>
             <a:endParaRPr lang="en-US"/>
@@ -3061,6 +3077,7 @@
           <a:p>
             <a:fld id="{4A822907-8A9D-4F6B-98F6-913902AD56B5}" type="slidenum">
               <a:rPr lang="en-US" smtClean="0"/>
+              <a:pPr/>
               <a:t>‹#›</a:t>
             </a:fld>
             <a:endParaRPr lang="en-US"/>
@@ -3449,6 +3466,7 @@
           <a:p>
             <a:fld id="{70FAA508-F0CD-46EA-95FB-26B559A0B5D9}" type="datetimeFigureOut">
               <a:rPr lang="en-US" smtClean="0"/>
+              <a:pPr/>
               <a:t>12/06/15</a:t>
             </a:fld>
             <a:endParaRPr lang="en-US"/>
@@ -3496,6 +3514,7 @@
           <a:p>
             <a:fld id="{4A822907-8A9D-4F6B-98F6-913902AD56B5}" type="slidenum">
               <a:rPr lang="en-US" smtClean="0"/>
+              <a:pPr/>
               <a:t>‹#›</a:t>
             </a:fld>
             <a:endParaRPr lang="en-US"/>
@@ -3795,6 +3814,7 @@
           <a:p>
             <a:fld id="{70FAA508-F0CD-46EA-95FB-26B559A0B5D9}" type="datetimeFigureOut">
               <a:rPr lang="en-US" smtClean="0"/>
+              <a:pPr/>
               <a:t>12/06/15</a:t>
             </a:fld>
             <a:endParaRPr lang="en-US"/>
@@ -3837,6 +3857,7 @@
           <a:p>
             <a:fld id="{4A822907-8A9D-4F6B-98F6-913902AD56B5}" type="slidenum">
               <a:rPr lang="en-US" smtClean="0"/>
+              <a:pPr/>
               <a:t>‹#›</a:t>
             </a:fld>
             <a:endParaRPr lang="en-US"/>
@@ -3885,6 +3906,7 @@
           <a:p>
             <a:fld id="{70FAA508-F0CD-46EA-95FB-26B559A0B5D9}" type="datetimeFigureOut">
               <a:rPr lang="en-US" smtClean="0"/>
+              <a:pPr/>
               <a:t>12/06/15</a:t>
             </a:fld>
             <a:endParaRPr lang="en-US"/>
@@ -3927,6 +3949,7 @@
           <a:p>
             <a:fld id="{4A822907-8A9D-4F6B-98F6-913902AD56B5}" type="slidenum">
               <a:rPr lang="en-US" smtClean="0"/>
+              <a:pPr/>
               <a:t>‹#›</a:t>
             </a:fld>
             <a:endParaRPr lang="en-US"/>
@@ -4222,6 +4245,7 @@
           <a:p>
             <a:fld id="{70FAA508-F0CD-46EA-95FB-26B559A0B5D9}" type="datetimeFigureOut">
               <a:rPr lang="en-US" smtClean="0"/>
+              <a:pPr/>
               <a:t>12/06/15</a:t>
             </a:fld>
             <a:endParaRPr lang="en-US"/>
@@ -4264,6 +4288,7 @@
           <a:p>
             <a:fld id="{4A822907-8A9D-4F6B-98F6-913902AD56B5}" type="slidenum">
               <a:rPr lang="en-US" smtClean="0"/>
+              <a:pPr/>
               <a:t>‹#›</a:t>
             </a:fld>
             <a:endParaRPr lang="en-US"/>
@@ -4434,6 +4459,7 @@
           <a:p>
             <a:fld id="{70FAA508-F0CD-46EA-95FB-26B559A0B5D9}" type="datetimeFigureOut">
               <a:rPr lang="en-US" smtClean="0"/>
+              <a:pPr/>
               <a:t>12/06/15</a:t>
             </a:fld>
             <a:endParaRPr lang="en-US"/>
@@ -4514,6 +4540,7 @@
           <a:p>
             <a:fld id="{4A822907-8A9D-4F6B-98F6-913902AD56B5}" type="slidenum">
               <a:rPr lang="en-US" smtClean="0"/>
+              <a:pPr/>
               <a:t>‹#›</a:t>
             </a:fld>
             <a:endParaRPr lang="en-US"/>
@@ -5005,12 +5032,12 @@
         <p:spPr/>
         <p:txBody>
           <a:bodyPr>
-            <a:normAutofit fontScale="92500" lnSpcReduction="10000"/>
+            <a:normAutofit/>
           </a:bodyPr>
           <a:lstStyle/>
           <a:p>
             <a:r>
-              <a:rPr lang="en-US" sz="2200">
+              <a:rPr lang="en-US">
                 <a:latin typeface="Avenir Book"/>
                 <a:cs typeface="Avenir Book"/>
               </a:rPr>
@@ -5019,7 +5046,7 @@
           </a:p>
           <a:p>
             <a:r>
-              <a:rPr lang="en-US" sz="2200" i="1">
+              <a:rPr lang="en-US" i="1">
                 <a:latin typeface="Avenir Book"/>
                 <a:cs typeface="Avenir Book"/>
               </a:rPr>
@@ -5235,7 +5262,7 @@
           <p:nvPr/>
         </p:nvPicPr>
         <p:blipFill>
-          <a:blip r:embed="rId2">
+          <a:blip r:embed="rId2" cstate="print">
             <a:extLst>
               <a:ext uri="{28A0092B-C50C-407E-A947-70E740481C1C}">
                 <a14:useLocalDpi xmlns:a14="http://schemas.microsoft.com/office/drawing/2010/main" val="0"/>
@@ -5341,7 +5368,7 @@
         </p:nvSpPr>
         <p:spPr>
           <a:xfrm>
-            <a:off x="279100" y="4797894"/>
+            <a:off x="795434" y="4783938"/>
             <a:ext cx="6237029" cy="369332"/>
           </a:xfrm>
           <a:prstGeom prst="rect">
@@ -5385,8 +5412,8 @@
         </p:nvCxnSpPr>
         <p:spPr>
           <a:xfrm>
-            <a:off x="1631630" y="5167226"/>
-            <a:ext cx="740716" cy="240495"/>
+            <a:off x="1631630" y="5153270"/>
+            <a:ext cx="740716" cy="184666"/>
           </a:xfrm>
           <a:prstGeom prst="straightConnector1">
             <a:avLst/>
@@ -5533,7 +5560,7 @@
           <p:nvPr/>
         </p:nvPicPr>
         <p:blipFill>
-          <a:blip r:embed="rId2">
+          <a:blip r:embed="rId2" cstate="print">
             <a:extLst>
               <a:ext uri="{28A0092B-C50C-407E-A947-70E740481C1C}">
                 <a14:useLocalDpi xmlns:a14="http://schemas.microsoft.com/office/drawing/2010/main" val="0"/>
@@ -5640,7 +5667,7 @@
           <p:nvPr/>
         </p:nvPicPr>
         <p:blipFill>
-          <a:blip r:embed="rId3">
+          <a:blip r:embed="rId3" cstate="print">
             <a:extLst>
               <a:ext uri="{28A0092B-C50C-407E-A947-70E740481C1C}">
                 <a14:useLocalDpi xmlns:a14="http://schemas.microsoft.com/office/drawing/2010/main" val="0"/>
@@ -5699,8 +5726,64 @@
           <a:lstStyle/>
           <a:p>
             <a:r>
-              <a:rPr lang="en-US"/>
-              <a:t>In vašo oceno delite z ostalimi preko socialnih omrežij!</a:t>
+              <a:rPr lang="en-US" dirty="0"/>
+              <a:t>In </a:t>
+            </a:r>
+            <a:r>
+              <a:rPr lang="en-US" dirty="0" err="1"/>
+              <a:t>vašo</a:t>
+            </a:r>
+            <a:r>
+              <a:rPr lang="en-US" dirty="0"/>
+              <a:t> </a:t>
+            </a:r>
+            <a:r>
+              <a:rPr lang="en-US" dirty="0" err="1"/>
+              <a:t>oceno</a:t>
+            </a:r>
+            <a:r>
+              <a:rPr lang="en-US" dirty="0"/>
+              <a:t> </a:t>
+            </a:r>
+            <a:r>
+              <a:rPr lang="en-US" dirty="0" err="1"/>
+              <a:t>delite</a:t>
+            </a:r>
+            <a:r>
+              <a:rPr lang="en-US" dirty="0"/>
+              <a:t> z </a:t>
+            </a:r>
+            <a:r>
+              <a:rPr lang="en-US" dirty="0" err="1"/>
+              <a:t>ostalimi</a:t>
+            </a:r>
+            <a:r>
+              <a:rPr lang="en-US" dirty="0"/>
+              <a:t> </a:t>
+            </a:r>
+            <a:r>
+              <a:rPr lang="en-US" dirty="0" err="1"/>
+              <a:t>preko</a:t>
+            </a:r>
+            <a:r>
+              <a:rPr lang="en-US" dirty="0"/>
+              <a:t> </a:t>
+            </a:r>
+            <a:r>
+              <a:rPr lang="en-US" dirty="0" err="1"/>
+              <a:t>socialnih</a:t>
+            </a:r>
+            <a:r>
+              <a:rPr lang="en-US" dirty="0"/>
+              <a:t> </a:t>
+            </a:r>
+            <a:r>
+              <a:rPr lang="en-US" dirty="0" err="1"/>
+              <a:t>omrežij</a:t>
+            </a:r>
+            <a:r>
+              <a:rPr lang="en-US" dirty="0"/>
+              <a:t>!</a:t>
             </a:r>
           </a:p>
         </p:txBody>
@@ -6057,29 +6140,111 @@
           </a:p>
         </p:txBody>
       </p:sp>
-      <p:sp>
-        <p:nvSpPr>
-          <p:cNvPr id="3" name="Content Placeholder 2"/>
-          <p:cNvSpPr>
-            <a:spLocks noGrp="1"/>
-          </p:cNvSpPr>
-          <p:nvPr>
-            <p:ph idx="1"/>
-          </p:nvPr>
-        </p:nvSpPr>
-        <p:spPr/>
-        <p:txBody>
-          <a:bodyPr/>
+      <p:pic>
+        <p:nvPicPr>
+          <p:cNvPr id="4" name="Picture 3" descr="Screenshot 2015-06-12 07.26.02.png"/>
+          <p:cNvPicPr>
+            <a:picLocks noChangeAspect="1"/>
+          </p:cNvPicPr>
+          <p:nvPr/>
+        </p:nvPicPr>
+        <p:blipFill rotWithShape="1">
+          <a:blip r:embed="rId2" cstate="print"/>
+          <a:srcRect l="11798" r="9873"/>
+          <a:stretch/>
+        </p:blipFill>
+        <p:spPr>
+          <a:xfrm>
+            <a:off x="1074533" y="1675572"/>
+            <a:ext cx="6670481" cy="3849266"/>
+          </a:xfrm>
+          <a:prstGeom prst="rect">
+            <a:avLst/>
+          </a:prstGeom>
+        </p:spPr>
+      </p:pic>
+      <p:cxnSp>
+        <p:nvCxnSpPr>
+          <p:cNvPr id="5" name="Straight Arrow Connector 4"/>
+          <p:cNvCxnSpPr/>
+          <p:nvPr/>
+        </p:nvCxnSpPr>
+        <p:spPr>
+          <a:xfrm flipH="1">
+            <a:off x="5163342" y="3277040"/>
+            <a:ext cx="480885" cy="588981"/>
+          </a:xfrm>
+          <a:prstGeom prst="straightConnector1">
+            <a:avLst/>
+          </a:prstGeom>
+          <a:ln w="57150" cmpd="sng">
+            <a:tailEnd type="arrow"/>
+          </a:ln>
+        </p:spPr>
+        <p:style>
+          <a:lnRef idx="2">
+            <a:schemeClr val="accent1"/>
+          </a:lnRef>
+          <a:fillRef idx="0">
+            <a:schemeClr val="accent1"/>
+          </a:fillRef>
+          <a:effectRef idx="1">
+            <a:schemeClr val="accent1"/>
+          </a:effectRef>
+          <a:fontRef idx="minor">
+            <a:schemeClr val="tx1"/>
+          </a:fontRef>
+        </p:style>
+      </p:cxnSp>
+      <p:sp>
+        <p:nvSpPr>
+          <p:cNvPr id="6" name="TextBox 5"/>
+          <p:cNvSpPr txBox="1"/>
+          <p:nvPr/>
+        </p:nvSpPr>
+        <p:spPr>
+          <a:xfrm>
+            <a:off x="5644227" y="2786393"/>
+            <a:ext cx="3395482" cy="646331"/>
+          </a:xfrm>
+          <a:prstGeom prst="rect">
+            <a:avLst/>
+          </a:prstGeom>
+        </p:spPr>
+        <p:style>
+          <a:lnRef idx="2">
+            <a:schemeClr val="accent1">
+              <a:shade val="50000"/>
+            </a:schemeClr>
+          </a:lnRef>
+          <a:fillRef idx="1">
+            <a:schemeClr val="accent1"/>
+          </a:fillRef>
+          <a:effectRef idx="0">
+            <a:schemeClr val="accent1"/>
+          </a:effectRef>
+          <a:fontRef idx="minor">
+            <a:schemeClr val="lt1"/>
+          </a:fontRef>
+        </p:style>
+        <p:txBody>
+          <a:bodyPr wrap="square" rtlCol="0">
+            <a:spAutoFit/>
+          </a:bodyPr>
           <a:lstStyle/>
           <a:p>
-            <a:endParaRPr lang="en-US"/>
+            <a:r>
+              <a:rPr lang="en-US" dirty="0" err="1"/>
+              <a:t>Prikažemo, če se film predvaja v kinu ali po TV!</a:t>
+            </a:r>
+            <a:endParaRPr lang="en-US" dirty="0" err="1"/>
           </a:p>
         </p:txBody>
       </p:sp>
     </p:spTree>
     <p:extLst>
       <p:ext uri="{BB962C8B-B14F-4D97-AF65-F5344CB8AC3E}">
-        <p14:creationId xmlns:p14="http://schemas.microsoft.com/office/powerpoint/2010/main" val="2306047835"/>
+        <p14:creationId xmlns:p14="http://schemas.microsoft.com/office/powerpoint/2010/main" val="3974431892"/>
       </p:ext>
     </p:extLst>
   </p:cSld>
@@ -6092,520 +6257,6 @@
         <p:cTn xmlns:p14="http://schemas.microsoft.com/office/powerpoint/2010/main" id="1" dur="indefinite" restart="never" nodeType="tmRoot"/>
       </p:par>
     </p:tnLst>
-  </p:timing>
-</p:sld>
-</file>
-
-<file path=ppt/slides/slide6.xml><?xml version="1.0" encoding="utf-8"?>
-<p:sld xmlns:a="http://schemas.openxmlformats.org/drawingml/2006/main" xmlns:r="http://schemas.openxmlformats.org/officeDocument/2006/relationships" xmlns:p="http://schemas.openxmlformats.org/presentationml/2006/main">
-  <p:cSld>
-    <p:spTree>
-      <p:nvGrpSpPr>
-        <p:cNvPr id="1" name=""/>
-        <p:cNvGrpSpPr/>
-        <p:nvPr/>
-      </p:nvGrpSpPr>
-      <p:grpSpPr>
-        <a:xfrm>
-          <a:off x="0" y="0"/>
-          <a:ext cx="0" cy="0"/>
-          <a:chOff x="0" y="0"/>
-          <a:chExt cx="0" cy="0"/>
-        </a:xfrm>
-      </p:grpSpPr>
-      <p:pic>
-        <p:nvPicPr>
-          <p:cNvPr id="3" name="Picture 2" descr="Screen Shot 2015-06-12 at 03.08.28.png"/>
-          <p:cNvPicPr>
-            <a:picLocks noChangeAspect="1"/>
-          </p:cNvPicPr>
-          <p:nvPr/>
-        </p:nvPicPr>
-        <p:blipFill>
-          <a:blip r:embed="rId2">
-            <a:extLst>
-              <a:ext uri="{28A0092B-C50C-407E-A947-70E740481C1C}">
-                <a14:useLocalDpi xmlns:a14="http://schemas.microsoft.com/office/drawing/2010/main" val="0"/>
-              </a:ext>
-            </a:extLst>
-          </a:blip>
-          <a:stretch>
-            <a:fillRect/>
-          </a:stretch>
-        </p:blipFill>
-        <p:spPr>
-          <a:xfrm>
-            <a:off x="0" y="638858"/>
-            <a:ext cx="9144000" cy="5672743"/>
-          </a:xfrm>
-          <a:prstGeom prst="rect">
-            <a:avLst/>
-          </a:prstGeom>
-        </p:spPr>
-      </p:pic>
-      <p:sp>
-        <p:nvSpPr>
-          <p:cNvPr id="4" name="TextBox 3"/>
-          <p:cNvSpPr txBox="1"/>
-          <p:nvPr/>
-        </p:nvSpPr>
-        <p:spPr>
-          <a:xfrm>
-            <a:off x="1423407" y="1475096"/>
-            <a:ext cx="3516655" cy="646331"/>
-          </a:xfrm>
-          <a:prstGeom prst="rect">
-            <a:avLst/>
-          </a:prstGeom>
-        </p:spPr>
-        <p:style>
-          <a:lnRef idx="2">
-            <a:schemeClr val="accent1">
-              <a:shade val="50000"/>
-            </a:schemeClr>
-          </a:lnRef>
-          <a:fillRef idx="1">
-            <a:schemeClr val="accent1"/>
-          </a:fillRef>
-          <a:effectRef idx="0">
-            <a:schemeClr val="accent1"/>
-          </a:effectRef>
-          <a:fontRef idx="minor">
-            <a:schemeClr val="lt1"/>
-          </a:fontRef>
-        </p:style>
-        <p:txBody>
-          <a:bodyPr wrap="square" rtlCol="0">
-            <a:spAutoFit/>
-          </a:bodyPr>
-          <a:lstStyle/>
-          <a:p>
-            <a:r>
-              <a:rPr lang="en-US"/>
-              <a:t>Uporabniku predlagamo tudi nekaj naključnih filmov!</a:t>
-            </a:r>
-          </a:p>
-        </p:txBody>
-      </p:sp>
-      <p:cxnSp>
-        <p:nvCxnSpPr>
-          <p:cNvPr id="5" name="Straight Arrow Connector 4"/>
-          <p:cNvCxnSpPr/>
-          <p:nvPr/>
-        </p:nvCxnSpPr>
-        <p:spPr>
-          <a:xfrm>
-            <a:off x="2918442" y="2121427"/>
-            <a:ext cx="1" cy="1564383"/>
-          </a:xfrm>
-          <a:prstGeom prst="straightConnector1">
-            <a:avLst/>
-          </a:prstGeom>
-          <a:ln w="57150" cmpd="sng">
-            <a:tailEnd type="arrow"/>
-          </a:ln>
-        </p:spPr>
-        <p:style>
-          <a:lnRef idx="2">
-            <a:schemeClr val="accent1"/>
-          </a:lnRef>
-          <a:fillRef idx="0">
-            <a:schemeClr val="accent1"/>
-          </a:fillRef>
-          <a:effectRef idx="1">
-            <a:schemeClr val="accent1"/>
-          </a:effectRef>
-          <a:fontRef idx="minor">
-            <a:schemeClr val="tx1"/>
-          </a:fontRef>
-        </p:style>
-      </p:cxnSp>
-      <p:pic>
-        <p:nvPicPr>
-          <p:cNvPr id="7" name="Picture 6" descr="Screen Shot 2015-06-12 at 03.10.44.png"/>
-          <p:cNvPicPr>
-            <a:picLocks noChangeAspect="1"/>
-          </p:cNvPicPr>
-          <p:nvPr/>
-        </p:nvPicPr>
-        <p:blipFill>
-          <a:blip r:embed="rId3">
-            <a:extLst>
-              <a:ext uri="{28A0092B-C50C-407E-A947-70E740481C1C}">
-                <a14:useLocalDpi xmlns:a14="http://schemas.microsoft.com/office/drawing/2010/main" val="0"/>
-              </a:ext>
-            </a:extLst>
-          </a:blip>
-          <a:stretch>
-            <a:fillRect/>
-          </a:stretch>
-        </p:blipFill>
-        <p:spPr>
-          <a:xfrm>
-            <a:off x="0" y="792383"/>
-            <a:ext cx="9144000" cy="5360573"/>
-          </a:xfrm>
-          <a:prstGeom prst="rect">
-            <a:avLst/>
-          </a:prstGeom>
-        </p:spPr>
-      </p:pic>
-      <p:sp>
-        <p:nvSpPr>
-          <p:cNvPr id="8" name="TextBox 7"/>
-          <p:cNvSpPr txBox="1"/>
-          <p:nvPr/>
-        </p:nvSpPr>
-        <p:spPr>
-          <a:xfrm>
-            <a:off x="4005079" y="4326593"/>
-            <a:ext cx="4545573" cy="369332"/>
-          </a:xfrm>
-          <a:prstGeom prst="rect">
-            <a:avLst/>
-          </a:prstGeom>
-        </p:spPr>
-        <p:style>
-          <a:lnRef idx="2">
-            <a:schemeClr val="accent1">
-              <a:shade val="50000"/>
-            </a:schemeClr>
-          </a:lnRef>
-          <a:fillRef idx="1">
-            <a:schemeClr val="accent1"/>
-          </a:fillRef>
-          <a:effectRef idx="0">
-            <a:schemeClr val="accent1"/>
-          </a:effectRef>
-          <a:fontRef idx="minor">
-            <a:schemeClr val="lt1"/>
-          </a:fontRef>
-        </p:style>
-        <p:txBody>
-          <a:bodyPr wrap="none" rtlCol="0">
-            <a:spAutoFit/>
-          </a:bodyPr>
-          <a:lstStyle/>
-          <a:p>
-            <a:r>
-              <a:rPr lang="en-US"/>
-              <a:t>Ogleda pa si lahko tudi že videne filme</a:t>
-            </a:r>
-          </a:p>
-        </p:txBody>
-      </p:sp>
-      <p:cxnSp>
-        <p:nvCxnSpPr>
-          <p:cNvPr id="9" name="Straight Arrow Connector 8"/>
-          <p:cNvCxnSpPr/>
-          <p:nvPr/>
-        </p:nvCxnSpPr>
-        <p:spPr>
-          <a:xfrm flipH="1" flipV="1">
-            <a:off x="7425899" y="3685811"/>
-            <a:ext cx="670728" cy="640782"/>
-          </a:xfrm>
-          <a:prstGeom prst="straightConnector1">
-            <a:avLst/>
-          </a:prstGeom>
-          <a:ln w="57150" cmpd="sng">
-            <a:tailEnd type="arrow"/>
-          </a:ln>
-        </p:spPr>
-        <p:style>
-          <a:lnRef idx="2">
-            <a:schemeClr val="accent1"/>
-          </a:lnRef>
-          <a:fillRef idx="0">
-            <a:schemeClr val="accent1"/>
-          </a:fillRef>
-          <a:effectRef idx="1">
-            <a:schemeClr val="accent1"/>
-          </a:effectRef>
-          <a:fontRef idx="minor">
-            <a:schemeClr val="tx1"/>
-          </a:fontRef>
-        </p:style>
-      </p:cxnSp>
-    </p:spTree>
-    <p:extLst>
-      <p:ext uri="{BB962C8B-B14F-4D97-AF65-F5344CB8AC3E}">
-        <p14:creationId xmlns:p14="http://schemas.microsoft.com/office/powerpoint/2010/main" val="3022251980"/>
-      </p:ext>
-    </p:extLst>
-  </p:cSld>
-  <p:clrMapOvr>
-    <a:masterClrMapping/>
-  </p:clrMapOvr>
-  <p:timing>
-    <p:tnLst>
-      <p:par>
-        <p:cTn xmlns:p14="http://schemas.microsoft.com/office/powerpoint/2010/main" id="1" dur="indefinite" restart="never" nodeType="tmRoot">
-          <p:childTnLst>
-            <p:seq concurrent="1" nextAc="seek">
-              <p:cTn id="2" dur="indefinite" nodeType="mainSeq">
-                <p:childTnLst>
-                  <p:par>
-                    <p:cTn id="3" fill="hold">
-                      <p:stCondLst>
-                        <p:cond delay="indefinite"/>
-                      </p:stCondLst>
-                      <p:childTnLst>
-                        <p:par>
-                          <p:cTn id="4" fill="hold">
-                            <p:stCondLst>
-                              <p:cond delay="0"/>
-                            </p:stCondLst>
-                            <p:childTnLst>
-                              <p:par>
-                                <p:cTn id="5" presetID="2" presetClass="entr" presetSubtype="4" fill="hold" nodeType="clickEffect">
-                                  <p:stCondLst>
-                                    <p:cond delay="0"/>
-                                  </p:stCondLst>
-                                  <p:childTnLst>
-                                    <p:set>
-                                      <p:cBhvr>
-                                        <p:cTn id="6" dur="1" fill="hold">
-                                          <p:stCondLst>
-                                            <p:cond delay="0"/>
-                                          </p:stCondLst>
-                                        </p:cTn>
-                                        <p:tgtEl>
-                                          <p:spTgt spid="7"/>
-                                        </p:tgtEl>
-                                        <p:attrNameLst>
-                                          <p:attrName>style.visibility</p:attrName>
-                                        </p:attrNameLst>
-                                      </p:cBhvr>
-                                      <p:to>
-                                        <p:strVal val="visible"/>
-                                      </p:to>
-                                    </p:set>
-                                    <p:anim calcmode="lin" valueType="num">
-                                      <p:cBhvr additive="base">
-                                        <p:cTn id="7" dur="300" fill="hold"/>
-                                        <p:tgtEl>
-                                          <p:spTgt spid="7"/>
-                                        </p:tgtEl>
-                                        <p:attrNameLst>
-                                          <p:attrName>ppt_x</p:attrName>
-                                        </p:attrNameLst>
-                                      </p:cBhvr>
-                                      <p:tavLst>
-                                        <p:tav tm="0">
-                                          <p:val>
-                                            <p:strVal val="#ppt_x"/>
-                                          </p:val>
-                                        </p:tav>
-                                        <p:tav tm="100000">
-                                          <p:val>
-                                            <p:strVal val="#ppt_x"/>
-                                          </p:val>
-                                        </p:tav>
-                                      </p:tavLst>
-                                    </p:anim>
-                                    <p:anim calcmode="lin" valueType="num">
-                                      <p:cBhvr additive="base">
-                                        <p:cTn id="8" dur="300" fill="hold"/>
-                                        <p:tgtEl>
-                                          <p:spTgt spid="7"/>
-                                        </p:tgtEl>
-                                        <p:attrNameLst>
-                                          <p:attrName>ppt_y</p:attrName>
-                                        </p:attrNameLst>
-                                      </p:cBhvr>
-                                      <p:tavLst>
-                                        <p:tav tm="0">
-                                          <p:val>
-                                            <p:strVal val="1+#ppt_h/2"/>
-                                          </p:val>
-                                        </p:tav>
-                                        <p:tav tm="100000">
-                                          <p:val>
-                                            <p:strVal val="#ppt_y"/>
-                                          </p:val>
-                                        </p:tav>
-                                      </p:tavLst>
-                                    </p:anim>
-                                  </p:childTnLst>
-                                </p:cTn>
-                              </p:par>
-                              <p:par>
-                                <p:cTn id="9" presetID="2" presetClass="entr" presetSubtype="4" fill="hold" nodeType="withEffect">
-                                  <p:stCondLst>
-                                    <p:cond delay="0"/>
-                                  </p:stCondLst>
-                                  <p:childTnLst>
-                                    <p:set>
-                                      <p:cBhvr>
-                                        <p:cTn id="10" dur="1" fill="hold">
-                                          <p:stCondLst>
-                                            <p:cond delay="0"/>
-                                          </p:stCondLst>
-                                        </p:cTn>
-                                        <p:tgtEl>
-                                          <p:spTgt spid="9"/>
-                                        </p:tgtEl>
-                                        <p:attrNameLst>
-                                          <p:attrName>style.visibility</p:attrName>
-                                        </p:attrNameLst>
-                                      </p:cBhvr>
-                                      <p:to>
-                                        <p:strVal val="visible"/>
-                                      </p:to>
-                                    </p:set>
-                                    <p:anim calcmode="lin" valueType="num">
-                                      <p:cBhvr additive="base">
-                                        <p:cTn id="11" dur="300" fill="hold"/>
-                                        <p:tgtEl>
-                                          <p:spTgt spid="9"/>
-                                        </p:tgtEl>
-                                        <p:attrNameLst>
-                                          <p:attrName>ppt_x</p:attrName>
-                                        </p:attrNameLst>
-                                      </p:cBhvr>
-                                      <p:tavLst>
-                                        <p:tav tm="0">
-                                          <p:val>
-                                            <p:strVal val="#ppt_x"/>
-                                          </p:val>
-                                        </p:tav>
-                                        <p:tav tm="100000">
-                                          <p:val>
-                                            <p:strVal val="#ppt_x"/>
-                                          </p:val>
-                                        </p:tav>
-                                      </p:tavLst>
-                                    </p:anim>
-                                    <p:anim calcmode="lin" valueType="num">
-                                      <p:cBhvr additive="base">
-                                        <p:cTn id="12" dur="300" fill="hold"/>
-                                        <p:tgtEl>
-                                          <p:spTgt spid="9"/>
-                                        </p:tgtEl>
-                                        <p:attrNameLst>
-                                          <p:attrName>ppt_y</p:attrName>
-                                        </p:attrNameLst>
-                                      </p:cBhvr>
-                                      <p:tavLst>
-                                        <p:tav tm="0">
-                                          <p:val>
-                                            <p:strVal val="1+#ppt_h/2"/>
-                                          </p:val>
-                                        </p:tav>
-                                        <p:tav tm="100000">
-                                          <p:val>
-                                            <p:strVal val="#ppt_y"/>
-                                          </p:val>
-                                        </p:tav>
-                                      </p:tavLst>
-                                    </p:anim>
-                                  </p:childTnLst>
-                                </p:cTn>
-                              </p:par>
-                              <p:par>
-                                <p:cTn id="13" presetID="2" presetClass="entr" presetSubtype="4" fill="hold" grpId="0" nodeType="withEffect">
-                                  <p:stCondLst>
-                                    <p:cond delay="0"/>
-                                  </p:stCondLst>
-                                  <p:childTnLst>
-                                    <p:set>
-                                      <p:cBhvr>
-                                        <p:cTn id="14" dur="1" fill="hold">
-                                          <p:stCondLst>
-                                            <p:cond delay="0"/>
-                                          </p:stCondLst>
-                                        </p:cTn>
-                                        <p:tgtEl>
-                                          <p:spTgt spid="8"/>
-                                        </p:tgtEl>
-                                        <p:attrNameLst>
-                                          <p:attrName>style.visibility</p:attrName>
-                                        </p:attrNameLst>
-                                      </p:cBhvr>
-                                      <p:to>
-                                        <p:strVal val="visible"/>
-                                      </p:to>
-                                    </p:set>
-                                    <p:anim calcmode="lin" valueType="num">
-                                      <p:cBhvr additive="base">
-                                        <p:cTn id="15" dur="300" fill="hold"/>
-                                        <p:tgtEl>
-                                          <p:spTgt spid="8"/>
-                                        </p:tgtEl>
-                                        <p:attrNameLst>
-                                          <p:attrName>ppt_x</p:attrName>
-                                        </p:attrNameLst>
-                                      </p:cBhvr>
-                                      <p:tavLst>
-                                        <p:tav tm="0">
-                                          <p:val>
-                                            <p:strVal val="#ppt_x"/>
-                                          </p:val>
-                                        </p:tav>
-                                        <p:tav tm="100000">
-                                          <p:val>
-                                            <p:strVal val="#ppt_x"/>
-                                          </p:val>
-                                        </p:tav>
-                                      </p:tavLst>
-                                    </p:anim>
-                                    <p:anim calcmode="lin" valueType="num">
-                                      <p:cBhvr additive="base">
-                                        <p:cTn id="16" dur="300" fill="hold"/>
-                                        <p:tgtEl>
-                                          <p:spTgt spid="8"/>
-                                        </p:tgtEl>
-                                        <p:attrNameLst>
-                                          <p:attrName>ppt_y</p:attrName>
-                                        </p:attrNameLst>
-                                      </p:cBhvr>
-                                      <p:tavLst>
-                                        <p:tav tm="0">
-                                          <p:val>
-                                            <p:strVal val="1+#ppt_h/2"/>
-                                          </p:val>
-                                        </p:tav>
-                                        <p:tav tm="100000">
-                                          <p:val>
-                                            <p:strVal val="#ppt_y"/>
-                                          </p:val>
-                                        </p:tav>
-                                      </p:tavLst>
-                                    </p:anim>
-                                  </p:childTnLst>
-                                </p:cTn>
-                              </p:par>
-                            </p:childTnLst>
-                          </p:cTn>
-                        </p:par>
-                      </p:childTnLst>
-                    </p:cTn>
-                  </p:par>
-                </p:childTnLst>
-              </p:cTn>
-              <p:prevCondLst>
-                <p:cond evt="onPrev" delay="0">
-                  <p:tgtEl>
-                    <p:sldTgt/>
-                  </p:tgtEl>
-                </p:cond>
-              </p:prevCondLst>
-              <p:nextCondLst>
-                <p:cond evt="onNext" delay="0">
-                  <p:tgtEl>
-                    <p:sldTgt/>
-                  </p:tgtEl>
-                </p:cond>
-              </p:nextCondLst>
-            </p:seq>
-          </p:childTnLst>
-        </p:cTn>
-      </p:par>
-    </p:tnLst>
-    <p:bldLst>
-      <p:bldP spid="8" grpId="0" animBg="1"/>
-    </p:bldLst>
   </p:timing>
 </p:sld>
 </file>

--- a/SP_predstavitev.pptx
+++ b/SP_predstavitev.pptx
@@ -10,6 +10,7 @@
     <p:sldId id="258" r:id="rId4"/>
     <p:sldId id="260" r:id="rId5"/>
     <p:sldId id="261" r:id="rId6"/>
+    <p:sldId id="262" r:id="rId7"/>
   </p:sldIdLst>
   <p:sldSz cx="9144000" cy="6858000" type="screen4x3"/>
   <p:notesSz cx="6858000" cy="9144000"/>
@@ -108,6 +109,22 @@
       </a:defRPr>
     </a:lvl9pPr>
   </p:defaultTextStyle>
+  <p:extLst>
+    <p:ext uri="{521415D9-36F7-43E2-AB2F-B90AF26B5E84}">
+      <p14:sectionLst xmlns:p14="http://schemas.microsoft.com/office/powerpoint/2010/main">
+        <p14:section name="Default Section" id="{897D7627-A68C-9440-877E-89383522F287}">
+          <p14:sldIdLst>
+            <p14:sldId id="256"/>
+            <p14:sldId id="259"/>
+            <p14:sldId id="258"/>
+            <p14:sldId id="260"/>
+            <p14:sldId id="261"/>
+            <p14:sldId id="262"/>
+          </p14:sldIdLst>
+        </p14:section>
+      </p14:sectionLst>
+    </p:ext>
+  </p:extLst>
 </p:presentation>
 </file>
 
@@ -5514,6 +5531,36 @@
           </a:fontRef>
         </p:style>
       </p:cxnSp>
+      <p:pic>
+        <p:nvPicPr>
+          <p:cNvPr id="3" name="Picture 2" descr="Screen Shot 2015-06-12 at 09.38.17.png"/>
+          <p:cNvPicPr>
+            <a:picLocks noChangeAspect="1"/>
+          </p:cNvPicPr>
+          <p:nvPr/>
+        </p:nvPicPr>
+        <p:blipFill>
+          <a:blip r:embed="rId3">
+            <a:extLst>
+              <a:ext uri="{28A0092B-C50C-407E-A947-70E740481C1C}">
+                <a14:useLocalDpi xmlns:a14="http://schemas.microsoft.com/office/drawing/2010/main" val="0"/>
+              </a:ext>
+            </a:extLst>
+          </a:blip>
+          <a:stretch>
+            <a:fillRect/>
+          </a:stretch>
+        </p:blipFill>
+        <p:spPr>
+          <a:xfrm>
+            <a:off x="0" y="374754"/>
+            <a:ext cx="9144000" cy="5921829"/>
+          </a:xfrm>
+          <a:prstGeom prst="rect">
+            <a:avLst/>
+          </a:prstGeom>
+        </p:spPr>
+      </p:pic>
     </p:spTree>
     <p:extLst>
       <p:ext uri="{BB962C8B-B14F-4D97-AF65-F5344CB8AC3E}">
@@ -5527,7 +5574,121 @@
   <p:timing>
     <p:tnLst>
       <p:par>
-        <p:cTn xmlns:p14="http://schemas.microsoft.com/office/powerpoint/2010/main" id="1" dur="indefinite" restart="never" nodeType="tmRoot"/>
+        <p:cTn xmlns:p14="http://schemas.microsoft.com/office/powerpoint/2010/main" id="1" dur="indefinite" restart="never" nodeType="tmRoot">
+          <p:childTnLst>
+            <p:seq concurrent="1" nextAc="seek">
+              <p:cTn id="2" dur="indefinite" nodeType="mainSeq">
+                <p:childTnLst>
+                  <p:par>
+                    <p:cTn id="3" fill="hold">
+                      <p:stCondLst>
+                        <p:cond delay="indefinite"/>
+                      </p:stCondLst>
+                      <p:childTnLst>
+                        <p:par>
+                          <p:cTn id="4" fill="hold">
+                            <p:stCondLst>
+                              <p:cond delay="0"/>
+                            </p:stCondLst>
+                            <p:childTnLst>
+                              <p:par>
+                                <p:cTn id="5" presetID="2" presetClass="entr" presetSubtype="4" fill="hold" nodeType="clickEffect">
+                                  <p:stCondLst>
+                                    <p:cond delay="0"/>
+                                  </p:stCondLst>
+                                  <p:childTnLst>
+                                    <p:set>
+                                      <p:cBhvr>
+                                        <p:cTn id="6" dur="1" fill="hold">
+                                          <p:stCondLst>
+                                            <p:cond delay="0"/>
+                                          </p:stCondLst>
+                                        </p:cTn>
+                                        <p:tgtEl>
+                                          <p:spTgt spid="3"/>
+                                        </p:tgtEl>
+                                        <p:attrNameLst>
+                                          <p:attrName>style.visibility</p:attrName>
+                                        </p:attrNameLst>
+                                      </p:cBhvr>
+                                      <p:to>
+                                        <p:strVal val="visible"/>
+                                      </p:to>
+                                    </p:set>
+                                    <p:anim calcmode="lin" valueType="num">
+                                      <p:cBhvr additive="base">
+                                        <p:cTn id="7" dur="500" fill="hold"/>
+                                        <p:tgtEl>
+                                          <p:spTgt spid="3"/>
+                                        </p:tgtEl>
+                                        <p:attrNameLst>
+                                          <p:attrName>ppt_x</p:attrName>
+                                        </p:attrNameLst>
+                                      </p:cBhvr>
+                                      <p:tavLst>
+                                        <p:tav tm="0">
+                                          <p:val>
+                                            <p:strVal val="#ppt_x"/>
+                                          </p:val>
+                                        </p:tav>
+                                        <p:tav tm="100000">
+                                          <p:val>
+                                            <p:strVal val="#ppt_x"/>
+                                          </p:val>
+                                        </p:tav>
+                                      </p:tavLst>
+                                    </p:anim>
+                                    <p:anim calcmode="lin" valueType="num">
+                                      <p:cBhvr additive="base">
+                                        <p:cTn id="8" dur="500" fill="hold"/>
+                                        <p:tgtEl>
+                                          <p:spTgt spid="3"/>
+                                        </p:tgtEl>
+                                        <p:attrNameLst>
+                                          <p:attrName>ppt_y</p:attrName>
+                                        </p:attrNameLst>
+                                      </p:cBhvr>
+                                      <p:tavLst>
+                                        <p:tav tm="0">
+                                          <p:val>
+                                            <p:strVal val="1+#ppt_h/2"/>
+                                          </p:val>
+                                        </p:tav>
+                                        <p:tav tm="100000">
+                                          <p:val>
+                                            <p:strVal val="#ppt_y"/>
+                                          </p:val>
+                                        </p:tav>
+                                      </p:tavLst>
+                                    </p:anim>
+                                  </p:childTnLst>
+                                </p:cTn>
+                              </p:par>
+                            </p:childTnLst>
+                          </p:cTn>
+                        </p:par>
+                      </p:childTnLst>
+                    </p:cTn>
+                  </p:par>
+                </p:childTnLst>
+              </p:cTn>
+              <p:prevCondLst>
+                <p:cond evt="onPrev" delay="0">
+                  <p:tgtEl>
+                    <p:sldTgt/>
+                  </p:tgtEl>
+                </p:cond>
+              </p:prevCondLst>
+              <p:nextCondLst>
+                <p:cond evt="onNext" delay="0">
+                  <p:tgtEl>
+                    <p:sldTgt/>
+                  </p:tgtEl>
+                </p:cond>
+              </p:nextCondLst>
+            </p:seq>
+          </p:childTnLst>
+        </p:cTn>
       </p:par>
     </p:tnLst>
   </p:timing>
@@ -6235,9 +6396,8 @@
           <a:p>
             <a:r>
               <a:rPr lang="en-US" dirty="0" err="1"/>
-              <a:t>Prikažemo, če se film predvaja v kinu ali po TV!</a:t>
-            </a:r>
-            <a:endParaRPr lang="en-US" dirty="0" err="1"/>
+              <a:t>Prikažemo tudi, če se film predvaja v kinu ali po TV!</a:t>
+            </a:r>
           </a:p>
         </p:txBody>
       </p:sp>
@@ -6257,6 +6417,539 @@
         <p:cTn xmlns:p14="http://schemas.microsoft.com/office/powerpoint/2010/main" id="1" dur="indefinite" restart="never" nodeType="tmRoot"/>
       </p:par>
     </p:tnLst>
+  </p:timing>
+</p:sld>
+</file>
+
+<file path=ppt/slides/slide6.xml><?xml version="1.0" encoding="utf-8"?>
+<p:sld xmlns:a="http://schemas.openxmlformats.org/drawingml/2006/main" xmlns:r="http://schemas.openxmlformats.org/officeDocument/2006/relationships" xmlns:p="http://schemas.openxmlformats.org/presentationml/2006/main">
+  <p:cSld>
+    <p:spTree>
+      <p:nvGrpSpPr>
+        <p:cNvPr id="1" name=""/>
+        <p:cNvGrpSpPr/>
+        <p:nvPr/>
+      </p:nvGrpSpPr>
+      <p:grpSpPr>
+        <a:xfrm>
+          <a:off x="0" y="0"/>
+          <a:ext cx="0" cy="0"/>
+          <a:chOff x="0" y="0"/>
+          <a:chExt cx="0" cy="0"/>
+        </a:xfrm>
+      </p:grpSpPr>
+      <p:sp>
+        <p:nvSpPr>
+          <p:cNvPr id="2" name="Title 1"/>
+          <p:cNvSpPr>
+            <a:spLocks noGrp="1"/>
+          </p:cNvSpPr>
+          <p:nvPr>
+            <p:ph type="title"/>
+          </p:nvPr>
+        </p:nvSpPr>
+        <p:spPr/>
+        <p:txBody>
+          <a:bodyPr/>
+          <a:lstStyle/>
+          <a:p>
+            <a:endParaRPr lang="en-US"/>
+          </a:p>
+        </p:txBody>
+      </p:sp>
+      <p:pic>
+        <p:nvPicPr>
+          <p:cNvPr id="4" name="Content Placeholder 3" descr="Screen Shot 2015-06-12 at 09.33.39.png"/>
+          <p:cNvPicPr>
+            <a:picLocks noGrp="1" noChangeAspect="1"/>
+          </p:cNvPicPr>
+          <p:nvPr>
+            <p:ph idx="1"/>
+          </p:nvPr>
+        </p:nvPicPr>
+        <p:blipFill>
+          <a:blip r:embed="rId2">
+            <a:extLst>
+              <a:ext uri="{28A0092B-C50C-407E-A947-70E740481C1C}">
+                <a14:useLocalDpi xmlns:a14="http://schemas.microsoft.com/office/drawing/2010/main" val="0"/>
+              </a:ext>
+            </a:extLst>
+          </a:blip>
+          <a:srcRect t="7161" b="7161"/>
+          <a:stretch>
+            <a:fillRect/>
+          </a:stretch>
+        </p:blipFill>
+        <p:spPr>
+          <a:xfrm>
+            <a:off x="277125" y="998245"/>
+            <a:ext cx="8434162" cy="4068056"/>
+          </a:xfrm>
+        </p:spPr>
+      </p:pic>
+      <p:sp>
+        <p:nvSpPr>
+          <p:cNvPr id="5" name="TextBox 4"/>
+          <p:cNvSpPr txBox="1"/>
+          <p:nvPr/>
+        </p:nvSpPr>
+        <p:spPr>
+          <a:xfrm>
+            <a:off x="5902722" y="2511822"/>
+            <a:ext cx="2808565" cy="923330"/>
+          </a:xfrm>
+          <a:prstGeom prst="rect">
+            <a:avLst/>
+          </a:prstGeom>
+        </p:spPr>
+        <p:style>
+          <a:lnRef idx="2">
+            <a:schemeClr val="accent1">
+              <a:shade val="50000"/>
+            </a:schemeClr>
+          </a:lnRef>
+          <a:fillRef idx="1">
+            <a:schemeClr val="accent1"/>
+          </a:fillRef>
+          <a:effectRef idx="0">
+            <a:schemeClr val="accent1"/>
+          </a:effectRef>
+          <a:fontRef idx="minor">
+            <a:schemeClr val="lt1"/>
+          </a:fontRef>
+        </p:style>
+        <p:txBody>
+          <a:bodyPr wrap="square" rtlCol="0">
+            <a:spAutoFit/>
+          </a:bodyPr>
+          <a:lstStyle/>
+          <a:p>
+            <a:r>
+              <a:rPr lang="en-US"/>
+              <a:t>Uporabniku vsakič ko se prijavi ponudimo šest novih filmov</a:t>
+            </a:r>
+          </a:p>
+        </p:txBody>
+      </p:sp>
+      <p:cxnSp>
+        <p:nvCxnSpPr>
+          <p:cNvPr id="6" name="Straight Arrow Connector 5"/>
+          <p:cNvCxnSpPr/>
+          <p:nvPr/>
+        </p:nvCxnSpPr>
+        <p:spPr>
+          <a:xfrm flipH="1">
+            <a:off x="5421837" y="3435152"/>
+            <a:ext cx="480885" cy="588981"/>
+          </a:xfrm>
+          <a:prstGeom prst="straightConnector1">
+            <a:avLst/>
+          </a:prstGeom>
+          <a:ln w="57150" cmpd="sng">
+            <a:tailEnd type="arrow"/>
+          </a:ln>
+        </p:spPr>
+        <p:style>
+          <a:lnRef idx="2">
+            <a:schemeClr val="accent1"/>
+          </a:lnRef>
+          <a:fillRef idx="0">
+            <a:schemeClr val="accent1"/>
+          </a:fillRef>
+          <a:effectRef idx="1">
+            <a:schemeClr val="accent1"/>
+          </a:effectRef>
+          <a:fontRef idx="minor">
+            <a:schemeClr val="tx1"/>
+          </a:fontRef>
+        </p:style>
+      </p:cxnSp>
+      <p:pic>
+        <p:nvPicPr>
+          <p:cNvPr id="7" name="Picture 6" descr="Screen Shot 2015-06-12 at 09.36.01.png"/>
+          <p:cNvPicPr>
+            <a:picLocks noChangeAspect="1"/>
+          </p:cNvPicPr>
+          <p:nvPr/>
+        </p:nvPicPr>
+        <p:blipFill>
+          <a:blip r:embed="rId3">
+            <a:extLst>
+              <a:ext uri="{28A0092B-C50C-407E-A947-70E740481C1C}">
+                <a14:useLocalDpi xmlns:a14="http://schemas.microsoft.com/office/drawing/2010/main" val="0"/>
+              </a:ext>
+            </a:extLst>
+          </a:blip>
+          <a:stretch>
+            <a:fillRect/>
+          </a:stretch>
+        </p:blipFill>
+        <p:spPr>
+          <a:xfrm>
+            <a:off x="0" y="1308320"/>
+            <a:ext cx="9144000" cy="5031662"/>
+          </a:xfrm>
+          <a:prstGeom prst="rect">
+            <a:avLst/>
+          </a:prstGeom>
+        </p:spPr>
+      </p:pic>
+      <p:sp>
+        <p:nvSpPr>
+          <p:cNvPr id="8" name="TextBox 7"/>
+          <p:cNvSpPr txBox="1"/>
+          <p:nvPr/>
+        </p:nvSpPr>
+        <p:spPr>
+          <a:xfrm>
+            <a:off x="921029" y="2177254"/>
+            <a:ext cx="2818905" cy="923330"/>
+          </a:xfrm>
+          <a:prstGeom prst="rect">
+            <a:avLst/>
+          </a:prstGeom>
+        </p:spPr>
+        <p:style>
+          <a:lnRef idx="2">
+            <a:schemeClr val="accent1">
+              <a:shade val="50000"/>
+            </a:schemeClr>
+          </a:lnRef>
+          <a:fillRef idx="1">
+            <a:schemeClr val="accent1"/>
+          </a:fillRef>
+          <a:effectRef idx="0">
+            <a:schemeClr val="accent1"/>
+          </a:effectRef>
+          <a:fontRef idx="minor">
+            <a:schemeClr val="lt1"/>
+          </a:fontRef>
+        </p:style>
+        <p:txBody>
+          <a:bodyPr wrap="square" rtlCol="0">
+            <a:spAutoFit/>
+          </a:bodyPr>
+          <a:lstStyle/>
+          <a:p>
+            <a:r>
+              <a:rPr lang="en-US"/>
+              <a:t>Ogleda pa si lahko tudi filme, ki si jih je že ogledal in jih ocenil</a:t>
+            </a:r>
+          </a:p>
+        </p:txBody>
+      </p:sp>
+      <p:cxnSp>
+        <p:nvCxnSpPr>
+          <p:cNvPr id="9" name="Straight Arrow Connector 8"/>
+          <p:cNvCxnSpPr/>
+          <p:nvPr/>
+        </p:nvCxnSpPr>
+        <p:spPr>
+          <a:xfrm>
+            <a:off x="2504357" y="3100585"/>
+            <a:ext cx="244774" cy="486301"/>
+          </a:xfrm>
+          <a:prstGeom prst="straightConnector1">
+            <a:avLst/>
+          </a:prstGeom>
+          <a:ln w="57150" cmpd="sng">
+            <a:tailEnd type="arrow"/>
+          </a:ln>
+        </p:spPr>
+        <p:style>
+          <a:lnRef idx="2">
+            <a:schemeClr val="accent1"/>
+          </a:lnRef>
+          <a:fillRef idx="0">
+            <a:schemeClr val="accent1"/>
+          </a:fillRef>
+          <a:effectRef idx="1">
+            <a:schemeClr val="accent1"/>
+          </a:effectRef>
+          <a:fontRef idx="minor">
+            <a:schemeClr val="tx1"/>
+          </a:fontRef>
+        </p:style>
+      </p:cxnSp>
+    </p:spTree>
+    <p:extLst>
+      <p:ext uri="{BB962C8B-B14F-4D97-AF65-F5344CB8AC3E}">
+        <p14:creationId xmlns:p14="http://schemas.microsoft.com/office/powerpoint/2010/main" val="351654325"/>
+      </p:ext>
+    </p:extLst>
+  </p:cSld>
+  <p:clrMapOvr>
+    <a:masterClrMapping/>
+  </p:clrMapOvr>
+  <p:timing>
+    <p:tnLst>
+      <p:par>
+        <p:cTn xmlns:p14="http://schemas.microsoft.com/office/powerpoint/2010/main" id="1" dur="indefinite" restart="never" nodeType="tmRoot">
+          <p:childTnLst>
+            <p:seq concurrent="1" nextAc="seek">
+              <p:cTn id="2" dur="indefinite" nodeType="mainSeq">
+                <p:childTnLst>
+                  <p:par>
+                    <p:cTn id="3" fill="hold">
+                      <p:stCondLst>
+                        <p:cond delay="indefinite"/>
+                      </p:stCondLst>
+                      <p:childTnLst>
+                        <p:par>
+                          <p:cTn id="4" fill="hold">
+                            <p:stCondLst>
+                              <p:cond delay="0"/>
+                            </p:stCondLst>
+                            <p:childTnLst>
+                              <p:par>
+                                <p:cTn id="5" presetID="2" presetClass="entr" presetSubtype="4" fill="hold" grpId="0" nodeType="clickEffect">
+                                  <p:stCondLst>
+                                    <p:cond delay="0"/>
+                                  </p:stCondLst>
+                                  <p:childTnLst>
+                                    <p:set>
+                                      <p:cBhvr>
+                                        <p:cTn id="6" dur="1" fill="hold">
+                                          <p:stCondLst>
+                                            <p:cond delay="0"/>
+                                          </p:stCondLst>
+                                        </p:cTn>
+                                        <p:tgtEl>
+                                          <p:spTgt spid="8"/>
+                                        </p:tgtEl>
+                                        <p:attrNameLst>
+                                          <p:attrName>style.visibility</p:attrName>
+                                        </p:attrNameLst>
+                                      </p:cBhvr>
+                                      <p:to>
+                                        <p:strVal val="visible"/>
+                                      </p:to>
+                                    </p:set>
+                                    <p:anim calcmode="lin" valueType="num">
+                                      <p:cBhvr additive="base">
+                                        <p:cTn id="7" dur="500" fill="hold"/>
+                                        <p:tgtEl>
+                                          <p:spTgt spid="8"/>
+                                        </p:tgtEl>
+                                        <p:attrNameLst>
+                                          <p:attrName>ppt_x</p:attrName>
+                                        </p:attrNameLst>
+                                      </p:cBhvr>
+                                      <p:tavLst>
+                                        <p:tav tm="0">
+                                          <p:val>
+                                            <p:strVal val="#ppt_x"/>
+                                          </p:val>
+                                        </p:tav>
+                                        <p:tav tm="100000">
+                                          <p:val>
+                                            <p:strVal val="#ppt_x"/>
+                                          </p:val>
+                                        </p:tav>
+                                      </p:tavLst>
+                                    </p:anim>
+                                    <p:anim calcmode="lin" valueType="num">
+                                      <p:cBhvr additive="base">
+                                        <p:cTn id="8" dur="500" fill="hold"/>
+                                        <p:tgtEl>
+                                          <p:spTgt spid="8"/>
+                                        </p:tgtEl>
+                                        <p:attrNameLst>
+                                          <p:attrName>ppt_y</p:attrName>
+                                        </p:attrNameLst>
+                                      </p:cBhvr>
+                                      <p:tavLst>
+                                        <p:tav tm="0">
+                                          <p:val>
+                                            <p:strVal val="1+#ppt_h/2"/>
+                                          </p:val>
+                                        </p:tav>
+                                        <p:tav tm="100000">
+                                          <p:val>
+                                            <p:strVal val="#ppt_y"/>
+                                          </p:val>
+                                        </p:tav>
+                                      </p:tavLst>
+                                    </p:anim>
+                                  </p:childTnLst>
+                                </p:cTn>
+                              </p:par>
+                              <p:par>
+                                <p:cTn id="9" presetID="2" presetClass="entr" presetSubtype="4" fill="hold" nodeType="withEffect">
+                                  <p:stCondLst>
+                                    <p:cond delay="0"/>
+                                  </p:stCondLst>
+                                  <p:childTnLst>
+                                    <p:set>
+                                      <p:cBhvr>
+                                        <p:cTn id="10" dur="1" fill="hold">
+                                          <p:stCondLst>
+                                            <p:cond delay="0"/>
+                                          </p:stCondLst>
+                                        </p:cTn>
+                                        <p:tgtEl>
+                                          <p:spTgt spid="9"/>
+                                        </p:tgtEl>
+                                        <p:attrNameLst>
+                                          <p:attrName>style.visibility</p:attrName>
+                                        </p:attrNameLst>
+                                      </p:cBhvr>
+                                      <p:to>
+                                        <p:strVal val="visible"/>
+                                      </p:to>
+                                    </p:set>
+                                    <p:anim calcmode="lin" valueType="num">
+                                      <p:cBhvr additive="base">
+                                        <p:cTn id="11" dur="500" fill="hold"/>
+                                        <p:tgtEl>
+                                          <p:spTgt spid="9"/>
+                                        </p:tgtEl>
+                                        <p:attrNameLst>
+                                          <p:attrName>ppt_x</p:attrName>
+                                        </p:attrNameLst>
+                                      </p:cBhvr>
+                                      <p:tavLst>
+                                        <p:tav tm="0">
+                                          <p:val>
+                                            <p:strVal val="#ppt_x"/>
+                                          </p:val>
+                                        </p:tav>
+                                        <p:tav tm="100000">
+                                          <p:val>
+                                            <p:strVal val="#ppt_x"/>
+                                          </p:val>
+                                        </p:tav>
+                                      </p:tavLst>
+                                    </p:anim>
+                                    <p:anim calcmode="lin" valueType="num">
+                                      <p:cBhvr additive="base">
+                                        <p:cTn id="12" dur="500" fill="hold"/>
+                                        <p:tgtEl>
+                                          <p:spTgt spid="9"/>
+                                        </p:tgtEl>
+                                        <p:attrNameLst>
+                                          <p:attrName>ppt_y</p:attrName>
+                                        </p:attrNameLst>
+                                      </p:cBhvr>
+                                      <p:tavLst>
+                                        <p:tav tm="0">
+                                          <p:val>
+                                            <p:strVal val="1+#ppt_h/2"/>
+                                          </p:val>
+                                        </p:tav>
+                                        <p:tav tm="100000">
+                                          <p:val>
+                                            <p:strVal val="#ppt_y"/>
+                                          </p:val>
+                                        </p:tav>
+                                      </p:tavLst>
+                                    </p:anim>
+                                  </p:childTnLst>
+                                </p:cTn>
+                              </p:par>
+                              <p:par>
+                                <p:cTn id="13" presetID="2" presetClass="entr" presetSubtype="4" fill="hold" nodeType="withEffect">
+                                  <p:stCondLst>
+                                    <p:cond delay="0"/>
+                                  </p:stCondLst>
+                                  <p:childTnLst>
+                                    <p:set>
+                                      <p:cBhvr>
+                                        <p:cTn id="14" dur="1" fill="hold">
+                                          <p:stCondLst>
+                                            <p:cond delay="0"/>
+                                          </p:stCondLst>
+                                        </p:cTn>
+                                        <p:tgtEl>
+                                          <p:spTgt spid="7"/>
+                                        </p:tgtEl>
+                                        <p:attrNameLst>
+                                          <p:attrName>style.visibility</p:attrName>
+                                        </p:attrNameLst>
+                                      </p:cBhvr>
+                                      <p:to>
+                                        <p:strVal val="visible"/>
+                                      </p:to>
+                                    </p:set>
+                                    <p:anim calcmode="lin" valueType="num">
+                                      <p:cBhvr additive="base">
+                                        <p:cTn id="15" dur="500" fill="hold"/>
+                                        <p:tgtEl>
+                                          <p:spTgt spid="7"/>
+                                        </p:tgtEl>
+                                        <p:attrNameLst>
+                                          <p:attrName>ppt_x</p:attrName>
+                                        </p:attrNameLst>
+                                      </p:cBhvr>
+                                      <p:tavLst>
+                                        <p:tav tm="0">
+                                          <p:val>
+                                            <p:strVal val="#ppt_x"/>
+                                          </p:val>
+                                        </p:tav>
+                                        <p:tav tm="100000">
+                                          <p:val>
+                                            <p:strVal val="#ppt_x"/>
+                                          </p:val>
+                                        </p:tav>
+                                      </p:tavLst>
+                                    </p:anim>
+                                    <p:anim calcmode="lin" valueType="num">
+                                      <p:cBhvr additive="base">
+                                        <p:cTn id="16" dur="500" fill="hold"/>
+                                        <p:tgtEl>
+                                          <p:spTgt spid="7"/>
+                                        </p:tgtEl>
+                                        <p:attrNameLst>
+                                          <p:attrName>ppt_y</p:attrName>
+                                        </p:attrNameLst>
+                                      </p:cBhvr>
+                                      <p:tavLst>
+                                        <p:tav tm="0">
+                                          <p:val>
+                                            <p:strVal val="1+#ppt_h/2"/>
+                                          </p:val>
+                                        </p:tav>
+                                        <p:tav tm="100000">
+                                          <p:val>
+                                            <p:strVal val="#ppt_y"/>
+                                          </p:val>
+                                        </p:tav>
+                                      </p:tavLst>
+                                    </p:anim>
+                                  </p:childTnLst>
+                                </p:cTn>
+                              </p:par>
+                            </p:childTnLst>
+                          </p:cTn>
+                        </p:par>
+                      </p:childTnLst>
+                    </p:cTn>
+                  </p:par>
+                </p:childTnLst>
+              </p:cTn>
+              <p:prevCondLst>
+                <p:cond evt="onPrev" delay="0">
+                  <p:tgtEl>
+                    <p:sldTgt/>
+                  </p:tgtEl>
+                </p:cond>
+              </p:prevCondLst>
+              <p:nextCondLst>
+                <p:cond evt="onNext" delay="0">
+                  <p:tgtEl>
+                    <p:sldTgt/>
+                  </p:tgtEl>
+                </p:cond>
+              </p:nextCondLst>
+            </p:seq>
+          </p:childTnLst>
+        </p:cTn>
+      </p:par>
+    </p:tnLst>
+    <p:bldLst>
+      <p:bldP spid="8" grpId="0" animBg="1"/>
+    </p:bldLst>
   </p:timing>
 </p:sld>
 </file>

--- a/SP_predstavitev.pptx
+++ b/SP_predstavitev.pptx
@@ -4,13 +4,19 @@
   <p:sldMasterIdLst>
     <p:sldMasterId id="2147483660" r:id="rId1"/>
   </p:sldMasterIdLst>
+  <p:notesMasterIdLst>
+    <p:notesMasterId r:id="rId11"/>
+  </p:notesMasterIdLst>
   <p:sldIdLst>
     <p:sldId id="256" r:id="rId2"/>
     <p:sldId id="259" r:id="rId3"/>
-    <p:sldId id="258" r:id="rId4"/>
-    <p:sldId id="260" r:id="rId5"/>
-    <p:sldId id="261" r:id="rId6"/>
-    <p:sldId id="262" r:id="rId7"/>
+    <p:sldId id="263" r:id="rId4"/>
+    <p:sldId id="264" r:id="rId5"/>
+    <p:sldId id="265" r:id="rId6"/>
+    <p:sldId id="258" r:id="rId7"/>
+    <p:sldId id="260" r:id="rId8"/>
+    <p:sldId id="261" r:id="rId9"/>
+    <p:sldId id="262" r:id="rId10"/>
   </p:sldIdLst>
   <p:sldSz cx="9144000" cy="6858000" type="screen4x3"/>
   <p:notesSz cx="6858000" cy="9144000"/>
@@ -116,6 +122,9 @@
           <p14:sldIdLst>
             <p14:sldId id="256"/>
             <p14:sldId id="259"/>
+            <p14:sldId id="263"/>
+            <p14:sldId id="264"/>
+            <p14:sldId id="265"/>
             <p14:sldId id="258"/>
             <p14:sldId id="260"/>
             <p14:sldId id="261"/>
@@ -126,6 +135,445 @@
     </p:ext>
   </p:extLst>
 </p:presentation>
+</file>
+
+<file path=ppt/notesMasters/notesMaster1.xml><?xml version="1.0" encoding="utf-8"?>
+<p:notesMaster xmlns:a="http://schemas.openxmlformats.org/drawingml/2006/main" xmlns:r="http://schemas.openxmlformats.org/officeDocument/2006/relationships" xmlns:p="http://schemas.openxmlformats.org/presentationml/2006/main">
+  <p:cSld>
+    <p:bg>
+      <p:bgRef idx="1001">
+        <a:schemeClr val="bg1"/>
+      </p:bgRef>
+    </p:bg>
+    <p:spTree>
+      <p:nvGrpSpPr>
+        <p:cNvPr id="1" name=""/>
+        <p:cNvGrpSpPr/>
+        <p:nvPr/>
+      </p:nvGrpSpPr>
+      <p:grpSpPr>
+        <a:xfrm>
+          <a:off x="0" y="0"/>
+          <a:ext cx="0" cy="0"/>
+          <a:chOff x="0" y="0"/>
+          <a:chExt cx="0" cy="0"/>
+        </a:xfrm>
+      </p:grpSpPr>
+      <p:sp>
+        <p:nvSpPr>
+          <p:cNvPr id="2" name="Header Placeholder 1"/>
+          <p:cNvSpPr>
+            <a:spLocks noGrp="1"/>
+          </p:cNvSpPr>
+          <p:nvPr>
+            <p:ph type="hdr" sz="quarter"/>
+          </p:nvPr>
+        </p:nvSpPr>
+        <p:spPr>
+          <a:xfrm>
+            <a:off x="0" y="0"/>
+            <a:ext cx="2971800" cy="457200"/>
+          </a:xfrm>
+          <a:prstGeom prst="rect">
+            <a:avLst/>
+          </a:prstGeom>
+        </p:spPr>
+        <p:txBody>
+          <a:bodyPr vert="horz" lIns="91440" tIns="45720" rIns="91440" bIns="45720" rtlCol="0"/>
+          <a:lstStyle>
+            <a:lvl1pPr algn="l">
+              <a:defRPr sz="1200"/>
+            </a:lvl1pPr>
+          </a:lstStyle>
+          <a:p>
+            <a:endParaRPr lang="en-US"/>
+          </a:p>
+        </p:txBody>
+      </p:sp>
+      <p:sp>
+        <p:nvSpPr>
+          <p:cNvPr id="3" name="Date Placeholder 2"/>
+          <p:cNvSpPr>
+            <a:spLocks noGrp="1"/>
+          </p:cNvSpPr>
+          <p:nvPr>
+            <p:ph type="dt" idx="1"/>
+          </p:nvPr>
+        </p:nvSpPr>
+        <p:spPr>
+          <a:xfrm>
+            <a:off x="3884613" y="0"/>
+            <a:ext cx="2971800" cy="457200"/>
+          </a:xfrm>
+          <a:prstGeom prst="rect">
+            <a:avLst/>
+          </a:prstGeom>
+        </p:spPr>
+        <p:txBody>
+          <a:bodyPr vert="horz" lIns="91440" tIns="45720" rIns="91440" bIns="45720" rtlCol="0"/>
+          <a:lstStyle>
+            <a:lvl1pPr algn="r">
+              <a:defRPr sz="1200"/>
+            </a:lvl1pPr>
+          </a:lstStyle>
+          <a:p>
+            <a:fld id="{79C16A07-C7B1-AF4A-932F-18D41D35BDDC}" type="datetimeFigureOut">
+              <a:t>20/06/15</a:t>
+            </a:fld>
+            <a:endParaRPr lang="en-US"/>
+          </a:p>
+        </p:txBody>
+      </p:sp>
+      <p:sp>
+        <p:nvSpPr>
+          <p:cNvPr id="4" name="Slide Image Placeholder 3"/>
+          <p:cNvSpPr>
+            <a:spLocks noGrp="1" noRot="1" noChangeAspect="1"/>
+          </p:cNvSpPr>
+          <p:nvPr>
+            <p:ph type="sldImg" idx="2"/>
+          </p:nvPr>
+        </p:nvSpPr>
+        <p:spPr>
+          <a:xfrm>
+            <a:off x="1143000" y="685800"/>
+            <a:ext cx="4572000" cy="3429000"/>
+          </a:xfrm>
+          <a:prstGeom prst="rect">
+            <a:avLst/>
+          </a:prstGeom>
+          <a:noFill/>
+          <a:ln w="12700">
+            <a:solidFill>
+              <a:prstClr val="black"/>
+            </a:solidFill>
+          </a:ln>
+        </p:spPr>
+        <p:txBody>
+          <a:bodyPr vert="horz" lIns="91440" tIns="45720" rIns="91440" bIns="45720" rtlCol="0" anchor="ctr"/>
+          <a:lstStyle/>
+          <a:p>
+            <a:endParaRPr lang="en-US"/>
+          </a:p>
+        </p:txBody>
+      </p:sp>
+      <p:sp>
+        <p:nvSpPr>
+          <p:cNvPr id="5" name="Notes Placeholder 4"/>
+          <p:cNvSpPr>
+            <a:spLocks noGrp="1"/>
+          </p:cNvSpPr>
+          <p:nvPr>
+            <p:ph type="body" sz="quarter" idx="3"/>
+          </p:nvPr>
+        </p:nvSpPr>
+        <p:spPr>
+          <a:xfrm>
+            <a:off x="685800" y="4343400"/>
+            <a:ext cx="5486400" cy="4114800"/>
+          </a:xfrm>
+          <a:prstGeom prst="rect">
+            <a:avLst/>
+          </a:prstGeom>
+        </p:spPr>
+        <p:txBody>
+          <a:bodyPr vert="horz" lIns="91440" tIns="45720" rIns="91440" bIns="45720" rtlCol="0"/>
+          <a:lstStyle/>
+          <a:p>
+            <a:pPr lvl="0"/>
+            <a:r>
+              <a:rPr lang="sl-SI"/>
+              <a:t>Click to edit Master text styles</a:t>
+            </a:r>
+          </a:p>
+          <a:p>
+            <a:pPr lvl="1"/>
+            <a:r>
+              <a:rPr lang="sl-SI"/>
+              <a:t>Second level</a:t>
+            </a:r>
+          </a:p>
+          <a:p>
+            <a:pPr lvl="2"/>
+            <a:r>
+              <a:rPr lang="sl-SI"/>
+              <a:t>Third level</a:t>
+            </a:r>
+          </a:p>
+          <a:p>
+            <a:pPr lvl="3"/>
+            <a:r>
+              <a:rPr lang="sl-SI"/>
+              <a:t>Fourth level</a:t>
+            </a:r>
+          </a:p>
+          <a:p>
+            <a:pPr lvl="4"/>
+            <a:r>
+              <a:rPr lang="sl-SI"/>
+              <a:t>Fifth level</a:t>
+            </a:r>
+            <a:endParaRPr lang="en-US"/>
+          </a:p>
+        </p:txBody>
+      </p:sp>
+      <p:sp>
+        <p:nvSpPr>
+          <p:cNvPr id="6" name="Footer Placeholder 5"/>
+          <p:cNvSpPr>
+            <a:spLocks noGrp="1"/>
+          </p:cNvSpPr>
+          <p:nvPr>
+            <p:ph type="ftr" sz="quarter" idx="4"/>
+          </p:nvPr>
+        </p:nvSpPr>
+        <p:spPr>
+          <a:xfrm>
+            <a:off x="0" y="8685213"/>
+            <a:ext cx="2971800" cy="457200"/>
+          </a:xfrm>
+          <a:prstGeom prst="rect">
+            <a:avLst/>
+          </a:prstGeom>
+        </p:spPr>
+        <p:txBody>
+          <a:bodyPr vert="horz" lIns="91440" tIns="45720" rIns="91440" bIns="45720" rtlCol="0" anchor="b"/>
+          <a:lstStyle>
+            <a:lvl1pPr algn="l">
+              <a:defRPr sz="1200"/>
+            </a:lvl1pPr>
+          </a:lstStyle>
+          <a:p>
+            <a:endParaRPr lang="en-US"/>
+          </a:p>
+        </p:txBody>
+      </p:sp>
+      <p:sp>
+        <p:nvSpPr>
+          <p:cNvPr id="7" name="Slide Number Placeholder 6"/>
+          <p:cNvSpPr>
+            <a:spLocks noGrp="1"/>
+          </p:cNvSpPr>
+          <p:nvPr>
+            <p:ph type="sldNum" sz="quarter" idx="5"/>
+          </p:nvPr>
+        </p:nvSpPr>
+        <p:spPr>
+          <a:xfrm>
+            <a:off x="3884613" y="8685213"/>
+            <a:ext cx="2971800" cy="457200"/>
+          </a:xfrm>
+          <a:prstGeom prst="rect">
+            <a:avLst/>
+          </a:prstGeom>
+        </p:spPr>
+        <p:txBody>
+          <a:bodyPr vert="horz" lIns="91440" tIns="45720" rIns="91440" bIns="45720" rtlCol="0" anchor="b"/>
+          <a:lstStyle>
+            <a:lvl1pPr algn="r">
+              <a:defRPr sz="1200"/>
+            </a:lvl1pPr>
+          </a:lstStyle>
+          <a:p>
+            <a:fld id="{891C2EEC-8F2D-A545-9476-B4B973C73E9E}" type="slidenum">
+              <a:t>‹#›</a:t>
+            </a:fld>
+            <a:endParaRPr lang="en-US"/>
+          </a:p>
+        </p:txBody>
+      </p:sp>
+    </p:spTree>
+    <p:extLst>
+      <p:ext uri="{BB962C8B-B14F-4D97-AF65-F5344CB8AC3E}">
+        <p14:creationId xmlns:p14="http://schemas.microsoft.com/office/powerpoint/2010/main" val="3937332075"/>
+      </p:ext>
+    </p:extLst>
+  </p:cSld>
+  <p:clrMap bg1="lt1" tx1="dk1" bg2="lt2" tx2="dk2" accent1="accent1" accent2="accent2" accent3="accent3" accent4="accent4" accent5="accent5" accent6="accent6" hlink="hlink" folHlink="folHlink"/>
+  <p:notesStyle>
+    <a:lvl1pPr marL="0" algn="l" defTabSz="457200" rtl="0" eaLnBrk="1" latinLnBrk="0" hangingPunct="1">
+      <a:defRPr sz="1200" kern="1200">
+        <a:solidFill>
+          <a:schemeClr val="tx1"/>
+        </a:solidFill>
+        <a:latin typeface="+mn-lt"/>
+        <a:ea typeface="+mn-ea"/>
+        <a:cs typeface="+mn-cs"/>
+      </a:defRPr>
+    </a:lvl1pPr>
+    <a:lvl2pPr marL="457200" algn="l" defTabSz="457200" rtl="0" eaLnBrk="1" latinLnBrk="0" hangingPunct="1">
+      <a:defRPr sz="1200" kern="1200">
+        <a:solidFill>
+          <a:schemeClr val="tx1"/>
+        </a:solidFill>
+        <a:latin typeface="+mn-lt"/>
+        <a:ea typeface="+mn-ea"/>
+        <a:cs typeface="+mn-cs"/>
+      </a:defRPr>
+    </a:lvl2pPr>
+    <a:lvl3pPr marL="914400" algn="l" defTabSz="457200" rtl="0" eaLnBrk="1" latinLnBrk="0" hangingPunct="1">
+      <a:defRPr sz="1200" kern="1200">
+        <a:solidFill>
+          <a:schemeClr val="tx1"/>
+        </a:solidFill>
+        <a:latin typeface="+mn-lt"/>
+        <a:ea typeface="+mn-ea"/>
+        <a:cs typeface="+mn-cs"/>
+      </a:defRPr>
+    </a:lvl3pPr>
+    <a:lvl4pPr marL="1371600" algn="l" defTabSz="457200" rtl="0" eaLnBrk="1" latinLnBrk="0" hangingPunct="1">
+      <a:defRPr sz="1200" kern="1200">
+        <a:solidFill>
+          <a:schemeClr val="tx1"/>
+        </a:solidFill>
+        <a:latin typeface="+mn-lt"/>
+        <a:ea typeface="+mn-ea"/>
+        <a:cs typeface="+mn-cs"/>
+      </a:defRPr>
+    </a:lvl4pPr>
+    <a:lvl5pPr marL="1828800" algn="l" defTabSz="457200" rtl="0" eaLnBrk="1" latinLnBrk="0" hangingPunct="1">
+      <a:defRPr sz="1200" kern="1200">
+        <a:solidFill>
+          <a:schemeClr val="tx1"/>
+        </a:solidFill>
+        <a:latin typeface="+mn-lt"/>
+        <a:ea typeface="+mn-ea"/>
+        <a:cs typeface="+mn-cs"/>
+      </a:defRPr>
+    </a:lvl5pPr>
+    <a:lvl6pPr marL="2286000" algn="l" defTabSz="457200" rtl="0" eaLnBrk="1" latinLnBrk="0" hangingPunct="1">
+      <a:defRPr sz="1200" kern="1200">
+        <a:solidFill>
+          <a:schemeClr val="tx1"/>
+        </a:solidFill>
+        <a:latin typeface="+mn-lt"/>
+        <a:ea typeface="+mn-ea"/>
+        <a:cs typeface="+mn-cs"/>
+      </a:defRPr>
+    </a:lvl6pPr>
+    <a:lvl7pPr marL="2743200" algn="l" defTabSz="457200" rtl="0" eaLnBrk="1" latinLnBrk="0" hangingPunct="1">
+      <a:defRPr sz="1200" kern="1200">
+        <a:solidFill>
+          <a:schemeClr val="tx1"/>
+        </a:solidFill>
+        <a:latin typeface="+mn-lt"/>
+        <a:ea typeface="+mn-ea"/>
+        <a:cs typeface="+mn-cs"/>
+      </a:defRPr>
+    </a:lvl7pPr>
+    <a:lvl8pPr marL="3200400" algn="l" defTabSz="457200" rtl="0" eaLnBrk="1" latinLnBrk="0" hangingPunct="1">
+      <a:defRPr sz="1200" kern="1200">
+        <a:solidFill>
+          <a:schemeClr val="tx1"/>
+        </a:solidFill>
+        <a:latin typeface="+mn-lt"/>
+        <a:ea typeface="+mn-ea"/>
+        <a:cs typeface="+mn-cs"/>
+      </a:defRPr>
+    </a:lvl8pPr>
+    <a:lvl9pPr marL="3657600" algn="l" defTabSz="457200" rtl="0" eaLnBrk="1" latinLnBrk="0" hangingPunct="1">
+      <a:defRPr sz="1200" kern="1200">
+        <a:solidFill>
+          <a:schemeClr val="tx1"/>
+        </a:solidFill>
+        <a:latin typeface="+mn-lt"/>
+        <a:ea typeface="+mn-ea"/>
+        <a:cs typeface="+mn-cs"/>
+      </a:defRPr>
+    </a:lvl9pPr>
+  </p:notesStyle>
+</p:notesMaster>
+</file>
+
+<file path=ppt/notesSlides/notesSlide1.xml><?xml version="1.0" encoding="utf-8"?>
+<p:notes xmlns:a="http://schemas.openxmlformats.org/drawingml/2006/main" xmlns:r="http://schemas.openxmlformats.org/officeDocument/2006/relationships" xmlns:p="http://schemas.openxmlformats.org/presentationml/2006/main">
+  <p:cSld>
+    <p:spTree>
+      <p:nvGrpSpPr>
+        <p:cNvPr id="1" name=""/>
+        <p:cNvGrpSpPr/>
+        <p:nvPr/>
+      </p:nvGrpSpPr>
+      <p:grpSpPr>
+        <a:xfrm>
+          <a:off x="0" y="0"/>
+          <a:ext cx="0" cy="0"/>
+          <a:chOff x="0" y="0"/>
+          <a:chExt cx="0" cy="0"/>
+        </a:xfrm>
+      </p:grpSpPr>
+      <p:sp>
+        <p:nvSpPr>
+          <p:cNvPr id="2" name="Slide Image Placeholder 1"/>
+          <p:cNvSpPr>
+            <a:spLocks noGrp="1" noRot="1" noChangeAspect="1"/>
+          </p:cNvSpPr>
+          <p:nvPr>
+            <p:ph type="sldImg"/>
+          </p:nvPr>
+        </p:nvSpPr>
+        <p:spPr/>
+      </p:sp>
+      <p:sp>
+        <p:nvSpPr>
+          <p:cNvPr id="3" name="Notes Placeholder 2"/>
+          <p:cNvSpPr>
+            <a:spLocks noGrp="1"/>
+          </p:cNvSpPr>
+          <p:nvPr>
+            <p:ph type="body" idx="1"/>
+          </p:nvPr>
+        </p:nvSpPr>
+        <p:spPr/>
+        <p:txBody>
+          <a:bodyPr/>
+          <a:lstStyle/>
+          <a:p>
+            <a:r>
+              <a:rPr lang="en-US"/>
+              <a:t>ŠE</a:t>
+            </a:r>
+            <a:r>
+              <a:rPr lang="en-US" baseline="0"/>
+              <a:t> KINO</a:t>
+            </a:r>
+            <a:endParaRPr lang="en-US"/>
+          </a:p>
+        </p:txBody>
+      </p:sp>
+      <p:sp>
+        <p:nvSpPr>
+          <p:cNvPr id="4" name="Slide Number Placeholder 3"/>
+          <p:cNvSpPr>
+            <a:spLocks noGrp="1"/>
+          </p:cNvSpPr>
+          <p:nvPr>
+            <p:ph type="sldNum" sz="quarter" idx="10"/>
+          </p:nvPr>
+        </p:nvSpPr>
+        <p:spPr/>
+        <p:txBody>
+          <a:bodyPr/>
+          <a:lstStyle/>
+          <a:p>
+            <a:fld id="{891C2EEC-8F2D-A545-9476-B4B973C73E9E}" type="slidenum">
+              <a:t>8</a:t>
+            </a:fld>
+            <a:endParaRPr lang="en-US"/>
+          </a:p>
+        </p:txBody>
+      </p:sp>
+    </p:spTree>
+    <p:extLst>
+      <p:ext uri="{BB962C8B-B14F-4D97-AF65-F5344CB8AC3E}">
+        <p14:creationId xmlns:p14="http://schemas.microsoft.com/office/powerpoint/2010/main" val="1761885610"/>
+      </p:ext>
+    </p:extLst>
+  </p:cSld>
+  <p:clrMapOvr>
+    <a:masterClrMapping/>
+  </p:clrMapOvr>
+</p:notes>
 </file>
 
 <file path=ppt/slideLayouts/slideLayout1.xml><?xml version="1.0" encoding="utf-8"?>
@@ -348,7 +796,7 @@
             <a:fld id="{70FAA508-F0CD-46EA-95FB-26B559A0B5D9}" type="datetimeFigureOut">
               <a:rPr lang="en-US" smtClean="0"/>
               <a:pPr/>
-              <a:t>12/06/15</a:t>
+              <a:t>20/06/15</a:t>
             </a:fld>
             <a:endParaRPr lang="en-US"/>
           </a:p>
@@ -671,7 +1119,7 @@
             <a:fld id="{70FAA508-F0CD-46EA-95FB-26B559A0B5D9}" type="datetimeFigureOut">
               <a:rPr lang="en-US" smtClean="0"/>
               <a:pPr/>
-              <a:t>12/06/15</a:t>
+              <a:t>20/06/15</a:t>
             </a:fld>
             <a:endParaRPr lang="en-US"/>
           </a:p>
@@ -950,7 +1398,7 @@
             <a:fld id="{70FAA508-F0CD-46EA-95FB-26B559A0B5D9}" type="datetimeFigureOut">
               <a:rPr lang="en-US" smtClean="0"/>
               <a:pPr/>
-              <a:t>12/06/15</a:t>
+              <a:t>20/06/15</a:t>
             </a:fld>
             <a:endParaRPr lang="en-US"/>
           </a:p>
@@ -1245,7 +1693,7 @@
             <a:fld id="{70FAA508-F0CD-46EA-95FB-26B559A0B5D9}" type="datetimeFigureOut">
               <a:rPr lang="en-US" smtClean="0"/>
               <a:pPr/>
-              <a:t>12/06/15</a:t>
+              <a:t>20/06/15</a:t>
             </a:fld>
             <a:endParaRPr lang="en-US"/>
           </a:p>
@@ -1575,7 +2023,7 @@
             <a:fld id="{70FAA508-F0CD-46EA-95FB-26B559A0B5D9}" type="datetimeFigureOut">
               <a:rPr lang="en-US" smtClean="0"/>
               <a:pPr/>
-              <a:t>12/06/15</a:t>
+              <a:t>20/06/15</a:t>
             </a:fld>
             <a:endParaRPr lang="en-US"/>
           </a:p>
@@ -1827,7 +2275,7 @@
             <a:fld id="{70FAA508-F0CD-46EA-95FB-26B559A0B5D9}" type="datetimeFigureOut">
               <a:rPr lang="en-US" smtClean="0"/>
               <a:pPr/>
-              <a:t>12/06/15</a:t>
+              <a:t>20/06/15</a:t>
             </a:fld>
             <a:endParaRPr lang="en-US"/>
           </a:p>
@@ -2008,7 +2456,7 @@
             <a:fld id="{70FAA508-F0CD-46EA-95FB-26B559A0B5D9}" type="datetimeFigureOut">
               <a:rPr lang="en-US" smtClean="0"/>
               <a:pPr/>
-              <a:t>12/06/15</a:t>
+              <a:t>20/06/15</a:t>
             </a:fld>
             <a:endParaRPr lang="en-US"/>
           </a:p>
@@ -2179,7 +2627,7 @@
             <a:fld id="{70FAA508-F0CD-46EA-95FB-26B559A0B5D9}" type="datetimeFigureOut">
               <a:rPr lang="en-US" smtClean="0"/>
               <a:pPr/>
-              <a:t>12/06/15</a:t>
+              <a:t>20/06/15</a:t>
             </a:fld>
             <a:endParaRPr lang="en-US"/>
           </a:p>
@@ -2450,7 +2898,7 @@
             <a:fld id="{70FAA508-F0CD-46EA-95FB-26B559A0B5D9}" type="datetimeFigureOut">
               <a:rPr lang="en-US" smtClean="0"/>
               <a:pPr/>
-              <a:t>12/06/15</a:t>
+              <a:t>20/06/15</a:t>
             </a:fld>
             <a:endParaRPr lang="en-US"/>
           </a:p>
@@ -2758,7 +3206,7 @@
             <a:fld id="{70FAA508-F0CD-46EA-95FB-26B559A0B5D9}" type="datetimeFigureOut">
               <a:rPr lang="en-US" smtClean="0"/>
               <a:pPr/>
-              <a:t>12/06/15</a:t>
+              <a:t>20/06/15</a:t>
             </a:fld>
             <a:endParaRPr lang="en-US"/>
           </a:p>
@@ -3052,7 +3500,7 @@
             <a:fld id="{70FAA508-F0CD-46EA-95FB-26B559A0B5D9}" type="datetimeFigureOut">
               <a:rPr lang="en-US" smtClean="0"/>
               <a:pPr/>
-              <a:t>12/06/15</a:t>
+              <a:t>20/06/15</a:t>
             </a:fld>
             <a:endParaRPr lang="en-US"/>
           </a:p>
@@ -3484,7 +3932,7 @@
             <a:fld id="{70FAA508-F0CD-46EA-95FB-26B559A0B5D9}" type="datetimeFigureOut">
               <a:rPr lang="en-US" smtClean="0"/>
               <a:pPr/>
-              <a:t>12/06/15</a:t>
+              <a:t>20/06/15</a:t>
             </a:fld>
             <a:endParaRPr lang="en-US"/>
           </a:p>
@@ -3832,7 +4280,7 @@
             <a:fld id="{70FAA508-F0CD-46EA-95FB-26B559A0B5D9}" type="datetimeFigureOut">
               <a:rPr lang="en-US" smtClean="0"/>
               <a:pPr/>
-              <a:t>12/06/15</a:t>
+              <a:t>20/06/15</a:t>
             </a:fld>
             <a:endParaRPr lang="en-US"/>
           </a:p>
@@ -3924,7 +4372,7 @@
             <a:fld id="{70FAA508-F0CD-46EA-95FB-26B559A0B5D9}" type="datetimeFigureOut">
               <a:rPr lang="en-US" smtClean="0"/>
               <a:pPr/>
-              <a:t>12/06/15</a:t>
+              <a:t>20/06/15</a:t>
             </a:fld>
             <a:endParaRPr lang="en-US"/>
           </a:p>
@@ -4263,7 +4711,7 @@
             <a:fld id="{70FAA508-F0CD-46EA-95FB-26B559A0B5D9}" type="datetimeFigureOut">
               <a:rPr lang="en-US" smtClean="0"/>
               <a:pPr/>
-              <a:t>12/06/15</a:t>
+              <a:t>20/06/15</a:t>
             </a:fld>
             <a:endParaRPr lang="en-US"/>
           </a:p>
@@ -4477,7 +4925,7 @@
             <a:fld id="{70FAA508-F0CD-46EA-95FB-26B559A0B5D9}" type="datetimeFigureOut">
               <a:rPr lang="en-US" smtClean="0"/>
               <a:pPr/>
-              <a:t>12/06/15</a:t>
+              <a:t>20/06/15</a:t>
             </a:fld>
             <a:endParaRPr lang="en-US"/>
           </a:p>
@@ -5266,20 +5714,430 @@
           <a:bodyPr/>
           <a:lstStyle/>
           <a:p>
+            <a:r>
+              <a:rPr lang="en-US"/>
+              <a:t>Delo pri posameznih predmetih</a:t>
+            </a:r>
+          </a:p>
+        </p:txBody>
+      </p:sp>
+      <p:sp>
+        <p:nvSpPr>
+          <p:cNvPr id="3" name="Content Placeholder 2"/>
+          <p:cNvSpPr>
+            <a:spLocks noGrp="1"/>
+          </p:cNvSpPr>
+          <p:nvPr>
+            <p:ph idx="1"/>
+          </p:nvPr>
+        </p:nvSpPr>
+        <p:spPr/>
+        <p:txBody>
+          <a:bodyPr/>
+          <a:lstStyle/>
+          <a:p>
+            <a:r>
+              <a:rPr lang="en-US"/>
+              <a:t>Sistemska administracija:</a:t>
+            </a:r>
+          </a:p>
+          <a:p>
+            <a:pPr lvl="1"/>
+            <a:r>
+              <a:rPr lang="en-US"/>
+              <a:t>Vzpostavitev okolja za delo – LAMP strežnik</a:t>
+            </a:r>
+          </a:p>
+          <a:p>
+            <a:r>
+              <a:rPr lang="en-US"/>
+              <a:t>Prevajanje programskih jezikov:</a:t>
+            </a:r>
+          </a:p>
+          <a:p>
+            <a:pPr lvl="1"/>
+            <a:r>
+              <a:rPr lang="en-US"/>
+              <a:t>Pridobivanje podatkov za delo:</a:t>
+            </a:r>
+          </a:p>
+          <a:p>
+            <a:pPr lvl="2"/>
+            <a:r>
+              <a:rPr lang="en-US"/>
+              <a:t>Podatki o filmih (osnovni podatki ter opis) – </a:t>
+            </a:r>
+            <a:r>
+              <a:rPr lang="en-US">
+                <a:hlinkClick r:id="rId2"/>
+              </a:rPr>
+              <a:t>www.kolosej.si</a:t>
+            </a:r>
             <a:endParaRPr lang="en-US"/>
           </a:p>
-        </p:txBody>
-      </p:sp>
+          <a:p>
+            <a:pPr lvl="2"/>
+            <a:r>
+              <a:rPr lang="en-US"/>
+              <a:t>Ocene (kritikov in gledalcev) ter postri filmov – </a:t>
+            </a:r>
+            <a:r>
+              <a:rPr lang="en-US">
+                <a:hlinkClick r:id="rId3"/>
+              </a:rPr>
+              <a:t>www.rottentomatoes.com</a:t>
+            </a:r>
+            <a:endParaRPr lang="en-US"/>
+          </a:p>
+          <a:p>
+            <a:pPr lvl="2"/>
+            <a:r>
+              <a:rPr lang="en-US"/>
+              <a:t>Spored predvajanja v kinematografu Kolosej</a:t>
+            </a:r>
+          </a:p>
+          <a:p>
+            <a:pPr lvl="2"/>
+            <a:r>
+              <a:rPr lang="en-US"/>
+              <a:t>TV spored – </a:t>
+            </a:r>
+            <a:r>
+              <a:rPr lang="en-US">
+                <a:hlinkClick r:id="rId4"/>
+              </a:rPr>
+              <a:t>www.siol.net</a:t>
+            </a:r>
+            <a:endParaRPr lang="en-US"/>
+          </a:p>
+        </p:txBody>
+      </p:sp>
+    </p:spTree>
+    <p:extLst>
+      <p:ext uri="{BB962C8B-B14F-4D97-AF65-F5344CB8AC3E}">
+        <p14:creationId xmlns:p14="http://schemas.microsoft.com/office/powerpoint/2010/main" val="4098680564"/>
+      </p:ext>
+    </p:extLst>
+  </p:cSld>
+  <p:clrMapOvr>
+    <a:masterClrMapping/>
+  </p:clrMapOvr>
+  <p:timing>
+    <p:tnLst>
+      <p:par>
+        <p:cTn xmlns:p14="http://schemas.microsoft.com/office/powerpoint/2010/main" id="1" dur="indefinite" restart="never" nodeType="tmRoot"/>
+      </p:par>
+    </p:tnLst>
+  </p:timing>
+</p:sld>
+</file>
+
+<file path=ppt/slides/slide4.xml><?xml version="1.0" encoding="utf-8"?>
+<p:sld xmlns:a="http://schemas.openxmlformats.org/drawingml/2006/main" xmlns:r="http://schemas.openxmlformats.org/officeDocument/2006/relationships" xmlns:p="http://schemas.openxmlformats.org/presentationml/2006/main">
+  <p:cSld>
+    <p:spTree>
+      <p:nvGrpSpPr>
+        <p:cNvPr id="1" name=""/>
+        <p:cNvGrpSpPr/>
+        <p:nvPr/>
+      </p:nvGrpSpPr>
+      <p:grpSpPr>
+        <a:xfrm>
+          <a:off x="0" y="0"/>
+          <a:ext cx="0" cy="0"/>
+          <a:chOff x="0" y="0"/>
+          <a:chExt cx="0" cy="0"/>
+        </a:xfrm>
+      </p:grpSpPr>
+      <p:sp>
+        <p:nvSpPr>
+          <p:cNvPr id="2" name="Title 1"/>
+          <p:cNvSpPr>
+            <a:spLocks noGrp="1"/>
+          </p:cNvSpPr>
+          <p:nvPr>
+            <p:ph type="title"/>
+          </p:nvPr>
+        </p:nvSpPr>
+        <p:spPr/>
+        <p:txBody>
+          <a:bodyPr/>
+          <a:lstStyle/>
+          <a:p>
+            <a:r>
+              <a:rPr lang="en-US"/>
+              <a:t>Delo pri posameznih predmetih</a:t>
+            </a:r>
+          </a:p>
+        </p:txBody>
+      </p:sp>
+      <p:sp>
+        <p:nvSpPr>
+          <p:cNvPr id="3" name="Content Placeholder 2"/>
+          <p:cNvSpPr>
+            <a:spLocks noGrp="1"/>
+          </p:cNvSpPr>
+          <p:nvPr>
+            <p:ph idx="1"/>
+          </p:nvPr>
+        </p:nvSpPr>
+        <p:spPr>
+          <a:xfrm>
+            <a:off x="1114424" y="2595562"/>
+            <a:ext cx="7610476" cy="3825921"/>
+          </a:xfrm>
+        </p:spPr>
+        <p:txBody>
+          <a:bodyPr>
+            <a:normAutofit/>
+          </a:bodyPr>
+          <a:lstStyle/>
+          <a:p>
+            <a:r>
+              <a:rPr lang="en-US"/>
+              <a:t>Umetna inteligenca:</a:t>
+            </a:r>
+          </a:p>
+          <a:p>
+            <a:pPr lvl="1"/>
+            <a:r>
+              <a:rPr lang="en-US"/>
+              <a:t>TF-IDF rangirna metrika:</a:t>
+            </a:r>
+          </a:p>
+          <a:p>
+            <a:pPr lvl="2"/>
+            <a:r>
+              <a:rPr lang="en-US"/>
+              <a:t>Razdelimo opise filmov na posamezne besede</a:t>
+            </a:r>
+          </a:p>
+          <a:p>
+            <a:pPr lvl="2"/>
+            <a:r>
+              <a:rPr lang="en-US"/>
+              <a:t>Opravimo proces lematizacije</a:t>
+            </a:r>
+          </a:p>
+          <a:p>
+            <a:pPr lvl="2"/>
+            <a:r>
+              <a:rPr lang="en-US"/>
+              <a:t>Preštejemo kolikokrat se posamezna beseda pojavi v opisu -&gt; vrednost TF</a:t>
+            </a:r>
+          </a:p>
+          <a:p>
+            <a:pPr lvl="2"/>
+            <a:r>
+              <a:rPr lang="en-US"/>
+              <a:t>Preštejemo kolikokrat se pojavi v ostalih opisih in delimo s številom vseh -&gt; vrednost IDF</a:t>
+            </a:r>
+          </a:p>
+          <a:p>
+            <a:pPr lvl="2"/>
+            <a:r>
+              <a:rPr lang="en-US"/>
+              <a:t>TF-IDF = TF * IDF</a:t>
+            </a:r>
+          </a:p>
+          <a:p>
+            <a:pPr lvl="2"/>
+            <a:r>
+              <a:rPr lang="en-US"/>
+              <a:t>Za priporočanje filmov po ujemanju opisov – urejeno po padajoči vrednosti vsote TF-IDF vrednosti besed opisa</a:t>
+            </a:r>
+          </a:p>
+        </p:txBody>
+      </p:sp>
+    </p:spTree>
+    <p:extLst>
+      <p:ext uri="{BB962C8B-B14F-4D97-AF65-F5344CB8AC3E}">
+        <p14:creationId xmlns:p14="http://schemas.microsoft.com/office/powerpoint/2010/main" val="2604998376"/>
+      </p:ext>
+    </p:extLst>
+  </p:cSld>
+  <p:clrMapOvr>
+    <a:masterClrMapping/>
+  </p:clrMapOvr>
+  <p:timing>
+    <p:tnLst>
+      <p:par>
+        <p:cTn xmlns:p14="http://schemas.microsoft.com/office/powerpoint/2010/main" id="1" dur="indefinite" restart="never" nodeType="tmRoot"/>
+      </p:par>
+    </p:tnLst>
+  </p:timing>
+</p:sld>
+</file>
+
+<file path=ppt/slides/slide5.xml><?xml version="1.0" encoding="utf-8"?>
+<p:sld xmlns:a="http://schemas.openxmlformats.org/drawingml/2006/main" xmlns:r="http://schemas.openxmlformats.org/officeDocument/2006/relationships" xmlns:p="http://schemas.openxmlformats.org/presentationml/2006/main">
+  <p:cSld>
+    <p:spTree>
+      <p:nvGrpSpPr>
+        <p:cNvPr id="1" name=""/>
+        <p:cNvGrpSpPr/>
+        <p:nvPr/>
+      </p:nvGrpSpPr>
+      <p:grpSpPr>
+        <a:xfrm>
+          <a:off x="0" y="0"/>
+          <a:ext cx="0" cy="0"/>
+          <a:chOff x="0" y="0"/>
+          <a:chExt cx="0" cy="0"/>
+        </a:xfrm>
+      </p:grpSpPr>
+      <p:sp>
+        <p:nvSpPr>
+          <p:cNvPr id="2" name="Title 1"/>
+          <p:cNvSpPr>
+            <a:spLocks noGrp="1"/>
+          </p:cNvSpPr>
+          <p:nvPr>
+            <p:ph type="title"/>
+          </p:nvPr>
+        </p:nvSpPr>
+        <p:spPr/>
+        <p:txBody>
+          <a:bodyPr/>
+          <a:lstStyle/>
+          <a:p>
+            <a:r>
+              <a:rPr lang="en-US"/>
+              <a:t>Delo pri posameznih predmetih</a:t>
+            </a:r>
+          </a:p>
+        </p:txBody>
+      </p:sp>
+      <p:sp>
+        <p:nvSpPr>
+          <p:cNvPr id="3" name="Content Placeholder 2"/>
+          <p:cNvSpPr>
+            <a:spLocks noGrp="1"/>
+          </p:cNvSpPr>
+          <p:nvPr>
+            <p:ph idx="1"/>
+          </p:nvPr>
+        </p:nvSpPr>
+        <p:spPr>
+          <a:xfrm>
+            <a:off x="1114424" y="2595562"/>
+            <a:ext cx="7610476" cy="3825921"/>
+          </a:xfrm>
+        </p:spPr>
+        <p:txBody>
+          <a:bodyPr>
+            <a:normAutofit/>
+          </a:bodyPr>
+          <a:lstStyle/>
+          <a:p>
+            <a:r>
+              <a:rPr lang="en-US"/>
+              <a:t>Umetna inteligenca:</a:t>
+            </a:r>
+          </a:p>
+          <a:p>
+            <a:pPr lvl="1"/>
+            <a:r>
+              <a:rPr lang="en-US"/>
+              <a:t>Naivni Bayesov klasifikator:</a:t>
+            </a:r>
+          </a:p>
+          <a:p>
+            <a:pPr lvl="2"/>
+            <a:r>
+              <a:rPr lang="en-US"/>
+              <a:t>Uporabimo TF-IDF vrednosti besed opisa</a:t>
+            </a:r>
+          </a:p>
+          <a:p>
+            <a:pPr lvl="2"/>
+            <a:r>
+              <a:rPr lang="en-US"/>
+              <a:t>Filmom v podatkovni bazi določimo žanr in jih uporabimo kot učno množico</a:t>
+            </a:r>
+          </a:p>
+          <a:p>
+            <a:pPr lvl="2"/>
+            <a:r>
+              <a:rPr lang="en-US"/>
+              <a:t>Določimo kolikšna je verjetnost za to, da je film izbranega žanra, če njegov opis vsebuje določene besede</a:t>
+            </a:r>
+          </a:p>
+          <a:p>
+            <a:pPr lvl="2"/>
+            <a:r>
+              <a:rPr lang="en-US"/>
+              <a:t>Uporabimo za klasifikacijo novo dodanih filmov</a:t>
+            </a:r>
+          </a:p>
+          <a:p>
+            <a:r>
+              <a:rPr lang="en-US"/>
+              <a:t>Spletno programiranje:</a:t>
+            </a:r>
+          </a:p>
+          <a:p>
+            <a:pPr lvl="1"/>
+            <a:r>
+              <a:rPr lang="en-US"/>
+              <a:t>Izdelava spletne strani – HTML, CSS, JavaScript, jQuery, PHP</a:t>
+            </a:r>
+          </a:p>
+          <a:p>
+            <a:pPr marL="685800" lvl="2" indent="0">
+              <a:buNone/>
+            </a:pPr>
+            <a:endParaRPr lang="en-US"/>
+          </a:p>
+        </p:txBody>
+      </p:sp>
+    </p:spTree>
+    <p:extLst>
+      <p:ext uri="{BB962C8B-B14F-4D97-AF65-F5344CB8AC3E}">
+        <p14:creationId xmlns:p14="http://schemas.microsoft.com/office/powerpoint/2010/main" val="3535746497"/>
+      </p:ext>
+    </p:extLst>
+  </p:cSld>
+  <p:clrMapOvr>
+    <a:masterClrMapping/>
+  </p:clrMapOvr>
+  <p:timing>
+    <p:tnLst>
+      <p:par>
+        <p:cTn xmlns:p14="http://schemas.microsoft.com/office/powerpoint/2010/main" id="1" dur="indefinite" restart="never" nodeType="tmRoot"/>
+      </p:par>
+    </p:tnLst>
+  </p:timing>
+</p:sld>
+</file>
+
+<file path=ppt/slides/slide6.xml><?xml version="1.0" encoding="utf-8"?>
+<p:sld xmlns:a="http://schemas.openxmlformats.org/drawingml/2006/main" xmlns:r="http://schemas.openxmlformats.org/officeDocument/2006/relationships" xmlns:p="http://schemas.openxmlformats.org/presentationml/2006/main">
+  <p:cSld>
+    <p:spTree>
+      <p:nvGrpSpPr>
+        <p:cNvPr id="1" name=""/>
+        <p:cNvGrpSpPr/>
+        <p:nvPr/>
+      </p:nvGrpSpPr>
+      <p:grpSpPr>
+        <a:xfrm>
+          <a:off x="0" y="0"/>
+          <a:ext cx="0" cy="0"/>
+          <a:chOff x="0" y="0"/>
+          <a:chExt cx="0" cy="0"/>
+        </a:xfrm>
+      </p:grpSpPr>
       <p:pic>
         <p:nvPicPr>
-          <p:cNvPr id="4" name="Picture 3" descr="Screen Shot 2015-06-11 at 21.39.00.png"/>
+          <p:cNvPr id="6" name="Picture 5" descr="Screen Shot 2015-06-20 at 21.27.01.png"/>
           <p:cNvPicPr>
             <a:picLocks noChangeAspect="1"/>
           </p:cNvPicPr>
           <p:nvPr/>
         </p:nvPicPr>
         <p:blipFill>
-          <a:blip r:embed="rId2" cstate="print">
+          <a:blip r:embed="rId2">
             <a:extLst>
               <a:ext uri="{28A0092B-C50C-407E-A947-70E740481C1C}">
                 <a14:useLocalDpi xmlns:a14="http://schemas.microsoft.com/office/drawing/2010/main" val="0"/>
@@ -5292,14 +6150,47 @@
         </p:blipFill>
         <p:spPr>
           <a:xfrm>
-            <a:off x="0" y="738600"/>
-            <a:ext cx="9144000" cy="5491347"/>
+            <a:off x="-1" y="1241084"/>
+            <a:ext cx="9144000" cy="4523560"/>
           </a:xfrm>
           <a:prstGeom prst="rect">
             <a:avLst/>
           </a:prstGeom>
         </p:spPr>
       </p:pic>
+      <p:cxnSp>
+        <p:nvCxnSpPr>
+          <p:cNvPr id="7" name="Straight Arrow Connector 6"/>
+          <p:cNvCxnSpPr/>
+          <p:nvPr/>
+        </p:nvCxnSpPr>
+        <p:spPr>
+          <a:xfrm>
+            <a:off x="3042187" y="2401654"/>
+            <a:ext cx="0" cy="1766051"/>
+          </a:xfrm>
+          <a:prstGeom prst="straightConnector1">
+            <a:avLst/>
+          </a:prstGeom>
+          <a:ln w="57150" cmpd="sng">
+            <a:tailEnd type="arrow"/>
+          </a:ln>
+        </p:spPr>
+        <p:style>
+          <a:lnRef idx="2">
+            <a:schemeClr val="accent1"/>
+          </a:lnRef>
+          <a:fillRef idx="0">
+            <a:schemeClr val="accent1"/>
+          </a:fillRef>
+          <a:effectRef idx="1">
+            <a:schemeClr val="accent1"/>
+          </a:effectRef>
+          <a:fontRef idx="minor">
+            <a:schemeClr val="tx1"/>
+          </a:fontRef>
+        </p:style>
+      </p:cxnSp>
       <p:sp>
         <p:nvSpPr>
           <p:cNvPr id="5" name="TextBox 4"/>
@@ -5308,8 +6199,8 @@
         </p:nvSpPr>
         <p:spPr>
           <a:xfrm>
-            <a:off x="237235" y="3653441"/>
-            <a:ext cx="7146721" cy="369332"/>
+            <a:off x="1997279" y="1755323"/>
+            <a:ext cx="5468636" cy="646331"/>
           </a:xfrm>
           <a:prstGeom prst="rect">
             <a:avLst/>
@@ -5332,28 +6223,28 @@
           </a:fontRef>
         </p:style>
         <p:txBody>
-          <a:bodyPr wrap="none" rtlCol="0">
+          <a:bodyPr wrap="square" rtlCol="0">
             <a:spAutoFit/>
           </a:bodyPr>
           <a:lstStyle/>
           <a:p>
             <a:r>
               <a:rPr lang="en-US"/>
-              <a:t>Vpišite film, ki vam je všeč in predlagali vam bomo podobne!</a:t>
+              <a:t>Vpišite film, ki vam je všeč in predlagali vam bomo podobne z uporabo vrednosti TF-IDF!</a:t>
             </a:r>
           </a:p>
         </p:txBody>
       </p:sp>
       <p:cxnSp>
         <p:nvCxnSpPr>
-          <p:cNvPr id="7" name="Straight Arrow Connector 6"/>
+          <p:cNvPr id="12" name="Straight Arrow Connector 11"/>
           <p:cNvCxnSpPr/>
           <p:nvPr/>
         </p:nvCxnSpPr>
         <p:spPr>
-          <a:xfrm>
-            <a:off x="4828424" y="3925076"/>
-            <a:ext cx="1" cy="485259"/>
+          <a:xfrm flipH="1">
+            <a:off x="3753889" y="4490870"/>
+            <a:ext cx="837298" cy="184666"/>
           </a:xfrm>
           <a:prstGeom prst="straightConnector1">
             <a:avLst/>
@@ -5385,8 +6276,8 @@
         </p:nvSpPr>
         <p:spPr>
           <a:xfrm>
-            <a:off x="795434" y="4783938"/>
-            <a:ext cx="6237029" cy="369332"/>
+            <a:off x="4591187" y="3844539"/>
+            <a:ext cx="3850729" cy="1200329"/>
           </a:xfrm>
           <a:prstGeom prst="rect">
             <a:avLst/>
@@ -5409,28 +6300,28 @@
           </a:fontRef>
         </p:style>
         <p:txBody>
-          <a:bodyPr wrap="none" rtlCol="0">
+          <a:bodyPr wrap="square" rtlCol="0">
             <a:spAutoFit/>
           </a:bodyPr>
           <a:lstStyle/>
           <a:p>
             <a:r>
               <a:rPr lang="en-US"/>
-              <a:t>Izberite žanr in si prebrskajte med filmi, ki spadajo vanj!</a:t>
+              <a:t>Izberite žanr in si prebrskajte med filmi, ki smo jih vanj uvrstili z uporabo Bayesovega klasifikatorja!</a:t>
             </a:r>
           </a:p>
         </p:txBody>
       </p:sp>
       <p:cxnSp>
         <p:nvCxnSpPr>
-          <p:cNvPr id="12" name="Straight Arrow Connector 11"/>
+          <p:cNvPr id="16" name="Straight Arrow Connector 15"/>
           <p:cNvCxnSpPr/>
           <p:nvPr/>
         </p:nvCxnSpPr>
         <p:spPr>
-          <a:xfrm>
-            <a:off x="1631630" y="5153270"/>
-            <a:ext cx="740716" cy="184666"/>
+          <a:xfrm flipH="1" flipV="1">
+            <a:off x="4046944" y="5122130"/>
+            <a:ext cx="947826" cy="446615"/>
           </a:xfrm>
           <a:prstGeom prst="straightConnector1">
             <a:avLst/>
@@ -5462,8 +6353,8 @@
         </p:nvSpPr>
         <p:spPr>
           <a:xfrm>
-            <a:off x="4994770" y="5629782"/>
-            <a:ext cx="4149229" cy="1200329"/>
+            <a:off x="4994772" y="5113382"/>
+            <a:ext cx="3822721" cy="1477328"/>
           </a:xfrm>
           <a:prstGeom prst="rect">
             <a:avLst/>
@@ -5493,47 +6384,14 @@
           <a:p>
             <a:r>
               <a:rPr lang="en-US"/>
-              <a:t>Vpišite ključne besede, ki vas zanimajo in prikazali vam bomo filme, s katerimi so besede povezane!</a:t>
-            </a:r>
-          </a:p>
-        </p:txBody>
-      </p:sp>
-      <p:cxnSp>
-        <p:nvCxnSpPr>
-          <p:cNvPr id="16" name="Straight Arrow Connector 15"/>
-          <p:cNvCxnSpPr/>
-          <p:nvPr/>
-        </p:nvCxnSpPr>
-        <p:spPr>
-          <a:xfrm flipH="1" flipV="1">
-            <a:off x="4481024" y="5764644"/>
-            <a:ext cx="513746" cy="110952"/>
-          </a:xfrm>
-          <a:prstGeom prst="straightConnector1">
-            <a:avLst/>
-          </a:prstGeom>
-          <a:ln w="57150" cmpd="sng">
-            <a:tailEnd type="arrow"/>
-          </a:ln>
-        </p:spPr>
-        <p:style>
-          <a:lnRef idx="2">
-            <a:schemeClr val="accent1"/>
-          </a:lnRef>
-          <a:fillRef idx="0">
-            <a:schemeClr val="accent1"/>
-          </a:fillRef>
-          <a:effectRef idx="1">
-            <a:schemeClr val="accent1"/>
-          </a:effectRef>
-          <a:fontRef idx="minor">
-            <a:schemeClr val="tx1"/>
-          </a:fontRef>
-        </p:style>
-      </p:cxnSp>
+              <a:t>Vpišite ključne besede, ki vas zanimajo in prikazali vam bomo filme, s katerimi so besede povezane na podlagi TF-IDF vrednosti!</a:t>
+            </a:r>
+          </a:p>
+        </p:txBody>
+      </p:sp>
       <p:pic>
         <p:nvPicPr>
-          <p:cNvPr id="3" name="Picture 2" descr="Screen Shot 2015-06-12 at 09.38.17.png"/>
+          <p:cNvPr id="19" name="Picture 18" descr="Screen Shot 2015-06-20 at 21.35.29.png"/>
           <p:cNvPicPr>
             <a:picLocks noChangeAspect="1"/>
           </p:cNvPicPr>
@@ -5553,14 +6411,128 @@
         </p:blipFill>
         <p:spPr>
           <a:xfrm>
-            <a:off x="0" y="374754"/>
-            <a:ext cx="9144000" cy="5921829"/>
+            <a:off x="0" y="0"/>
+            <a:ext cx="9144000" cy="6789006"/>
           </a:xfrm>
           <a:prstGeom prst="rect">
             <a:avLst/>
           </a:prstGeom>
         </p:spPr>
       </p:pic>
+      <p:sp>
+        <p:nvSpPr>
+          <p:cNvPr id="20" name="TextBox 19"/>
+          <p:cNvSpPr txBox="1"/>
+          <p:nvPr/>
+        </p:nvSpPr>
+        <p:spPr>
+          <a:xfrm>
+            <a:off x="271388" y="1024656"/>
+            <a:ext cx="2770799" cy="923330"/>
+          </a:xfrm>
+          <a:prstGeom prst="rect">
+            <a:avLst/>
+          </a:prstGeom>
+        </p:spPr>
+        <p:style>
+          <a:lnRef idx="2">
+            <a:schemeClr val="accent1">
+              <a:shade val="50000"/>
+            </a:schemeClr>
+          </a:lnRef>
+          <a:fillRef idx="1">
+            <a:schemeClr val="accent1"/>
+          </a:fillRef>
+          <a:effectRef idx="0">
+            <a:schemeClr val="accent1"/>
+          </a:effectRef>
+          <a:fontRef idx="minor">
+            <a:schemeClr val="lt1"/>
+          </a:fontRef>
+        </p:style>
+        <p:txBody>
+          <a:bodyPr wrap="square" rtlCol="0">
+            <a:spAutoFit/>
+          </a:bodyPr>
+          <a:lstStyle/>
+          <a:p>
+            <a:r>
+              <a:rPr lang="en-US"/>
+              <a:t>Prikaz šestih najboljše ocenjenih filmov uporabnikov portala</a:t>
+            </a:r>
+          </a:p>
+        </p:txBody>
+      </p:sp>
+      <p:cxnSp>
+        <p:nvCxnSpPr>
+          <p:cNvPr id="26" name="Straight Arrow Connector 25"/>
+          <p:cNvCxnSpPr>
+            <a:stCxn id="20" idx="2"/>
+          </p:cNvCxnSpPr>
+          <p:nvPr/>
+        </p:nvCxnSpPr>
+        <p:spPr>
+          <a:xfrm flipH="1">
+            <a:off x="1399831" y="1947986"/>
+            <a:ext cx="256957" cy="303141"/>
+          </a:xfrm>
+          <a:prstGeom prst="straightConnector1">
+            <a:avLst/>
+          </a:prstGeom>
+          <a:ln w="57150" cmpd="sng">
+            <a:tailEnd type="arrow"/>
+          </a:ln>
+        </p:spPr>
+        <p:style>
+          <a:lnRef idx="2">
+            <a:schemeClr val="accent1"/>
+          </a:lnRef>
+          <a:fillRef idx="0">
+            <a:schemeClr val="accent1"/>
+          </a:fillRef>
+          <a:effectRef idx="1">
+            <a:schemeClr val="accent1"/>
+          </a:effectRef>
+          <a:fontRef idx="minor">
+            <a:schemeClr val="tx1"/>
+          </a:fontRef>
+        </p:style>
+      </p:cxnSp>
+      <p:cxnSp>
+        <p:nvCxnSpPr>
+          <p:cNvPr id="29" name="Straight Arrow Connector 28"/>
+          <p:cNvCxnSpPr>
+            <a:stCxn id="20" idx="2"/>
+          </p:cNvCxnSpPr>
+          <p:nvPr/>
+        </p:nvCxnSpPr>
+        <p:spPr>
+          <a:xfrm>
+            <a:off x="1656788" y="1947986"/>
+            <a:ext cx="5934049" cy="453668"/>
+          </a:xfrm>
+          <a:prstGeom prst="straightConnector1">
+            <a:avLst/>
+          </a:prstGeom>
+          <a:ln w="57150" cmpd="sng">
+            <a:tailEnd type="arrow"/>
+          </a:ln>
+        </p:spPr>
+        <p:style>
+          <a:lnRef idx="2">
+            <a:schemeClr val="accent1"/>
+          </a:lnRef>
+          <a:fillRef idx="0">
+            <a:schemeClr val="accent1"/>
+          </a:fillRef>
+          <a:effectRef idx="1">
+            <a:schemeClr val="accent1"/>
+          </a:effectRef>
+          <a:fontRef idx="minor">
+            <a:schemeClr val="tx1"/>
+          </a:fontRef>
+        </p:style>
+      </p:cxnSp>
     </p:spTree>
     <p:extLst>
       <p:ext uri="{BB962C8B-B14F-4D97-AF65-F5344CB8AC3E}">
@@ -5592,7 +6564,7 @@
                             </p:stCondLst>
                             <p:childTnLst>
                               <p:par>
-                                <p:cTn id="5" presetID="2" presetClass="entr" presetSubtype="4" fill="hold" nodeType="clickEffect">
+                                <p:cTn id="5" presetID="2" presetClass="entr" presetSubtype="4" fill="hold" grpId="0" nodeType="clickEffect">
                                   <p:stCondLst>
                                     <p:cond delay="0"/>
                                   </p:stCondLst>
@@ -5605,7 +6577,7 @@
                                           </p:stCondLst>
                                         </p:cTn>
                                         <p:tgtEl>
-                                          <p:spTgt spid="3"/>
+                                          <p:spTgt spid="5"/>
                                         </p:tgtEl>
                                         <p:attrNameLst>
                                           <p:attrName>style.visibility</p:attrName>
@@ -5619,7 +6591,7 @@
                                       <p:cBhvr additive="base">
                                         <p:cTn id="7" dur="500" fill="hold"/>
                                         <p:tgtEl>
-                                          <p:spTgt spid="3"/>
+                                          <p:spTgt spid="5"/>
                                         </p:tgtEl>
                                         <p:attrNameLst>
                                           <p:attrName>ppt_x</p:attrName>
@@ -5642,428 +6614,7 @@
                                       <p:cBhvr additive="base">
                                         <p:cTn id="8" dur="500" fill="hold"/>
                                         <p:tgtEl>
-                                          <p:spTgt spid="3"/>
-                                        </p:tgtEl>
-                                        <p:attrNameLst>
-                                          <p:attrName>ppt_y</p:attrName>
-                                        </p:attrNameLst>
-                                      </p:cBhvr>
-                                      <p:tavLst>
-                                        <p:tav tm="0">
-                                          <p:val>
-                                            <p:strVal val="1+#ppt_h/2"/>
-                                          </p:val>
-                                        </p:tav>
-                                        <p:tav tm="100000">
-                                          <p:val>
-                                            <p:strVal val="#ppt_y"/>
-                                          </p:val>
-                                        </p:tav>
-                                      </p:tavLst>
-                                    </p:anim>
-                                  </p:childTnLst>
-                                </p:cTn>
-                              </p:par>
-                            </p:childTnLst>
-                          </p:cTn>
-                        </p:par>
-                      </p:childTnLst>
-                    </p:cTn>
-                  </p:par>
-                </p:childTnLst>
-              </p:cTn>
-              <p:prevCondLst>
-                <p:cond evt="onPrev" delay="0">
-                  <p:tgtEl>
-                    <p:sldTgt/>
-                  </p:tgtEl>
-                </p:cond>
-              </p:prevCondLst>
-              <p:nextCondLst>
-                <p:cond evt="onNext" delay="0">
-                  <p:tgtEl>
-                    <p:sldTgt/>
-                  </p:tgtEl>
-                </p:cond>
-              </p:nextCondLst>
-            </p:seq>
-          </p:childTnLst>
-        </p:cTn>
-      </p:par>
-    </p:tnLst>
-  </p:timing>
-</p:sld>
-</file>
-
-<file path=ppt/slides/slide4.xml><?xml version="1.0" encoding="utf-8"?>
-<p:sld xmlns:a="http://schemas.openxmlformats.org/drawingml/2006/main" xmlns:r="http://schemas.openxmlformats.org/officeDocument/2006/relationships" xmlns:p="http://schemas.openxmlformats.org/presentationml/2006/main">
-  <p:cSld>
-    <p:spTree>
-      <p:nvGrpSpPr>
-        <p:cNvPr id="1" name=""/>
-        <p:cNvGrpSpPr/>
-        <p:nvPr/>
-      </p:nvGrpSpPr>
-      <p:grpSpPr>
-        <a:xfrm>
-          <a:off x="0" y="0"/>
-          <a:ext cx="0" cy="0"/>
-          <a:chOff x="0" y="0"/>
-          <a:chExt cx="0" cy="0"/>
-        </a:xfrm>
-      </p:grpSpPr>
-      <p:pic>
-        <p:nvPicPr>
-          <p:cNvPr id="19" name="Picture 18" descr="Screen Shot 2015-06-12 at 01.26.17.png"/>
-          <p:cNvPicPr>
-            <a:picLocks noChangeAspect="1"/>
-          </p:cNvPicPr>
-          <p:nvPr/>
-        </p:nvPicPr>
-        <p:blipFill>
-          <a:blip r:embed="rId2" cstate="print">
-            <a:extLst>
-              <a:ext uri="{28A0092B-C50C-407E-A947-70E740481C1C}">
-                <a14:useLocalDpi xmlns:a14="http://schemas.microsoft.com/office/drawing/2010/main" val="0"/>
-              </a:ext>
-            </a:extLst>
-          </a:blip>
-          <a:stretch>
-            <a:fillRect/>
-          </a:stretch>
-        </p:blipFill>
-        <p:spPr>
-          <a:xfrm>
-            <a:off x="0" y="342456"/>
-            <a:ext cx="9144000" cy="6070169"/>
-          </a:xfrm>
-          <a:prstGeom prst="rect">
-            <a:avLst/>
-          </a:prstGeom>
-        </p:spPr>
-      </p:pic>
-      <p:cxnSp>
-        <p:nvCxnSpPr>
-          <p:cNvPr id="8" name="Straight Arrow Connector 7"/>
-          <p:cNvCxnSpPr/>
-          <p:nvPr/>
-        </p:nvCxnSpPr>
-        <p:spPr>
-          <a:xfrm flipH="1" flipV="1">
-            <a:off x="5865287" y="2354373"/>
-            <a:ext cx="656456" cy="696976"/>
-          </a:xfrm>
-          <a:prstGeom prst="straightConnector1">
-            <a:avLst/>
-          </a:prstGeom>
-          <a:ln w="57150" cmpd="sng">
-            <a:tailEnd type="arrow"/>
-          </a:ln>
-        </p:spPr>
-        <p:style>
-          <a:lnRef idx="2">
-            <a:schemeClr val="accent1"/>
-          </a:lnRef>
-          <a:fillRef idx="0">
-            <a:schemeClr val="accent1"/>
-          </a:fillRef>
-          <a:effectRef idx="1">
-            <a:schemeClr val="accent1"/>
-          </a:effectRef>
-          <a:fontRef idx="minor">
-            <a:schemeClr val="tx1"/>
-          </a:fontRef>
-        </p:style>
-      </p:cxnSp>
-      <p:sp>
-        <p:nvSpPr>
-          <p:cNvPr id="11" name="TextBox 10"/>
-          <p:cNvSpPr txBox="1"/>
-          <p:nvPr/>
-        </p:nvSpPr>
-        <p:spPr>
-          <a:xfrm>
-            <a:off x="6521743" y="2523400"/>
-            <a:ext cx="2297595" cy="923330"/>
-          </a:xfrm>
-          <a:prstGeom prst="rect">
-            <a:avLst/>
-          </a:prstGeom>
-        </p:spPr>
-        <p:style>
-          <a:lnRef idx="2">
-            <a:schemeClr val="accent1">
-              <a:shade val="50000"/>
-            </a:schemeClr>
-          </a:lnRef>
-          <a:fillRef idx="1">
-            <a:schemeClr val="accent1"/>
-          </a:fillRef>
-          <a:effectRef idx="0">
-            <a:schemeClr val="accent1"/>
-          </a:effectRef>
-          <a:fontRef idx="minor">
-            <a:schemeClr val="lt1"/>
-          </a:fontRef>
-        </p:style>
-        <p:txBody>
-          <a:bodyPr wrap="square" rtlCol="0">
-            <a:spAutoFit/>
-          </a:bodyPr>
-          <a:lstStyle/>
-          <a:p>
-            <a:r>
-              <a:rPr lang="en-US"/>
-              <a:t>Film lahko označite kot gledan in ga ocenite</a:t>
-            </a:r>
-          </a:p>
-        </p:txBody>
-      </p:sp>
-      <p:pic>
-        <p:nvPicPr>
-          <p:cNvPr id="20" name="Picture 19" descr="Screen Shot 2015-06-12 at 01.26.56.png"/>
-          <p:cNvPicPr>
-            <a:picLocks noChangeAspect="1"/>
-          </p:cNvPicPr>
-          <p:nvPr/>
-        </p:nvPicPr>
-        <p:blipFill>
-          <a:blip r:embed="rId3" cstate="print">
-            <a:extLst>
-              <a:ext uri="{28A0092B-C50C-407E-A947-70E740481C1C}">
-                <a14:useLocalDpi xmlns:a14="http://schemas.microsoft.com/office/drawing/2010/main" val="0"/>
-              </a:ext>
-            </a:extLst>
-          </a:blip>
-          <a:stretch>
-            <a:fillRect/>
-          </a:stretch>
-        </p:blipFill>
-        <p:spPr>
-          <a:xfrm>
-            <a:off x="0" y="545758"/>
-            <a:ext cx="9144000" cy="5801944"/>
-          </a:xfrm>
-          <a:prstGeom prst="rect">
-            <a:avLst/>
-          </a:prstGeom>
-        </p:spPr>
-      </p:pic>
-      <p:sp>
-        <p:nvSpPr>
-          <p:cNvPr id="16" name="TextBox 15"/>
-          <p:cNvSpPr txBox="1"/>
-          <p:nvPr/>
-        </p:nvSpPr>
-        <p:spPr>
-          <a:xfrm>
-            <a:off x="4538107" y="6114285"/>
-            <a:ext cx="3510611" cy="646331"/>
-          </a:xfrm>
-          <a:prstGeom prst="rect">
-            <a:avLst/>
-          </a:prstGeom>
-        </p:spPr>
-        <p:style>
-          <a:lnRef idx="2">
-            <a:schemeClr val="accent1">
-              <a:shade val="50000"/>
-            </a:schemeClr>
-          </a:lnRef>
-          <a:fillRef idx="1">
-            <a:schemeClr val="accent1"/>
-          </a:fillRef>
-          <a:effectRef idx="0">
-            <a:schemeClr val="accent1"/>
-          </a:effectRef>
-          <a:fontRef idx="minor">
-            <a:schemeClr val="lt1"/>
-          </a:fontRef>
-        </p:style>
-        <p:txBody>
-          <a:bodyPr wrap="square" rtlCol="0">
-            <a:spAutoFit/>
-          </a:bodyPr>
-          <a:lstStyle/>
-          <a:p>
-            <a:r>
-              <a:rPr lang="en-US" dirty="0"/>
-              <a:t>In </a:t>
-            </a:r>
-            <a:r>
-              <a:rPr lang="en-US" dirty="0" err="1"/>
-              <a:t>vašo</a:t>
-            </a:r>
-            <a:r>
-              <a:rPr lang="en-US" dirty="0"/>
-              <a:t> </a:t>
-            </a:r>
-            <a:r>
-              <a:rPr lang="en-US" dirty="0" err="1"/>
-              <a:t>oceno</a:t>
-            </a:r>
-            <a:r>
-              <a:rPr lang="en-US" dirty="0"/>
-              <a:t> </a:t>
-            </a:r>
-            <a:r>
-              <a:rPr lang="en-US" dirty="0" err="1"/>
-              <a:t>delite</a:t>
-            </a:r>
-            <a:r>
-              <a:rPr lang="en-US" dirty="0"/>
-              <a:t> z </a:t>
-            </a:r>
-            <a:r>
-              <a:rPr lang="en-US" dirty="0" err="1"/>
-              <a:t>ostalimi</a:t>
-            </a:r>
-            <a:r>
-              <a:rPr lang="en-US" dirty="0"/>
-              <a:t> </a:t>
-            </a:r>
-            <a:r>
-              <a:rPr lang="en-US" dirty="0" err="1"/>
-              <a:t>preko</a:t>
-            </a:r>
-            <a:r>
-              <a:rPr lang="en-US" dirty="0"/>
-              <a:t> </a:t>
-            </a:r>
-            <a:r>
-              <a:rPr lang="en-US" dirty="0" err="1"/>
-              <a:t>socialnih</a:t>
-            </a:r>
-            <a:r>
-              <a:rPr lang="en-US" dirty="0"/>
-              <a:t> </a:t>
-            </a:r>
-            <a:r>
-              <a:rPr lang="en-US" dirty="0" err="1"/>
-              <a:t>omrežij</a:t>
-            </a:r>
-            <a:r>
-              <a:rPr lang="en-US" dirty="0"/>
-              <a:t>!</a:t>
-            </a:r>
-          </a:p>
-        </p:txBody>
-      </p:sp>
-      <p:cxnSp>
-        <p:nvCxnSpPr>
-          <p:cNvPr id="17" name="Straight Arrow Connector 16"/>
-          <p:cNvCxnSpPr/>
-          <p:nvPr/>
-        </p:nvCxnSpPr>
-        <p:spPr>
-          <a:xfrm flipH="1" flipV="1">
-            <a:off x="3867380" y="6114285"/>
-            <a:ext cx="670727" cy="111802"/>
-          </a:xfrm>
-          <a:prstGeom prst="straightConnector1">
-            <a:avLst/>
-          </a:prstGeom>
-          <a:ln w="57150" cmpd="sng">
-            <a:tailEnd type="arrow"/>
-          </a:ln>
-        </p:spPr>
-        <p:style>
-          <a:lnRef idx="2">
-            <a:schemeClr val="accent1"/>
-          </a:lnRef>
-          <a:fillRef idx="0">
-            <a:schemeClr val="accent1"/>
-          </a:fillRef>
-          <a:effectRef idx="1">
-            <a:schemeClr val="accent1"/>
-          </a:effectRef>
-          <a:fontRef idx="minor">
-            <a:schemeClr val="tx1"/>
-          </a:fontRef>
-        </p:style>
-      </p:cxnSp>
-    </p:spTree>
-    <p:extLst>
-      <p:ext uri="{BB962C8B-B14F-4D97-AF65-F5344CB8AC3E}">
-        <p14:creationId xmlns:p14="http://schemas.microsoft.com/office/powerpoint/2010/main" val="2314394337"/>
-      </p:ext>
-    </p:extLst>
-  </p:cSld>
-  <p:clrMapOvr>
-    <a:masterClrMapping/>
-  </p:clrMapOvr>
-  <p:timing>
-    <p:tnLst>
-      <p:par>
-        <p:cTn xmlns:p14="http://schemas.microsoft.com/office/powerpoint/2010/main" id="1" dur="indefinite" restart="never" nodeType="tmRoot">
-          <p:childTnLst>
-            <p:seq concurrent="1" nextAc="seek">
-              <p:cTn id="2" dur="indefinite" nodeType="mainSeq">
-                <p:childTnLst>
-                  <p:par>
-                    <p:cTn id="3" fill="hold">
-                      <p:stCondLst>
-                        <p:cond delay="indefinite"/>
-                      </p:stCondLst>
-                      <p:childTnLst>
-                        <p:par>
-                          <p:cTn id="4" fill="hold">
-                            <p:stCondLst>
-                              <p:cond delay="0"/>
-                            </p:stCondLst>
-                            <p:childTnLst>
-                              <p:par>
-                                <p:cTn id="5" presetID="2" presetClass="entr" presetSubtype="4" fill="hold" nodeType="clickEffect">
-                                  <p:stCondLst>
-                                    <p:cond delay="0"/>
-                                  </p:stCondLst>
-                                  <p:childTnLst>
-                                    <p:set>
-                                      <p:cBhvr>
-                                        <p:cTn id="6" dur="1" fill="hold">
-                                          <p:stCondLst>
-                                            <p:cond delay="0"/>
-                                          </p:stCondLst>
-                                        </p:cTn>
-                                        <p:tgtEl>
-                                          <p:spTgt spid="20"/>
-                                        </p:tgtEl>
-                                        <p:attrNameLst>
-                                          <p:attrName>style.visibility</p:attrName>
-                                        </p:attrNameLst>
-                                      </p:cBhvr>
-                                      <p:to>
-                                        <p:strVal val="visible"/>
-                                      </p:to>
-                                    </p:set>
-                                    <p:anim calcmode="lin" valueType="num">
-                                      <p:cBhvr additive="base">
-                                        <p:cTn id="7" dur="500" fill="hold"/>
-                                        <p:tgtEl>
-                                          <p:spTgt spid="20"/>
-                                        </p:tgtEl>
-                                        <p:attrNameLst>
-                                          <p:attrName>ppt_x</p:attrName>
-                                        </p:attrNameLst>
-                                      </p:cBhvr>
-                                      <p:tavLst>
-                                        <p:tav tm="0">
-                                          <p:val>
-                                            <p:strVal val="#ppt_x"/>
-                                          </p:val>
-                                        </p:tav>
-                                        <p:tav tm="100000">
-                                          <p:val>
-                                            <p:strVal val="#ppt_x"/>
-                                          </p:val>
-                                        </p:tav>
-                                      </p:tavLst>
-                                    </p:anim>
-                                    <p:anim calcmode="lin" valueType="num">
-                                      <p:cBhvr additive="base">
-                                        <p:cTn id="8" dur="500" fill="hold"/>
-                                        <p:tgtEl>
-                                          <p:spTgt spid="20"/>
+                                          <p:spTgt spid="5"/>
                                         </p:tgtEl>
                                         <p:attrNameLst>
                                           <p:attrName>ppt_y</p:attrName>
@@ -6099,7 +6650,7 @@
                                           </p:stCondLst>
                                         </p:cTn>
                                         <p:tgtEl>
-                                          <p:spTgt spid="17"/>
+                                          <p:spTgt spid="7"/>
                                         </p:tgtEl>
                                         <p:attrNameLst>
                                           <p:attrName>style.visibility</p:attrName>
@@ -6113,7 +6664,7 @@
                                       <p:cBhvr additive="base">
                                         <p:cTn id="11" dur="500" fill="hold"/>
                                         <p:tgtEl>
-                                          <p:spTgt spid="17"/>
+                                          <p:spTgt spid="7"/>
                                         </p:tgtEl>
                                         <p:attrNameLst>
                                           <p:attrName>ppt_x</p:attrName>
@@ -6136,7 +6687,7 @@
                                       <p:cBhvr additive="base">
                                         <p:cTn id="12" dur="500" fill="hold"/>
                                         <p:tgtEl>
-                                          <p:spTgt spid="17"/>
+                                          <p:spTgt spid="7"/>
                                         </p:tgtEl>
                                         <p:attrNameLst>
                                           <p:attrName>ppt_y</p:attrName>
@@ -6172,6 +6723,152 @@
                                           </p:stCondLst>
                                         </p:cTn>
                                         <p:tgtEl>
+                                          <p:spTgt spid="11"/>
+                                        </p:tgtEl>
+                                        <p:attrNameLst>
+                                          <p:attrName>style.visibility</p:attrName>
+                                        </p:attrNameLst>
+                                      </p:cBhvr>
+                                      <p:to>
+                                        <p:strVal val="visible"/>
+                                      </p:to>
+                                    </p:set>
+                                    <p:anim calcmode="lin" valueType="num">
+                                      <p:cBhvr additive="base">
+                                        <p:cTn id="15" dur="500" fill="hold"/>
+                                        <p:tgtEl>
+                                          <p:spTgt spid="11"/>
+                                        </p:tgtEl>
+                                        <p:attrNameLst>
+                                          <p:attrName>ppt_x</p:attrName>
+                                        </p:attrNameLst>
+                                      </p:cBhvr>
+                                      <p:tavLst>
+                                        <p:tav tm="0">
+                                          <p:val>
+                                            <p:strVal val="#ppt_x"/>
+                                          </p:val>
+                                        </p:tav>
+                                        <p:tav tm="100000">
+                                          <p:val>
+                                            <p:strVal val="#ppt_x"/>
+                                          </p:val>
+                                        </p:tav>
+                                      </p:tavLst>
+                                    </p:anim>
+                                    <p:anim calcmode="lin" valueType="num">
+                                      <p:cBhvr additive="base">
+                                        <p:cTn id="16" dur="500" fill="hold"/>
+                                        <p:tgtEl>
+                                          <p:spTgt spid="11"/>
+                                        </p:tgtEl>
+                                        <p:attrNameLst>
+                                          <p:attrName>ppt_y</p:attrName>
+                                        </p:attrNameLst>
+                                      </p:cBhvr>
+                                      <p:tavLst>
+                                        <p:tav tm="0">
+                                          <p:val>
+                                            <p:strVal val="1+#ppt_h/2"/>
+                                          </p:val>
+                                        </p:tav>
+                                        <p:tav tm="100000">
+                                          <p:val>
+                                            <p:strVal val="#ppt_y"/>
+                                          </p:val>
+                                        </p:tav>
+                                      </p:tavLst>
+                                    </p:anim>
+                                  </p:childTnLst>
+                                </p:cTn>
+                              </p:par>
+                              <p:par>
+                                <p:cTn id="17" presetID="2" presetClass="entr" presetSubtype="4" fill="hold" nodeType="withEffect">
+                                  <p:stCondLst>
+                                    <p:cond delay="0"/>
+                                  </p:stCondLst>
+                                  <p:childTnLst>
+                                    <p:set>
+                                      <p:cBhvr>
+                                        <p:cTn id="18" dur="1" fill="hold">
+                                          <p:stCondLst>
+                                            <p:cond delay="0"/>
+                                          </p:stCondLst>
+                                        </p:cTn>
+                                        <p:tgtEl>
+                                          <p:spTgt spid="12"/>
+                                        </p:tgtEl>
+                                        <p:attrNameLst>
+                                          <p:attrName>style.visibility</p:attrName>
+                                        </p:attrNameLst>
+                                      </p:cBhvr>
+                                      <p:to>
+                                        <p:strVal val="visible"/>
+                                      </p:to>
+                                    </p:set>
+                                    <p:anim calcmode="lin" valueType="num">
+                                      <p:cBhvr additive="base">
+                                        <p:cTn id="19" dur="500" fill="hold"/>
+                                        <p:tgtEl>
+                                          <p:spTgt spid="12"/>
+                                        </p:tgtEl>
+                                        <p:attrNameLst>
+                                          <p:attrName>ppt_x</p:attrName>
+                                        </p:attrNameLst>
+                                      </p:cBhvr>
+                                      <p:tavLst>
+                                        <p:tav tm="0">
+                                          <p:val>
+                                            <p:strVal val="#ppt_x"/>
+                                          </p:val>
+                                        </p:tav>
+                                        <p:tav tm="100000">
+                                          <p:val>
+                                            <p:strVal val="#ppt_x"/>
+                                          </p:val>
+                                        </p:tav>
+                                      </p:tavLst>
+                                    </p:anim>
+                                    <p:anim calcmode="lin" valueType="num">
+                                      <p:cBhvr additive="base">
+                                        <p:cTn id="20" dur="500" fill="hold"/>
+                                        <p:tgtEl>
+                                          <p:spTgt spid="12"/>
+                                        </p:tgtEl>
+                                        <p:attrNameLst>
+                                          <p:attrName>ppt_y</p:attrName>
+                                        </p:attrNameLst>
+                                      </p:cBhvr>
+                                      <p:tavLst>
+                                        <p:tav tm="0">
+                                          <p:val>
+                                            <p:strVal val="1+#ppt_h/2"/>
+                                          </p:val>
+                                        </p:tav>
+                                        <p:tav tm="100000">
+                                          <p:val>
+                                            <p:strVal val="#ppt_y"/>
+                                          </p:val>
+                                        </p:tav>
+                                      </p:tavLst>
+                                    </p:anim>
+                                  </p:childTnLst>
+                                </p:cTn>
+                              </p:par>
+                              <p:par>
+                                <p:cTn id="21" presetID="2" presetClass="entr" presetSubtype="4" fill="hold" nodeType="withEffect">
+                                  <p:stCondLst>
+                                    <p:cond delay="0"/>
+                                  </p:stCondLst>
+                                  <p:childTnLst>
+                                    <p:set>
+                                      <p:cBhvr>
+                                        <p:cTn id="22" dur="1" fill="hold">
+                                          <p:stCondLst>
+                                            <p:cond delay="0"/>
+                                          </p:stCondLst>
+                                        </p:cTn>
+                                        <p:tgtEl>
                                           <p:spTgt spid="16"/>
                                         </p:tgtEl>
                                         <p:attrNameLst>
@@ -6184,7 +6881,7 @@
                                     </p:set>
                                     <p:anim calcmode="lin" valueType="num">
                                       <p:cBhvr additive="base">
-                                        <p:cTn id="15" dur="500" fill="hold"/>
+                                        <p:cTn id="23" dur="500" fill="hold"/>
                                         <p:tgtEl>
                                           <p:spTgt spid="16"/>
                                         </p:tgtEl>
@@ -6207,9 +6904,392 @@
                                     </p:anim>
                                     <p:anim calcmode="lin" valueType="num">
                                       <p:cBhvr additive="base">
-                                        <p:cTn id="16" dur="500" fill="hold"/>
+                                        <p:cTn id="24" dur="500" fill="hold"/>
                                         <p:tgtEl>
                                           <p:spTgt spid="16"/>
+                                        </p:tgtEl>
+                                        <p:attrNameLst>
+                                          <p:attrName>ppt_y</p:attrName>
+                                        </p:attrNameLst>
+                                      </p:cBhvr>
+                                      <p:tavLst>
+                                        <p:tav tm="0">
+                                          <p:val>
+                                            <p:strVal val="1+#ppt_h/2"/>
+                                          </p:val>
+                                        </p:tav>
+                                        <p:tav tm="100000">
+                                          <p:val>
+                                            <p:strVal val="#ppt_y"/>
+                                          </p:val>
+                                        </p:tav>
+                                      </p:tavLst>
+                                    </p:anim>
+                                  </p:childTnLst>
+                                </p:cTn>
+                              </p:par>
+                              <p:par>
+                                <p:cTn id="25" presetID="2" presetClass="entr" presetSubtype="4" fill="hold" grpId="0" nodeType="withEffect">
+                                  <p:stCondLst>
+                                    <p:cond delay="0"/>
+                                  </p:stCondLst>
+                                  <p:childTnLst>
+                                    <p:set>
+                                      <p:cBhvr>
+                                        <p:cTn id="26" dur="1" fill="hold">
+                                          <p:stCondLst>
+                                            <p:cond delay="0"/>
+                                          </p:stCondLst>
+                                        </p:cTn>
+                                        <p:tgtEl>
+                                          <p:spTgt spid="15"/>
+                                        </p:tgtEl>
+                                        <p:attrNameLst>
+                                          <p:attrName>style.visibility</p:attrName>
+                                        </p:attrNameLst>
+                                      </p:cBhvr>
+                                      <p:to>
+                                        <p:strVal val="visible"/>
+                                      </p:to>
+                                    </p:set>
+                                    <p:anim calcmode="lin" valueType="num">
+                                      <p:cBhvr additive="base">
+                                        <p:cTn id="27" dur="500" fill="hold"/>
+                                        <p:tgtEl>
+                                          <p:spTgt spid="15"/>
+                                        </p:tgtEl>
+                                        <p:attrNameLst>
+                                          <p:attrName>ppt_x</p:attrName>
+                                        </p:attrNameLst>
+                                      </p:cBhvr>
+                                      <p:tavLst>
+                                        <p:tav tm="0">
+                                          <p:val>
+                                            <p:strVal val="#ppt_x"/>
+                                          </p:val>
+                                        </p:tav>
+                                        <p:tav tm="100000">
+                                          <p:val>
+                                            <p:strVal val="#ppt_x"/>
+                                          </p:val>
+                                        </p:tav>
+                                      </p:tavLst>
+                                    </p:anim>
+                                    <p:anim calcmode="lin" valueType="num">
+                                      <p:cBhvr additive="base">
+                                        <p:cTn id="28" dur="500" fill="hold"/>
+                                        <p:tgtEl>
+                                          <p:spTgt spid="15"/>
+                                        </p:tgtEl>
+                                        <p:attrNameLst>
+                                          <p:attrName>ppt_y</p:attrName>
+                                        </p:attrNameLst>
+                                      </p:cBhvr>
+                                      <p:tavLst>
+                                        <p:tav tm="0">
+                                          <p:val>
+                                            <p:strVal val="1+#ppt_h/2"/>
+                                          </p:val>
+                                        </p:tav>
+                                        <p:tav tm="100000">
+                                          <p:val>
+                                            <p:strVal val="#ppt_y"/>
+                                          </p:val>
+                                        </p:tav>
+                                      </p:tavLst>
+                                    </p:anim>
+                                  </p:childTnLst>
+                                </p:cTn>
+                              </p:par>
+                            </p:childTnLst>
+                          </p:cTn>
+                        </p:par>
+                      </p:childTnLst>
+                    </p:cTn>
+                  </p:par>
+                  <p:par>
+                    <p:cTn id="29" fill="hold">
+                      <p:stCondLst>
+                        <p:cond delay="indefinite"/>
+                      </p:stCondLst>
+                      <p:childTnLst>
+                        <p:par>
+                          <p:cTn id="30" fill="hold">
+                            <p:stCondLst>
+                              <p:cond delay="0"/>
+                            </p:stCondLst>
+                            <p:childTnLst>
+                              <p:par>
+                                <p:cTn id="31" presetID="2" presetClass="entr" presetSubtype="4" fill="hold" grpId="0" nodeType="clickEffect">
+                                  <p:stCondLst>
+                                    <p:cond delay="0"/>
+                                  </p:stCondLst>
+                                  <p:childTnLst>
+                                    <p:set>
+                                      <p:cBhvr>
+                                        <p:cTn id="32" dur="1" fill="hold">
+                                          <p:stCondLst>
+                                            <p:cond delay="0"/>
+                                          </p:stCondLst>
+                                        </p:cTn>
+                                        <p:tgtEl>
+                                          <p:spTgt spid="20"/>
+                                        </p:tgtEl>
+                                        <p:attrNameLst>
+                                          <p:attrName>style.visibility</p:attrName>
+                                        </p:attrNameLst>
+                                      </p:cBhvr>
+                                      <p:to>
+                                        <p:strVal val="visible"/>
+                                      </p:to>
+                                    </p:set>
+                                    <p:anim calcmode="lin" valueType="num">
+                                      <p:cBhvr additive="base">
+                                        <p:cTn id="33" dur="500" fill="hold"/>
+                                        <p:tgtEl>
+                                          <p:spTgt spid="20"/>
+                                        </p:tgtEl>
+                                        <p:attrNameLst>
+                                          <p:attrName>ppt_x</p:attrName>
+                                        </p:attrNameLst>
+                                      </p:cBhvr>
+                                      <p:tavLst>
+                                        <p:tav tm="0">
+                                          <p:val>
+                                            <p:strVal val="#ppt_x"/>
+                                          </p:val>
+                                        </p:tav>
+                                        <p:tav tm="100000">
+                                          <p:val>
+                                            <p:strVal val="#ppt_x"/>
+                                          </p:val>
+                                        </p:tav>
+                                      </p:tavLst>
+                                    </p:anim>
+                                    <p:anim calcmode="lin" valueType="num">
+                                      <p:cBhvr additive="base">
+                                        <p:cTn id="34" dur="500" fill="hold"/>
+                                        <p:tgtEl>
+                                          <p:spTgt spid="20"/>
+                                        </p:tgtEl>
+                                        <p:attrNameLst>
+                                          <p:attrName>ppt_y</p:attrName>
+                                        </p:attrNameLst>
+                                      </p:cBhvr>
+                                      <p:tavLst>
+                                        <p:tav tm="0">
+                                          <p:val>
+                                            <p:strVal val="1+#ppt_h/2"/>
+                                          </p:val>
+                                        </p:tav>
+                                        <p:tav tm="100000">
+                                          <p:val>
+                                            <p:strVal val="#ppt_y"/>
+                                          </p:val>
+                                        </p:tav>
+                                      </p:tavLst>
+                                    </p:anim>
+                                  </p:childTnLst>
+                                </p:cTn>
+                              </p:par>
+                              <p:par>
+                                <p:cTn id="35" presetID="2" presetClass="entr" presetSubtype="4" fill="hold" nodeType="withEffect">
+                                  <p:stCondLst>
+                                    <p:cond delay="0"/>
+                                  </p:stCondLst>
+                                  <p:childTnLst>
+                                    <p:set>
+                                      <p:cBhvr>
+                                        <p:cTn id="36" dur="1" fill="hold">
+                                          <p:stCondLst>
+                                            <p:cond delay="0"/>
+                                          </p:stCondLst>
+                                        </p:cTn>
+                                        <p:tgtEl>
+                                          <p:spTgt spid="19"/>
+                                        </p:tgtEl>
+                                        <p:attrNameLst>
+                                          <p:attrName>style.visibility</p:attrName>
+                                        </p:attrNameLst>
+                                      </p:cBhvr>
+                                      <p:to>
+                                        <p:strVal val="visible"/>
+                                      </p:to>
+                                    </p:set>
+                                    <p:anim calcmode="lin" valueType="num">
+                                      <p:cBhvr additive="base">
+                                        <p:cTn id="37" dur="500" fill="hold"/>
+                                        <p:tgtEl>
+                                          <p:spTgt spid="19"/>
+                                        </p:tgtEl>
+                                        <p:attrNameLst>
+                                          <p:attrName>ppt_x</p:attrName>
+                                        </p:attrNameLst>
+                                      </p:cBhvr>
+                                      <p:tavLst>
+                                        <p:tav tm="0">
+                                          <p:val>
+                                            <p:strVal val="#ppt_x"/>
+                                          </p:val>
+                                        </p:tav>
+                                        <p:tav tm="100000">
+                                          <p:val>
+                                            <p:strVal val="#ppt_x"/>
+                                          </p:val>
+                                        </p:tav>
+                                      </p:tavLst>
+                                    </p:anim>
+                                    <p:anim calcmode="lin" valueType="num">
+                                      <p:cBhvr additive="base">
+                                        <p:cTn id="38" dur="500" fill="hold"/>
+                                        <p:tgtEl>
+                                          <p:spTgt spid="19"/>
+                                        </p:tgtEl>
+                                        <p:attrNameLst>
+                                          <p:attrName>ppt_y</p:attrName>
+                                        </p:attrNameLst>
+                                      </p:cBhvr>
+                                      <p:tavLst>
+                                        <p:tav tm="0">
+                                          <p:val>
+                                            <p:strVal val="1+#ppt_h/2"/>
+                                          </p:val>
+                                        </p:tav>
+                                        <p:tav tm="100000">
+                                          <p:val>
+                                            <p:strVal val="#ppt_y"/>
+                                          </p:val>
+                                        </p:tav>
+                                      </p:tavLst>
+                                    </p:anim>
+                                  </p:childTnLst>
+                                </p:cTn>
+                              </p:par>
+                              <p:par>
+                                <p:cTn id="39" presetID="2" presetClass="entr" presetSubtype="4" fill="hold" nodeType="withEffect">
+                                  <p:stCondLst>
+                                    <p:cond delay="0"/>
+                                  </p:stCondLst>
+                                  <p:childTnLst>
+                                    <p:set>
+                                      <p:cBhvr>
+                                        <p:cTn id="40" dur="1" fill="hold">
+                                          <p:stCondLst>
+                                            <p:cond delay="0"/>
+                                          </p:stCondLst>
+                                        </p:cTn>
+                                        <p:tgtEl>
+                                          <p:spTgt spid="26"/>
+                                        </p:tgtEl>
+                                        <p:attrNameLst>
+                                          <p:attrName>style.visibility</p:attrName>
+                                        </p:attrNameLst>
+                                      </p:cBhvr>
+                                      <p:to>
+                                        <p:strVal val="visible"/>
+                                      </p:to>
+                                    </p:set>
+                                    <p:anim calcmode="lin" valueType="num">
+                                      <p:cBhvr additive="base">
+                                        <p:cTn id="41" dur="500" fill="hold"/>
+                                        <p:tgtEl>
+                                          <p:spTgt spid="26"/>
+                                        </p:tgtEl>
+                                        <p:attrNameLst>
+                                          <p:attrName>ppt_x</p:attrName>
+                                        </p:attrNameLst>
+                                      </p:cBhvr>
+                                      <p:tavLst>
+                                        <p:tav tm="0">
+                                          <p:val>
+                                            <p:strVal val="#ppt_x"/>
+                                          </p:val>
+                                        </p:tav>
+                                        <p:tav tm="100000">
+                                          <p:val>
+                                            <p:strVal val="#ppt_x"/>
+                                          </p:val>
+                                        </p:tav>
+                                      </p:tavLst>
+                                    </p:anim>
+                                    <p:anim calcmode="lin" valueType="num">
+                                      <p:cBhvr additive="base">
+                                        <p:cTn id="42" dur="500" fill="hold"/>
+                                        <p:tgtEl>
+                                          <p:spTgt spid="26"/>
+                                        </p:tgtEl>
+                                        <p:attrNameLst>
+                                          <p:attrName>ppt_y</p:attrName>
+                                        </p:attrNameLst>
+                                      </p:cBhvr>
+                                      <p:tavLst>
+                                        <p:tav tm="0">
+                                          <p:val>
+                                            <p:strVal val="1+#ppt_h/2"/>
+                                          </p:val>
+                                        </p:tav>
+                                        <p:tav tm="100000">
+                                          <p:val>
+                                            <p:strVal val="#ppt_y"/>
+                                          </p:val>
+                                        </p:tav>
+                                      </p:tavLst>
+                                    </p:anim>
+                                  </p:childTnLst>
+                                </p:cTn>
+                              </p:par>
+                              <p:par>
+                                <p:cTn id="43" presetID="2" presetClass="entr" presetSubtype="4" fill="hold" nodeType="withEffect">
+                                  <p:stCondLst>
+                                    <p:cond delay="0"/>
+                                  </p:stCondLst>
+                                  <p:childTnLst>
+                                    <p:set>
+                                      <p:cBhvr>
+                                        <p:cTn id="44" dur="1" fill="hold">
+                                          <p:stCondLst>
+                                            <p:cond delay="0"/>
+                                          </p:stCondLst>
+                                        </p:cTn>
+                                        <p:tgtEl>
+                                          <p:spTgt spid="29"/>
+                                        </p:tgtEl>
+                                        <p:attrNameLst>
+                                          <p:attrName>style.visibility</p:attrName>
+                                        </p:attrNameLst>
+                                      </p:cBhvr>
+                                      <p:to>
+                                        <p:strVal val="visible"/>
+                                      </p:to>
+                                    </p:set>
+                                    <p:anim calcmode="lin" valueType="num">
+                                      <p:cBhvr additive="base">
+                                        <p:cTn id="45" dur="500" fill="hold"/>
+                                        <p:tgtEl>
+                                          <p:spTgt spid="29"/>
+                                        </p:tgtEl>
+                                        <p:attrNameLst>
+                                          <p:attrName>ppt_x</p:attrName>
+                                        </p:attrNameLst>
+                                      </p:cBhvr>
+                                      <p:tavLst>
+                                        <p:tav tm="0">
+                                          <p:val>
+                                            <p:strVal val="#ppt_x"/>
+                                          </p:val>
+                                        </p:tav>
+                                        <p:tav tm="100000">
+                                          <p:val>
+                                            <p:strVal val="#ppt_x"/>
+                                          </p:val>
+                                        </p:tav>
+                                      </p:tavLst>
+                                    </p:anim>
+                                    <p:anim calcmode="lin" valueType="num">
+                                      <p:cBhvr additive="base">
+                                        <p:cTn id="46" dur="500" fill="hold"/>
+                                        <p:tgtEl>
+                                          <p:spTgt spid="29"/>
                                         </p:tgtEl>
                                         <p:attrNameLst>
                                           <p:attrName>ppt_y</p:attrName>
@@ -6259,13 +7339,16 @@
       </p:par>
     </p:tnLst>
     <p:bldLst>
-      <p:bldP spid="16" grpId="0" animBg="1"/>
+      <p:bldP spid="5" grpId="0" animBg="1"/>
+      <p:bldP spid="11" grpId="0" animBg="1"/>
+      <p:bldP spid="15" grpId="0" animBg="1"/>
+      <p:bldP spid="20" grpId="0" animBg="1"/>
     </p:bldLst>
   </p:timing>
 </p:sld>
 </file>
 
-<file path=ppt/slides/slide5.xml><?xml version="1.0" encoding="utf-8"?>
+<file path=ppt/slides/slide7.xml><?xml version="1.0" encoding="utf-8"?>
 <p:sld xmlns:a="http://schemas.openxmlformats.org/drawingml/2006/main" xmlns:r="http://schemas.openxmlformats.org/officeDocument/2006/relationships" xmlns:p="http://schemas.openxmlformats.org/presentationml/2006/main">
   <p:cSld>
     <p:spTree>
@@ -6282,42 +7365,1096 @@
           <a:chExt cx="0" cy="0"/>
         </a:xfrm>
       </p:grpSpPr>
-      <p:sp>
-        <p:nvSpPr>
-          <p:cNvPr id="2" name="Title 1"/>
-          <p:cNvSpPr>
-            <a:spLocks noGrp="1"/>
-          </p:cNvSpPr>
-          <p:nvPr>
-            <p:ph type="title"/>
-          </p:nvPr>
-        </p:nvSpPr>
-        <p:spPr/>
-        <p:txBody>
-          <a:bodyPr/>
-          <a:lstStyle/>
-          <a:p>
-            <a:endParaRPr lang="en-US"/>
-          </a:p>
-        </p:txBody>
-      </p:sp>
       <p:pic>
         <p:nvPicPr>
-          <p:cNvPr id="4" name="Picture 3" descr="Screenshot 2015-06-12 07.26.02.png"/>
+          <p:cNvPr id="4" name="Picture 3" descr="Screen Shot 2015-06-20 at 21.55.51.png"/>
           <p:cNvPicPr>
             <a:picLocks noChangeAspect="1"/>
           </p:cNvPicPr>
           <p:nvPr/>
         </p:nvPicPr>
-        <p:blipFill rotWithShape="1">
-          <a:blip r:embed="rId2" cstate="print"/>
-          <a:srcRect l="11798" r="9873"/>
-          <a:stretch/>
+        <p:blipFill>
+          <a:blip r:embed="rId2">
+            <a:extLst>
+              <a:ext uri="{28A0092B-C50C-407E-A947-70E740481C1C}">
+                <a14:useLocalDpi xmlns:a14="http://schemas.microsoft.com/office/drawing/2010/main" val="0"/>
+              </a:ext>
+            </a:extLst>
+          </a:blip>
+          <a:stretch>
+            <a:fillRect/>
+          </a:stretch>
         </p:blipFill>
         <p:spPr>
           <a:xfrm>
-            <a:off x="1074533" y="1675572"/>
-            <a:ext cx="6670481" cy="3849266"/>
+            <a:off x="0" y="571389"/>
+            <a:ext cx="9144000" cy="5406362"/>
+          </a:xfrm>
+          <a:prstGeom prst="rect">
+            <a:avLst/>
+          </a:prstGeom>
+        </p:spPr>
+      </p:pic>
+      <p:cxnSp>
+        <p:nvCxnSpPr>
+          <p:cNvPr id="8" name="Straight Arrow Connector 7"/>
+          <p:cNvCxnSpPr/>
+          <p:nvPr/>
+        </p:nvCxnSpPr>
+        <p:spPr>
+          <a:xfrm>
+            <a:off x="4606595" y="822527"/>
+            <a:ext cx="372186" cy="329786"/>
+          </a:xfrm>
+          <a:prstGeom prst="straightConnector1">
+            <a:avLst/>
+          </a:prstGeom>
+          <a:ln w="57150" cmpd="sng">
+            <a:tailEnd type="arrow"/>
+          </a:ln>
+        </p:spPr>
+        <p:style>
+          <a:lnRef idx="2">
+            <a:schemeClr val="accent1"/>
+          </a:lnRef>
+          <a:fillRef idx="0">
+            <a:schemeClr val="accent1"/>
+          </a:fillRef>
+          <a:effectRef idx="1">
+            <a:schemeClr val="accent1"/>
+          </a:effectRef>
+          <a:fontRef idx="minor">
+            <a:schemeClr val="tx1"/>
+          </a:fontRef>
+        </p:style>
+      </p:cxnSp>
+      <p:sp>
+        <p:nvSpPr>
+          <p:cNvPr id="11" name="TextBox 10"/>
+          <p:cNvSpPr txBox="1"/>
+          <p:nvPr/>
+        </p:nvSpPr>
+        <p:spPr>
+          <a:xfrm>
+            <a:off x="1587436" y="228983"/>
+            <a:ext cx="3019159" cy="923330"/>
+          </a:xfrm>
+          <a:prstGeom prst="rect">
+            <a:avLst/>
+          </a:prstGeom>
+        </p:spPr>
+        <p:style>
+          <a:lnRef idx="2">
+            <a:schemeClr val="accent1">
+              <a:shade val="50000"/>
+            </a:schemeClr>
+          </a:lnRef>
+          <a:fillRef idx="1">
+            <a:schemeClr val="accent1"/>
+          </a:fillRef>
+          <a:effectRef idx="0">
+            <a:schemeClr val="accent1"/>
+          </a:effectRef>
+          <a:fontRef idx="minor">
+            <a:schemeClr val="lt1"/>
+          </a:fontRef>
+        </p:style>
+        <p:txBody>
+          <a:bodyPr wrap="square" rtlCol="0">
+            <a:spAutoFit/>
+          </a:bodyPr>
+          <a:lstStyle/>
+          <a:p>
+            <a:r>
+              <a:rPr lang="en-US"/>
+              <a:t>Prijavljen uporabnik lahko film označi kot gledan in ga oceni</a:t>
+            </a:r>
+          </a:p>
+        </p:txBody>
+      </p:sp>
+      <p:sp>
+        <p:nvSpPr>
+          <p:cNvPr id="3" name="Rectangle 2"/>
+          <p:cNvSpPr/>
+          <p:nvPr/>
+        </p:nvSpPr>
+        <p:spPr>
+          <a:xfrm>
+            <a:off x="2309000" y="2828339"/>
+            <a:ext cx="4603568" cy="2535571"/>
+          </a:xfrm>
+          <a:prstGeom prst="rect">
+            <a:avLst/>
+          </a:prstGeom>
+          <a:noFill/>
+          <a:ln w="57150" cmpd="sng"/>
+        </p:spPr>
+        <p:style>
+          <a:lnRef idx="2">
+            <a:schemeClr val="accent1"/>
+          </a:lnRef>
+          <a:fillRef idx="1">
+            <a:schemeClr val="lt1"/>
+          </a:fillRef>
+          <a:effectRef idx="0">
+            <a:schemeClr val="accent1"/>
+          </a:effectRef>
+          <a:fontRef idx="minor">
+            <a:schemeClr val="dk1"/>
+          </a:fontRef>
+        </p:style>
+        <p:txBody>
+          <a:bodyPr rtlCol="0" anchor="ctr"/>
+          <a:lstStyle/>
+          <a:p>
+            <a:pPr algn="ctr"/>
+            <a:endParaRPr lang="en-US"/>
+          </a:p>
+        </p:txBody>
+      </p:sp>
+      <p:sp>
+        <p:nvSpPr>
+          <p:cNvPr id="7" name="TextBox 6"/>
+          <p:cNvSpPr txBox="1"/>
+          <p:nvPr/>
+        </p:nvSpPr>
+        <p:spPr>
+          <a:xfrm>
+            <a:off x="115450" y="5791119"/>
+            <a:ext cx="3405774" cy="646331"/>
+          </a:xfrm>
+          <a:prstGeom prst="rect">
+            <a:avLst/>
+          </a:prstGeom>
+        </p:spPr>
+        <p:style>
+          <a:lnRef idx="2">
+            <a:schemeClr val="accent1">
+              <a:shade val="50000"/>
+            </a:schemeClr>
+          </a:lnRef>
+          <a:fillRef idx="1">
+            <a:schemeClr val="accent1"/>
+          </a:fillRef>
+          <a:effectRef idx="0">
+            <a:schemeClr val="accent1"/>
+          </a:effectRef>
+          <a:fontRef idx="minor">
+            <a:schemeClr val="lt1"/>
+          </a:fontRef>
+        </p:style>
+        <p:txBody>
+          <a:bodyPr wrap="square" rtlCol="0">
+            <a:spAutoFit/>
+          </a:bodyPr>
+          <a:lstStyle/>
+          <a:p>
+            <a:r>
+              <a:rPr lang="en-US"/>
+              <a:t>Filmi priporočeni z uporabo TF-IDF rangirne metrike</a:t>
+            </a:r>
+          </a:p>
+        </p:txBody>
+      </p:sp>
+      <p:cxnSp>
+        <p:nvCxnSpPr>
+          <p:cNvPr id="14" name="Straight Arrow Connector 13"/>
+          <p:cNvCxnSpPr/>
+          <p:nvPr/>
+        </p:nvCxnSpPr>
+        <p:spPr>
+          <a:xfrm flipV="1">
+            <a:off x="3480763" y="5363910"/>
+            <a:ext cx="242499" cy="427209"/>
+          </a:xfrm>
+          <a:prstGeom prst="straightConnector1">
+            <a:avLst/>
+          </a:prstGeom>
+          <a:ln w="57150" cmpd="sng">
+            <a:tailEnd type="arrow"/>
+          </a:ln>
+        </p:spPr>
+        <p:style>
+          <a:lnRef idx="2">
+            <a:schemeClr val="accent1"/>
+          </a:lnRef>
+          <a:fillRef idx="0">
+            <a:schemeClr val="accent1"/>
+          </a:fillRef>
+          <a:effectRef idx="1">
+            <a:schemeClr val="accent1"/>
+          </a:effectRef>
+          <a:fontRef idx="minor">
+            <a:schemeClr val="tx1"/>
+          </a:fontRef>
+        </p:style>
+      </p:cxnSp>
+      <p:pic>
+        <p:nvPicPr>
+          <p:cNvPr id="10" name="Picture 9" descr="Screen Shot 2015-06-20 at 22.01.25.png"/>
+          <p:cNvPicPr>
+            <a:picLocks noChangeAspect="1"/>
+          </p:cNvPicPr>
+          <p:nvPr/>
+        </p:nvPicPr>
+        <p:blipFill>
+          <a:blip r:embed="rId3">
+            <a:extLst>
+              <a:ext uri="{28A0092B-C50C-407E-A947-70E740481C1C}">
+                <a14:useLocalDpi xmlns:a14="http://schemas.microsoft.com/office/drawing/2010/main" val="0"/>
+              </a:ext>
+            </a:extLst>
+          </a:blip>
+          <a:stretch>
+            <a:fillRect/>
+          </a:stretch>
+        </p:blipFill>
+        <p:spPr>
+          <a:xfrm>
+            <a:off x="0" y="228983"/>
+            <a:ext cx="9144000" cy="6559026"/>
+          </a:xfrm>
+          <a:prstGeom prst="rect">
+            <a:avLst/>
+          </a:prstGeom>
+        </p:spPr>
+      </p:pic>
+      <p:sp>
+        <p:nvSpPr>
+          <p:cNvPr id="18" name="TextBox 17"/>
+          <p:cNvSpPr txBox="1"/>
+          <p:nvPr/>
+        </p:nvSpPr>
+        <p:spPr>
+          <a:xfrm>
+            <a:off x="4606595" y="4692158"/>
+            <a:ext cx="3676942" cy="923330"/>
+          </a:xfrm>
+          <a:prstGeom prst="rect">
+            <a:avLst/>
+          </a:prstGeom>
+        </p:spPr>
+        <p:style>
+          <a:lnRef idx="2">
+            <a:schemeClr val="accent1">
+              <a:shade val="50000"/>
+            </a:schemeClr>
+          </a:lnRef>
+          <a:fillRef idx="1">
+            <a:schemeClr val="accent1"/>
+          </a:fillRef>
+          <a:effectRef idx="0">
+            <a:schemeClr val="accent1"/>
+          </a:effectRef>
+          <a:fontRef idx="minor">
+            <a:schemeClr val="lt1"/>
+          </a:fontRef>
+        </p:style>
+        <p:txBody>
+          <a:bodyPr wrap="square" rtlCol="0">
+            <a:spAutoFit/>
+          </a:bodyPr>
+          <a:lstStyle/>
+          <a:p>
+            <a:r>
+              <a:rPr lang="en-US" dirty="0"/>
+              <a:t>Vašo oceno ter film lahko </a:t>
+            </a:r>
+            <a:r>
+              <a:rPr lang="en-US" dirty="0" err="1"/>
+              <a:t>delite</a:t>
+            </a:r>
+            <a:r>
+              <a:rPr lang="en-US" dirty="0"/>
+              <a:t> z </a:t>
+            </a:r>
+            <a:r>
+              <a:rPr lang="en-US" dirty="0" err="1"/>
+              <a:t>ostalimi</a:t>
+            </a:r>
+            <a:r>
+              <a:rPr lang="en-US" dirty="0"/>
+              <a:t> </a:t>
+            </a:r>
+            <a:r>
+              <a:rPr lang="en-US" dirty="0" err="1"/>
+              <a:t>preko</a:t>
+            </a:r>
+            <a:r>
+              <a:rPr lang="en-US" dirty="0"/>
+              <a:t> </a:t>
+            </a:r>
+            <a:r>
+              <a:rPr lang="en-US" dirty="0" err="1"/>
+              <a:t>socialnega omrežja Facebook!</a:t>
+            </a:r>
+            <a:endParaRPr lang="en-US" dirty="0"/>
+          </a:p>
+        </p:txBody>
+      </p:sp>
+      <p:cxnSp>
+        <p:nvCxnSpPr>
+          <p:cNvPr id="21" name="Straight Arrow Connector 20"/>
+          <p:cNvCxnSpPr>
+            <a:stCxn id="18" idx="1"/>
+          </p:cNvCxnSpPr>
+          <p:nvPr/>
+        </p:nvCxnSpPr>
+        <p:spPr>
+          <a:xfrm flipH="1">
+            <a:off x="3117151" y="5153823"/>
+            <a:ext cx="1489444" cy="461665"/>
+          </a:xfrm>
+          <a:prstGeom prst="straightConnector1">
+            <a:avLst/>
+          </a:prstGeom>
+          <a:ln w="57150" cmpd="sng">
+            <a:tailEnd type="arrow"/>
+          </a:ln>
+        </p:spPr>
+        <p:style>
+          <a:lnRef idx="2">
+            <a:schemeClr val="accent1"/>
+          </a:lnRef>
+          <a:fillRef idx="0">
+            <a:schemeClr val="accent1"/>
+          </a:fillRef>
+          <a:effectRef idx="1">
+            <a:schemeClr val="accent1"/>
+          </a:effectRef>
+          <a:fontRef idx="minor">
+            <a:schemeClr val="tx1"/>
+          </a:fontRef>
+        </p:style>
+      </p:cxnSp>
+    </p:spTree>
+    <p:extLst>
+      <p:ext uri="{BB962C8B-B14F-4D97-AF65-F5344CB8AC3E}">
+        <p14:creationId xmlns:p14="http://schemas.microsoft.com/office/powerpoint/2010/main" val="2314394337"/>
+      </p:ext>
+    </p:extLst>
+  </p:cSld>
+  <p:clrMapOvr>
+    <a:masterClrMapping/>
+  </p:clrMapOvr>
+  <p:timing>
+    <p:tnLst>
+      <p:par>
+        <p:cTn xmlns:p14="http://schemas.microsoft.com/office/powerpoint/2010/main" id="1" dur="indefinite" restart="never" nodeType="tmRoot">
+          <p:childTnLst>
+            <p:seq concurrent="1" nextAc="seek">
+              <p:cTn id="2" dur="indefinite" nodeType="mainSeq">
+                <p:childTnLst>
+                  <p:par>
+                    <p:cTn id="3" fill="hold">
+                      <p:stCondLst>
+                        <p:cond delay="indefinite"/>
+                      </p:stCondLst>
+                      <p:childTnLst>
+                        <p:par>
+                          <p:cTn id="4" fill="hold">
+                            <p:stCondLst>
+                              <p:cond delay="0"/>
+                            </p:stCondLst>
+                            <p:childTnLst>
+                              <p:par>
+                                <p:cTn id="5" presetID="2" presetClass="entr" presetSubtype="4" fill="hold" grpId="0" nodeType="clickEffect">
+                                  <p:stCondLst>
+                                    <p:cond delay="0"/>
+                                  </p:stCondLst>
+                                  <p:childTnLst>
+                                    <p:set>
+                                      <p:cBhvr>
+                                        <p:cTn id="6" dur="1" fill="hold">
+                                          <p:stCondLst>
+                                            <p:cond delay="0"/>
+                                          </p:stCondLst>
+                                        </p:cTn>
+                                        <p:tgtEl>
+                                          <p:spTgt spid="11"/>
+                                        </p:tgtEl>
+                                        <p:attrNameLst>
+                                          <p:attrName>style.visibility</p:attrName>
+                                        </p:attrNameLst>
+                                      </p:cBhvr>
+                                      <p:to>
+                                        <p:strVal val="visible"/>
+                                      </p:to>
+                                    </p:set>
+                                    <p:anim calcmode="lin" valueType="num">
+                                      <p:cBhvr additive="base">
+                                        <p:cTn id="7" dur="500" fill="hold"/>
+                                        <p:tgtEl>
+                                          <p:spTgt spid="11"/>
+                                        </p:tgtEl>
+                                        <p:attrNameLst>
+                                          <p:attrName>ppt_x</p:attrName>
+                                        </p:attrNameLst>
+                                      </p:cBhvr>
+                                      <p:tavLst>
+                                        <p:tav tm="0">
+                                          <p:val>
+                                            <p:strVal val="#ppt_x"/>
+                                          </p:val>
+                                        </p:tav>
+                                        <p:tav tm="100000">
+                                          <p:val>
+                                            <p:strVal val="#ppt_x"/>
+                                          </p:val>
+                                        </p:tav>
+                                      </p:tavLst>
+                                    </p:anim>
+                                    <p:anim calcmode="lin" valueType="num">
+                                      <p:cBhvr additive="base">
+                                        <p:cTn id="8" dur="500" fill="hold"/>
+                                        <p:tgtEl>
+                                          <p:spTgt spid="11"/>
+                                        </p:tgtEl>
+                                        <p:attrNameLst>
+                                          <p:attrName>ppt_y</p:attrName>
+                                        </p:attrNameLst>
+                                      </p:cBhvr>
+                                      <p:tavLst>
+                                        <p:tav tm="0">
+                                          <p:val>
+                                            <p:strVal val="1+#ppt_h/2"/>
+                                          </p:val>
+                                        </p:tav>
+                                        <p:tav tm="100000">
+                                          <p:val>
+                                            <p:strVal val="#ppt_y"/>
+                                          </p:val>
+                                        </p:tav>
+                                      </p:tavLst>
+                                    </p:anim>
+                                  </p:childTnLst>
+                                </p:cTn>
+                              </p:par>
+                              <p:par>
+                                <p:cTn id="9" presetID="2" presetClass="entr" presetSubtype="4" fill="hold" nodeType="withEffect">
+                                  <p:stCondLst>
+                                    <p:cond delay="0"/>
+                                  </p:stCondLst>
+                                  <p:childTnLst>
+                                    <p:set>
+                                      <p:cBhvr>
+                                        <p:cTn id="10" dur="1" fill="hold">
+                                          <p:stCondLst>
+                                            <p:cond delay="0"/>
+                                          </p:stCondLst>
+                                        </p:cTn>
+                                        <p:tgtEl>
+                                          <p:spTgt spid="8"/>
+                                        </p:tgtEl>
+                                        <p:attrNameLst>
+                                          <p:attrName>style.visibility</p:attrName>
+                                        </p:attrNameLst>
+                                      </p:cBhvr>
+                                      <p:to>
+                                        <p:strVal val="visible"/>
+                                      </p:to>
+                                    </p:set>
+                                    <p:anim calcmode="lin" valueType="num">
+                                      <p:cBhvr additive="base">
+                                        <p:cTn id="11" dur="500" fill="hold"/>
+                                        <p:tgtEl>
+                                          <p:spTgt spid="8"/>
+                                        </p:tgtEl>
+                                        <p:attrNameLst>
+                                          <p:attrName>ppt_x</p:attrName>
+                                        </p:attrNameLst>
+                                      </p:cBhvr>
+                                      <p:tavLst>
+                                        <p:tav tm="0">
+                                          <p:val>
+                                            <p:strVal val="#ppt_x"/>
+                                          </p:val>
+                                        </p:tav>
+                                        <p:tav tm="100000">
+                                          <p:val>
+                                            <p:strVal val="#ppt_x"/>
+                                          </p:val>
+                                        </p:tav>
+                                      </p:tavLst>
+                                    </p:anim>
+                                    <p:anim calcmode="lin" valueType="num">
+                                      <p:cBhvr additive="base">
+                                        <p:cTn id="12" dur="500" fill="hold"/>
+                                        <p:tgtEl>
+                                          <p:spTgt spid="8"/>
+                                        </p:tgtEl>
+                                        <p:attrNameLst>
+                                          <p:attrName>ppt_y</p:attrName>
+                                        </p:attrNameLst>
+                                      </p:cBhvr>
+                                      <p:tavLst>
+                                        <p:tav tm="0">
+                                          <p:val>
+                                            <p:strVal val="1+#ppt_h/2"/>
+                                          </p:val>
+                                        </p:tav>
+                                        <p:tav tm="100000">
+                                          <p:val>
+                                            <p:strVal val="#ppt_y"/>
+                                          </p:val>
+                                        </p:tav>
+                                      </p:tavLst>
+                                    </p:anim>
+                                  </p:childTnLst>
+                                </p:cTn>
+                              </p:par>
+                              <p:par>
+                                <p:cTn id="13" presetID="2" presetClass="entr" presetSubtype="4" fill="hold" grpId="0" nodeType="withEffect">
+                                  <p:stCondLst>
+                                    <p:cond delay="0"/>
+                                  </p:stCondLst>
+                                  <p:childTnLst>
+                                    <p:set>
+                                      <p:cBhvr>
+                                        <p:cTn id="14" dur="1" fill="hold">
+                                          <p:stCondLst>
+                                            <p:cond delay="0"/>
+                                          </p:stCondLst>
+                                        </p:cTn>
+                                        <p:tgtEl>
+                                          <p:spTgt spid="3"/>
+                                        </p:tgtEl>
+                                        <p:attrNameLst>
+                                          <p:attrName>style.visibility</p:attrName>
+                                        </p:attrNameLst>
+                                      </p:cBhvr>
+                                      <p:to>
+                                        <p:strVal val="visible"/>
+                                      </p:to>
+                                    </p:set>
+                                    <p:anim calcmode="lin" valueType="num">
+                                      <p:cBhvr additive="base">
+                                        <p:cTn id="15" dur="500" fill="hold"/>
+                                        <p:tgtEl>
+                                          <p:spTgt spid="3"/>
+                                        </p:tgtEl>
+                                        <p:attrNameLst>
+                                          <p:attrName>ppt_x</p:attrName>
+                                        </p:attrNameLst>
+                                      </p:cBhvr>
+                                      <p:tavLst>
+                                        <p:tav tm="0">
+                                          <p:val>
+                                            <p:strVal val="#ppt_x"/>
+                                          </p:val>
+                                        </p:tav>
+                                        <p:tav tm="100000">
+                                          <p:val>
+                                            <p:strVal val="#ppt_x"/>
+                                          </p:val>
+                                        </p:tav>
+                                      </p:tavLst>
+                                    </p:anim>
+                                    <p:anim calcmode="lin" valueType="num">
+                                      <p:cBhvr additive="base">
+                                        <p:cTn id="16" dur="500" fill="hold"/>
+                                        <p:tgtEl>
+                                          <p:spTgt spid="3"/>
+                                        </p:tgtEl>
+                                        <p:attrNameLst>
+                                          <p:attrName>ppt_y</p:attrName>
+                                        </p:attrNameLst>
+                                      </p:cBhvr>
+                                      <p:tavLst>
+                                        <p:tav tm="0">
+                                          <p:val>
+                                            <p:strVal val="1+#ppt_h/2"/>
+                                          </p:val>
+                                        </p:tav>
+                                        <p:tav tm="100000">
+                                          <p:val>
+                                            <p:strVal val="#ppt_y"/>
+                                          </p:val>
+                                        </p:tav>
+                                      </p:tavLst>
+                                    </p:anim>
+                                  </p:childTnLst>
+                                </p:cTn>
+                              </p:par>
+                              <p:par>
+                                <p:cTn id="17" presetID="2" presetClass="entr" presetSubtype="4" fill="hold" grpId="0" nodeType="withEffect">
+                                  <p:stCondLst>
+                                    <p:cond delay="0"/>
+                                  </p:stCondLst>
+                                  <p:childTnLst>
+                                    <p:set>
+                                      <p:cBhvr>
+                                        <p:cTn id="18" dur="1" fill="hold">
+                                          <p:stCondLst>
+                                            <p:cond delay="0"/>
+                                          </p:stCondLst>
+                                        </p:cTn>
+                                        <p:tgtEl>
+                                          <p:spTgt spid="7"/>
+                                        </p:tgtEl>
+                                        <p:attrNameLst>
+                                          <p:attrName>style.visibility</p:attrName>
+                                        </p:attrNameLst>
+                                      </p:cBhvr>
+                                      <p:to>
+                                        <p:strVal val="visible"/>
+                                      </p:to>
+                                    </p:set>
+                                    <p:anim calcmode="lin" valueType="num">
+                                      <p:cBhvr additive="base">
+                                        <p:cTn id="19" dur="500" fill="hold"/>
+                                        <p:tgtEl>
+                                          <p:spTgt spid="7"/>
+                                        </p:tgtEl>
+                                        <p:attrNameLst>
+                                          <p:attrName>ppt_x</p:attrName>
+                                        </p:attrNameLst>
+                                      </p:cBhvr>
+                                      <p:tavLst>
+                                        <p:tav tm="0">
+                                          <p:val>
+                                            <p:strVal val="#ppt_x"/>
+                                          </p:val>
+                                        </p:tav>
+                                        <p:tav tm="100000">
+                                          <p:val>
+                                            <p:strVal val="#ppt_x"/>
+                                          </p:val>
+                                        </p:tav>
+                                      </p:tavLst>
+                                    </p:anim>
+                                    <p:anim calcmode="lin" valueType="num">
+                                      <p:cBhvr additive="base">
+                                        <p:cTn id="20" dur="500" fill="hold"/>
+                                        <p:tgtEl>
+                                          <p:spTgt spid="7"/>
+                                        </p:tgtEl>
+                                        <p:attrNameLst>
+                                          <p:attrName>ppt_y</p:attrName>
+                                        </p:attrNameLst>
+                                      </p:cBhvr>
+                                      <p:tavLst>
+                                        <p:tav tm="0">
+                                          <p:val>
+                                            <p:strVal val="1+#ppt_h/2"/>
+                                          </p:val>
+                                        </p:tav>
+                                        <p:tav tm="100000">
+                                          <p:val>
+                                            <p:strVal val="#ppt_y"/>
+                                          </p:val>
+                                        </p:tav>
+                                      </p:tavLst>
+                                    </p:anim>
+                                  </p:childTnLst>
+                                </p:cTn>
+                              </p:par>
+                            </p:childTnLst>
+                          </p:cTn>
+                        </p:par>
+                      </p:childTnLst>
+                    </p:cTn>
+                  </p:par>
+                  <p:par>
+                    <p:cTn id="21" fill="hold">
+                      <p:stCondLst>
+                        <p:cond delay="indefinite"/>
+                      </p:stCondLst>
+                      <p:childTnLst>
+                        <p:par>
+                          <p:cTn id="22" fill="hold">
+                            <p:stCondLst>
+                              <p:cond delay="0"/>
+                            </p:stCondLst>
+                            <p:childTnLst>
+                              <p:par>
+                                <p:cTn id="23" presetID="2" presetClass="entr" presetSubtype="4" fill="hold" nodeType="clickEffect">
+                                  <p:stCondLst>
+                                    <p:cond delay="0"/>
+                                  </p:stCondLst>
+                                  <p:childTnLst>
+                                    <p:set>
+                                      <p:cBhvr>
+                                        <p:cTn id="24" dur="1" fill="hold">
+                                          <p:stCondLst>
+                                            <p:cond delay="0"/>
+                                          </p:stCondLst>
+                                        </p:cTn>
+                                        <p:tgtEl>
+                                          <p:spTgt spid="14"/>
+                                        </p:tgtEl>
+                                        <p:attrNameLst>
+                                          <p:attrName>style.visibility</p:attrName>
+                                        </p:attrNameLst>
+                                      </p:cBhvr>
+                                      <p:to>
+                                        <p:strVal val="visible"/>
+                                      </p:to>
+                                    </p:set>
+                                    <p:anim calcmode="lin" valueType="num">
+                                      <p:cBhvr additive="base">
+                                        <p:cTn id="25" dur="500" fill="hold"/>
+                                        <p:tgtEl>
+                                          <p:spTgt spid="14"/>
+                                        </p:tgtEl>
+                                        <p:attrNameLst>
+                                          <p:attrName>ppt_x</p:attrName>
+                                        </p:attrNameLst>
+                                      </p:cBhvr>
+                                      <p:tavLst>
+                                        <p:tav tm="0">
+                                          <p:val>
+                                            <p:strVal val="#ppt_x"/>
+                                          </p:val>
+                                        </p:tav>
+                                        <p:tav tm="100000">
+                                          <p:val>
+                                            <p:strVal val="#ppt_x"/>
+                                          </p:val>
+                                        </p:tav>
+                                      </p:tavLst>
+                                    </p:anim>
+                                    <p:anim calcmode="lin" valueType="num">
+                                      <p:cBhvr additive="base">
+                                        <p:cTn id="26" dur="500" fill="hold"/>
+                                        <p:tgtEl>
+                                          <p:spTgt spid="14"/>
+                                        </p:tgtEl>
+                                        <p:attrNameLst>
+                                          <p:attrName>ppt_y</p:attrName>
+                                        </p:attrNameLst>
+                                      </p:cBhvr>
+                                      <p:tavLst>
+                                        <p:tav tm="0">
+                                          <p:val>
+                                            <p:strVal val="1+#ppt_h/2"/>
+                                          </p:val>
+                                        </p:tav>
+                                        <p:tav tm="100000">
+                                          <p:val>
+                                            <p:strVal val="#ppt_y"/>
+                                          </p:val>
+                                        </p:tav>
+                                      </p:tavLst>
+                                    </p:anim>
+                                  </p:childTnLst>
+                                </p:cTn>
+                              </p:par>
+                            </p:childTnLst>
+                          </p:cTn>
+                        </p:par>
+                      </p:childTnLst>
+                    </p:cTn>
+                  </p:par>
+                  <p:par>
+                    <p:cTn id="27" fill="hold">
+                      <p:stCondLst>
+                        <p:cond delay="indefinite"/>
+                      </p:stCondLst>
+                      <p:childTnLst>
+                        <p:par>
+                          <p:cTn id="28" fill="hold">
+                            <p:stCondLst>
+                              <p:cond delay="0"/>
+                            </p:stCondLst>
+                            <p:childTnLst>
+                              <p:par>
+                                <p:cTn id="29" presetID="2" presetClass="entr" presetSubtype="4" fill="hold" nodeType="clickEffect">
+                                  <p:stCondLst>
+                                    <p:cond delay="0"/>
+                                  </p:stCondLst>
+                                  <p:childTnLst>
+                                    <p:set>
+                                      <p:cBhvr>
+                                        <p:cTn id="30" dur="1" fill="hold">
+                                          <p:stCondLst>
+                                            <p:cond delay="0"/>
+                                          </p:stCondLst>
+                                        </p:cTn>
+                                        <p:tgtEl>
+                                          <p:spTgt spid="21"/>
+                                        </p:tgtEl>
+                                        <p:attrNameLst>
+                                          <p:attrName>style.visibility</p:attrName>
+                                        </p:attrNameLst>
+                                      </p:cBhvr>
+                                      <p:to>
+                                        <p:strVal val="visible"/>
+                                      </p:to>
+                                    </p:set>
+                                    <p:anim calcmode="lin" valueType="num">
+                                      <p:cBhvr additive="base">
+                                        <p:cTn id="31" dur="500" fill="hold"/>
+                                        <p:tgtEl>
+                                          <p:spTgt spid="21"/>
+                                        </p:tgtEl>
+                                        <p:attrNameLst>
+                                          <p:attrName>ppt_x</p:attrName>
+                                        </p:attrNameLst>
+                                      </p:cBhvr>
+                                      <p:tavLst>
+                                        <p:tav tm="0">
+                                          <p:val>
+                                            <p:strVal val="#ppt_x"/>
+                                          </p:val>
+                                        </p:tav>
+                                        <p:tav tm="100000">
+                                          <p:val>
+                                            <p:strVal val="#ppt_x"/>
+                                          </p:val>
+                                        </p:tav>
+                                      </p:tavLst>
+                                    </p:anim>
+                                    <p:anim calcmode="lin" valueType="num">
+                                      <p:cBhvr additive="base">
+                                        <p:cTn id="32" dur="500" fill="hold"/>
+                                        <p:tgtEl>
+                                          <p:spTgt spid="21"/>
+                                        </p:tgtEl>
+                                        <p:attrNameLst>
+                                          <p:attrName>ppt_y</p:attrName>
+                                        </p:attrNameLst>
+                                      </p:cBhvr>
+                                      <p:tavLst>
+                                        <p:tav tm="0">
+                                          <p:val>
+                                            <p:strVal val="1+#ppt_h/2"/>
+                                          </p:val>
+                                        </p:tav>
+                                        <p:tav tm="100000">
+                                          <p:val>
+                                            <p:strVal val="#ppt_y"/>
+                                          </p:val>
+                                        </p:tav>
+                                      </p:tavLst>
+                                    </p:anim>
+                                  </p:childTnLst>
+                                </p:cTn>
+                              </p:par>
+                              <p:par>
+                                <p:cTn id="33" presetID="2" presetClass="entr" presetSubtype="4" fill="hold" grpId="0" nodeType="withEffect">
+                                  <p:stCondLst>
+                                    <p:cond delay="0"/>
+                                  </p:stCondLst>
+                                  <p:childTnLst>
+                                    <p:set>
+                                      <p:cBhvr>
+                                        <p:cTn id="34" dur="1" fill="hold">
+                                          <p:stCondLst>
+                                            <p:cond delay="0"/>
+                                          </p:stCondLst>
+                                        </p:cTn>
+                                        <p:tgtEl>
+                                          <p:spTgt spid="18"/>
+                                        </p:tgtEl>
+                                        <p:attrNameLst>
+                                          <p:attrName>style.visibility</p:attrName>
+                                        </p:attrNameLst>
+                                      </p:cBhvr>
+                                      <p:to>
+                                        <p:strVal val="visible"/>
+                                      </p:to>
+                                    </p:set>
+                                    <p:anim calcmode="lin" valueType="num">
+                                      <p:cBhvr additive="base">
+                                        <p:cTn id="35" dur="500" fill="hold"/>
+                                        <p:tgtEl>
+                                          <p:spTgt spid="18"/>
+                                        </p:tgtEl>
+                                        <p:attrNameLst>
+                                          <p:attrName>ppt_x</p:attrName>
+                                        </p:attrNameLst>
+                                      </p:cBhvr>
+                                      <p:tavLst>
+                                        <p:tav tm="0">
+                                          <p:val>
+                                            <p:strVal val="#ppt_x"/>
+                                          </p:val>
+                                        </p:tav>
+                                        <p:tav tm="100000">
+                                          <p:val>
+                                            <p:strVal val="#ppt_x"/>
+                                          </p:val>
+                                        </p:tav>
+                                      </p:tavLst>
+                                    </p:anim>
+                                    <p:anim calcmode="lin" valueType="num">
+                                      <p:cBhvr additive="base">
+                                        <p:cTn id="36" dur="500" fill="hold"/>
+                                        <p:tgtEl>
+                                          <p:spTgt spid="18"/>
+                                        </p:tgtEl>
+                                        <p:attrNameLst>
+                                          <p:attrName>ppt_y</p:attrName>
+                                        </p:attrNameLst>
+                                      </p:cBhvr>
+                                      <p:tavLst>
+                                        <p:tav tm="0">
+                                          <p:val>
+                                            <p:strVal val="1+#ppt_h/2"/>
+                                          </p:val>
+                                        </p:tav>
+                                        <p:tav tm="100000">
+                                          <p:val>
+                                            <p:strVal val="#ppt_y"/>
+                                          </p:val>
+                                        </p:tav>
+                                      </p:tavLst>
+                                    </p:anim>
+                                  </p:childTnLst>
+                                </p:cTn>
+                              </p:par>
+                              <p:par>
+                                <p:cTn id="37" presetID="2" presetClass="entr" presetSubtype="4" fill="hold" nodeType="withEffect">
+                                  <p:stCondLst>
+                                    <p:cond delay="0"/>
+                                  </p:stCondLst>
+                                  <p:childTnLst>
+                                    <p:set>
+                                      <p:cBhvr>
+                                        <p:cTn id="38" dur="1" fill="hold">
+                                          <p:stCondLst>
+                                            <p:cond delay="0"/>
+                                          </p:stCondLst>
+                                        </p:cTn>
+                                        <p:tgtEl>
+                                          <p:spTgt spid="10"/>
+                                        </p:tgtEl>
+                                        <p:attrNameLst>
+                                          <p:attrName>style.visibility</p:attrName>
+                                        </p:attrNameLst>
+                                      </p:cBhvr>
+                                      <p:to>
+                                        <p:strVal val="visible"/>
+                                      </p:to>
+                                    </p:set>
+                                    <p:anim calcmode="lin" valueType="num">
+                                      <p:cBhvr additive="base">
+                                        <p:cTn id="39" dur="500" fill="hold"/>
+                                        <p:tgtEl>
+                                          <p:spTgt spid="10"/>
+                                        </p:tgtEl>
+                                        <p:attrNameLst>
+                                          <p:attrName>ppt_x</p:attrName>
+                                        </p:attrNameLst>
+                                      </p:cBhvr>
+                                      <p:tavLst>
+                                        <p:tav tm="0">
+                                          <p:val>
+                                            <p:strVal val="#ppt_x"/>
+                                          </p:val>
+                                        </p:tav>
+                                        <p:tav tm="100000">
+                                          <p:val>
+                                            <p:strVal val="#ppt_x"/>
+                                          </p:val>
+                                        </p:tav>
+                                      </p:tavLst>
+                                    </p:anim>
+                                    <p:anim calcmode="lin" valueType="num">
+                                      <p:cBhvr additive="base">
+                                        <p:cTn id="40" dur="500" fill="hold"/>
+                                        <p:tgtEl>
+                                          <p:spTgt spid="10"/>
+                                        </p:tgtEl>
+                                        <p:attrNameLst>
+                                          <p:attrName>ppt_y</p:attrName>
+                                        </p:attrNameLst>
+                                      </p:cBhvr>
+                                      <p:tavLst>
+                                        <p:tav tm="0">
+                                          <p:val>
+                                            <p:strVal val="1+#ppt_h/2"/>
+                                          </p:val>
+                                        </p:tav>
+                                        <p:tav tm="100000">
+                                          <p:val>
+                                            <p:strVal val="#ppt_y"/>
+                                          </p:val>
+                                        </p:tav>
+                                      </p:tavLst>
+                                    </p:anim>
+                                  </p:childTnLst>
+                                </p:cTn>
+                              </p:par>
+                            </p:childTnLst>
+                          </p:cTn>
+                        </p:par>
+                      </p:childTnLst>
+                    </p:cTn>
+                  </p:par>
+                </p:childTnLst>
+              </p:cTn>
+              <p:prevCondLst>
+                <p:cond evt="onPrev" delay="0">
+                  <p:tgtEl>
+                    <p:sldTgt/>
+                  </p:tgtEl>
+                </p:cond>
+              </p:prevCondLst>
+              <p:nextCondLst>
+                <p:cond evt="onNext" delay="0">
+                  <p:tgtEl>
+                    <p:sldTgt/>
+                  </p:tgtEl>
+                </p:cond>
+              </p:nextCondLst>
+            </p:seq>
+          </p:childTnLst>
+        </p:cTn>
+      </p:par>
+    </p:tnLst>
+    <p:bldLst>
+      <p:bldP spid="11" grpId="0" animBg="1"/>
+      <p:bldP spid="3" grpId="0" animBg="1"/>
+      <p:bldP spid="7" grpId="0" animBg="1"/>
+      <p:bldP spid="18" grpId="0" animBg="1"/>
+    </p:bldLst>
+  </p:timing>
+</p:sld>
+</file>
+
+<file path=ppt/slides/slide8.xml><?xml version="1.0" encoding="utf-8"?>
+<p:sld xmlns:a="http://schemas.openxmlformats.org/drawingml/2006/main" xmlns:r="http://schemas.openxmlformats.org/officeDocument/2006/relationships" xmlns:p="http://schemas.openxmlformats.org/presentationml/2006/main">
+  <p:cSld>
+    <p:spTree>
+      <p:nvGrpSpPr>
+        <p:cNvPr id="1" name=""/>
+        <p:cNvGrpSpPr/>
+        <p:nvPr/>
+      </p:nvGrpSpPr>
+      <p:grpSpPr>
+        <a:xfrm>
+          <a:off x="0" y="0"/>
+          <a:ext cx="0" cy="0"/>
+          <a:chOff x="0" y="0"/>
+          <a:chExt cx="0" cy="0"/>
+        </a:xfrm>
+      </p:grpSpPr>
+      <p:pic>
+        <p:nvPicPr>
+          <p:cNvPr id="3" name="Picture 2" descr="Screen Shot 2015-06-20 at 22.08.30.png"/>
+          <p:cNvPicPr>
+            <a:picLocks noChangeAspect="1"/>
+          </p:cNvPicPr>
+          <p:nvPr/>
+        </p:nvPicPr>
+        <p:blipFill>
+          <a:blip r:embed="rId3">
+            <a:extLst>
+              <a:ext uri="{28A0092B-C50C-407E-A947-70E740481C1C}">
+                <a14:useLocalDpi xmlns:a14="http://schemas.microsoft.com/office/drawing/2010/main" val="0"/>
+              </a:ext>
+            </a:extLst>
+          </a:blip>
+          <a:stretch>
+            <a:fillRect/>
+          </a:stretch>
+        </p:blipFill>
+        <p:spPr>
+          <a:xfrm>
+            <a:off x="0" y="813738"/>
+            <a:ext cx="9144000" cy="5237971"/>
           </a:xfrm>
           <a:prstGeom prst="rect">
             <a:avLst/>
@@ -6332,8 +8469,8 @@
         </p:nvCxnSpPr>
         <p:spPr>
           <a:xfrm flipH="1">
-            <a:off x="5163342" y="3277040"/>
-            <a:ext cx="480885" cy="588981"/>
+            <a:off x="5195250" y="3896181"/>
+            <a:ext cx="553268" cy="187595"/>
           </a:xfrm>
           <a:prstGeom prst="straightConnector1">
             <a:avLst/>
@@ -6365,7 +8502,7 @@
         </p:nvSpPr>
         <p:spPr>
           <a:xfrm>
-            <a:off x="5644227" y="2786393"/>
+            <a:off x="5748518" y="3542855"/>
             <a:ext cx="3395482" cy="646331"/>
           </a:xfrm>
           <a:prstGeom prst="rect">
@@ -6396,11 +8533,123 @@
           <a:p>
             <a:r>
               <a:rPr lang="en-US" dirty="0" err="1"/>
-              <a:t>Prikažemo tudi, če se film predvaja v kinu ali po TV!</a:t>
-            </a:r>
-          </a:p>
-        </p:txBody>
-      </p:sp>
+              <a:t>Prikažemo, če se film predvaja v kinu ali po TV!</a:t>
+            </a:r>
+          </a:p>
+        </p:txBody>
+      </p:sp>
+      <p:cxnSp>
+        <p:nvCxnSpPr>
+          <p:cNvPr id="9" name="Straight Arrow Connector 8"/>
+          <p:cNvCxnSpPr>
+            <a:stCxn id="6" idx="1"/>
+          </p:cNvCxnSpPr>
+          <p:nvPr/>
+        </p:nvCxnSpPr>
+        <p:spPr>
+          <a:xfrm flipH="1">
+            <a:off x="5195250" y="3866021"/>
+            <a:ext cx="553268" cy="1025851"/>
+          </a:xfrm>
+          <a:prstGeom prst="straightConnector1">
+            <a:avLst/>
+          </a:prstGeom>
+          <a:ln w="57150" cmpd="sng">
+            <a:tailEnd type="arrow"/>
+          </a:ln>
+        </p:spPr>
+        <p:style>
+          <a:lnRef idx="2">
+            <a:schemeClr val="accent1"/>
+          </a:lnRef>
+          <a:fillRef idx="0">
+            <a:schemeClr val="accent1"/>
+          </a:fillRef>
+          <a:effectRef idx="1">
+            <a:schemeClr val="accent1"/>
+          </a:effectRef>
+          <a:fontRef idx="minor">
+            <a:schemeClr val="tx1"/>
+          </a:fontRef>
+        </p:style>
+      </p:cxnSp>
+      <p:sp>
+        <p:nvSpPr>
+          <p:cNvPr id="12" name="TextBox 11"/>
+          <p:cNvSpPr txBox="1"/>
+          <p:nvPr/>
+        </p:nvSpPr>
+        <p:spPr>
+          <a:xfrm>
+            <a:off x="0" y="4161424"/>
+            <a:ext cx="3395482" cy="923330"/>
+          </a:xfrm>
+          <a:prstGeom prst="rect">
+            <a:avLst/>
+          </a:prstGeom>
+        </p:spPr>
+        <p:style>
+          <a:lnRef idx="2">
+            <a:schemeClr val="accent1">
+              <a:shade val="50000"/>
+            </a:schemeClr>
+          </a:lnRef>
+          <a:fillRef idx="1">
+            <a:schemeClr val="accent1"/>
+          </a:fillRef>
+          <a:effectRef idx="0">
+            <a:schemeClr val="accent1"/>
+          </a:effectRef>
+          <a:fontRef idx="minor">
+            <a:schemeClr val="lt1"/>
+          </a:fontRef>
+        </p:style>
+        <p:txBody>
+          <a:bodyPr wrap="square" rtlCol="0">
+            <a:spAutoFit/>
+          </a:bodyPr>
+          <a:lstStyle/>
+          <a:p>
+            <a:r>
+              <a:rPr lang="en-US" dirty="0" err="1"/>
+              <a:t>Ponudimo kanale, na katerih se film predvaja ter prikaz sporeda</a:t>
+            </a:r>
+          </a:p>
+        </p:txBody>
+      </p:sp>
+      <p:cxnSp>
+        <p:nvCxnSpPr>
+          <p:cNvPr id="14" name="Straight Arrow Connector 13"/>
+          <p:cNvCxnSpPr/>
+          <p:nvPr/>
+        </p:nvCxnSpPr>
+        <p:spPr>
+          <a:xfrm>
+            <a:off x="3395482" y="4990956"/>
+            <a:ext cx="313349" cy="362685"/>
+          </a:xfrm>
+          <a:prstGeom prst="straightConnector1">
+            <a:avLst/>
+          </a:prstGeom>
+          <a:ln w="57150" cmpd="sng">
+            <a:tailEnd type="arrow"/>
+          </a:ln>
+        </p:spPr>
+        <p:style>
+          <a:lnRef idx="2">
+            <a:schemeClr val="accent1"/>
+          </a:lnRef>
+          <a:fillRef idx="0">
+            <a:schemeClr val="accent1"/>
+          </a:fillRef>
+          <a:effectRef idx="1">
+            <a:schemeClr val="accent1"/>
+          </a:effectRef>
+          <a:fontRef idx="minor">
+            <a:schemeClr val="tx1"/>
+          </a:fontRef>
+        </p:style>
+      </p:cxnSp>
     </p:spTree>
     <p:extLst>
       <p:ext uri="{BB962C8B-B14F-4D97-AF65-F5344CB8AC3E}">
@@ -6421,7 +8670,7 @@
 </p:sld>
 </file>
 
-<file path=ppt/slides/slide6.xml><?xml version="1.0" encoding="utf-8"?>
+<file path=ppt/slides/slide9.xml><?xml version="1.0" encoding="utf-8"?>
 <p:sld xmlns:a="http://schemas.openxmlformats.org/drawingml/2006/main" xmlns:r="http://schemas.openxmlformats.org/officeDocument/2006/relationships" xmlns:p="http://schemas.openxmlformats.org/presentationml/2006/main">
   <p:cSld>
     <p:spTree>
@@ -6438,34 +8687,13 @@
           <a:chExt cx="0" cy="0"/>
         </a:xfrm>
       </p:grpSpPr>
-      <p:sp>
-        <p:nvSpPr>
-          <p:cNvPr id="2" name="Title 1"/>
-          <p:cNvSpPr>
-            <a:spLocks noGrp="1"/>
-          </p:cNvSpPr>
-          <p:nvPr>
-            <p:ph type="title"/>
-          </p:nvPr>
-        </p:nvSpPr>
-        <p:spPr/>
-        <p:txBody>
-          <a:bodyPr/>
-          <a:lstStyle/>
-          <a:p>
-            <a:endParaRPr lang="en-US"/>
-          </a:p>
-        </p:txBody>
-      </p:sp>
       <p:pic>
         <p:nvPicPr>
-          <p:cNvPr id="4" name="Content Placeholder 3" descr="Screen Shot 2015-06-12 at 09.33.39.png"/>
+          <p:cNvPr id="12" name="Picture 11" descr="Screen Shot 2015-06-20 at 22.24.32.png"/>
           <p:cNvPicPr>
-            <a:picLocks noGrp="1" noChangeAspect="1"/>
+            <a:picLocks noChangeAspect="1"/>
           </p:cNvPicPr>
-          <p:nvPr>
-            <p:ph idx="1"/>
-          </p:nvPr>
+          <p:nvPr/>
         </p:nvPicPr>
         <p:blipFill>
           <a:blip r:embed="rId2">
@@ -6475,16 +8703,18 @@
               </a:ext>
             </a:extLst>
           </a:blip>
-          <a:srcRect t="7161" b="7161"/>
           <a:stretch>
             <a:fillRect/>
           </a:stretch>
         </p:blipFill>
         <p:spPr>
           <a:xfrm>
-            <a:off x="277125" y="998245"/>
-            <a:ext cx="8434162" cy="4068056"/>
+            <a:off x="0" y="781288"/>
+            <a:ext cx="9144000" cy="5109882"/>
           </a:xfrm>
+          <a:prstGeom prst="rect">
+            <a:avLst/>
+          </a:prstGeom>
         </p:spPr>
       </p:pic>
       <p:sp>
@@ -6495,7 +8725,7 @@
         </p:nvSpPr>
         <p:spPr>
           <a:xfrm>
-            <a:off x="5902722" y="2511822"/>
+            <a:off x="5662279" y="2800533"/>
             <a:ext cx="2808565" cy="923330"/>
           </a:xfrm>
           <a:prstGeom prst="rect">
@@ -6539,8 +8769,8 @@
         </p:nvCxnSpPr>
         <p:spPr>
           <a:xfrm flipH="1">
-            <a:off x="5421837" y="3435152"/>
-            <a:ext cx="480885" cy="588981"/>
+            <a:off x="5181395" y="3586886"/>
+            <a:ext cx="480884" cy="690733"/>
           </a:xfrm>
           <a:prstGeom prst="straightConnector1">
             <a:avLst/>
@@ -6586,7 +8816,7 @@
         </p:blipFill>
         <p:spPr>
           <a:xfrm>
-            <a:off x="0" y="1308320"/>
+            <a:off x="0" y="781288"/>
             <a:ext cx="9144000" cy="5031662"/>
           </a:xfrm>
           <a:prstGeom prst="rect">
@@ -6602,7 +8832,7 @@
         </p:nvSpPr>
         <p:spPr>
           <a:xfrm>
-            <a:off x="921029" y="2177254"/>
+            <a:off x="2089961" y="1406398"/>
             <a:ext cx="2818905" cy="923330"/>
           </a:xfrm>
           <a:prstGeom prst="rect">
@@ -6633,7 +8863,7 @@
           <a:p>
             <a:r>
               <a:rPr lang="en-US"/>
-              <a:t>Ogleda pa si lahko tudi filme, ki si jih je že ogledal in jih ocenil</a:t>
+              <a:t>Vidi pa lahko tudi filme, ki si jih je že ogledal in jih ocenil</a:t>
             </a:r>
           </a:p>
         </p:txBody>
@@ -6645,9 +8875,9 @@
           <p:nvPr/>
         </p:nvCxnSpPr>
         <p:spPr>
-          <a:xfrm>
-            <a:off x="2504357" y="3100585"/>
-            <a:ext cx="244774" cy="486301"/>
+          <a:xfrm flipH="1">
+            <a:off x="2900681" y="2329728"/>
+            <a:ext cx="129882" cy="758356"/>
           </a:xfrm>
           <a:prstGeom prst="straightConnector1">
             <a:avLst/>
@@ -7145,4 +9375,324 @@
   </a:objectDefaults>
   <a:extraClrSchemeLst/>
 </a:theme>
+</file>
+
+<file path=ppt/theme/theme2.xml><?xml version="1.0" encoding="utf-8"?>
+<a:theme xmlns:a="http://schemas.openxmlformats.org/drawingml/2006/main" name="Office Theme">
+  <a:themeElements>
+    <a:clrScheme name="Office">
+      <a:dk1>
+        <a:sysClr val="windowText" lastClr="000000"/>
+      </a:dk1>
+      <a:lt1>
+        <a:sysClr val="window" lastClr="FFFFFF"/>
+      </a:lt1>
+      <a:dk2>
+        <a:srgbClr val="1F497D"/>
+      </a:dk2>
+      <a:lt2>
+        <a:srgbClr val="EEECE1"/>
+      </a:lt2>
+      <a:accent1>
+        <a:srgbClr val="4F81BD"/>
+      </a:accent1>
+      <a:accent2>
+        <a:srgbClr val="C0504D"/>
+      </a:accent2>
+      <a:accent3>
+        <a:srgbClr val="9BBB59"/>
+      </a:accent3>
+      <a:accent4>
+        <a:srgbClr val="8064A2"/>
+      </a:accent4>
+      <a:accent5>
+        <a:srgbClr val="4BACC6"/>
+      </a:accent5>
+      <a:accent6>
+        <a:srgbClr val="F79646"/>
+      </a:accent6>
+      <a:hlink>
+        <a:srgbClr val="0000FF"/>
+      </a:hlink>
+      <a:folHlink>
+        <a:srgbClr val="800080"/>
+      </a:folHlink>
+    </a:clrScheme>
+    <a:fontScheme name="Office">
+      <a:majorFont>
+        <a:latin typeface="Calibri"/>
+        <a:ea typeface=""/>
+        <a:cs typeface=""/>
+        <a:font script="Jpan" typeface="ＭＳ Ｐゴシック"/>
+        <a:font script="Hang" typeface="맑은 고딕"/>
+        <a:font script="Hans" typeface="宋体"/>
+        <a:font script="Hant" typeface="新細明體"/>
+        <a:font script="Arab" typeface="Times New Roman"/>
+        <a:font script="Hebr" typeface="Times New Roman"/>
+        <a:font script="Thai" typeface="Angsana New"/>
+        <a:font script="Ethi" typeface="Nyala"/>
+        <a:font script="Beng" typeface="Vrinda"/>
+        <a:font script="Gujr" typeface="Shruti"/>
+        <a:font script="Khmr" typeface="MoolBoran"/>
+        <a:font script="Knda" typeface="Tunga"/>
+        <a:font script="Guru" typeface="Raavi"/>
+        <a:font script="Cans" typeface="Euphemia"/>
+        <a:font script="Cher" typeface="Plantagenet Cherokee"/>
+        <a:font script="Yiii" typeface="Microsoft Yi Baiti"/>
+        <a:font script="Tibt" typeface="Microsoft Himalaya"/>
+        <a:font script="Thaa" typeface="MV Boli"/>
+        <a:font script="Deva" typeface="Mangal"/>
+        <a:font script="Telu" typeface="Gautami"/>
+        <a:font script="Taml" typeface="Latha"/>
+        <a:font script="Syrc" typeface="Estrangelo Edessa"/>
+        <a:font script="Orya" typeface="Kalinga"/>
+        <a:font script="Mlym" typeface="Kartika"/>
+        <a:font script="Laoo" typeface="DokChampa"/>
+        <a:font script="Sinh" typeface="Iskoola Pota"/>
+        <a:font script="Mong" typeface="Mongolian Baiti"/>
+        <a:font script="Viet" typeface="Times New Roman"/>
+        <a:font script="Uigh" typeface="Microsoft Uighur"/>
+        <a:font script="Geor" typeface="Sylfaen"/>
+      </a:majorFont>
+      <a:minorFont>
+        <a:latin typeface="Calibri"/>
+        <a:ea typeface=""/>
+        <a:cs typeface=""/>
+        <a:font script="Jpan" typeface="ＭＳ Ｐゴシック"/>
+        <a:font script="Hang" typeface="맑은 고딕"/>
+        <a:font script="Hans" typeface="宋体"/>
+        <a:font script="Hant" typeface="新細明體"/>
+        <a:font script="Arab" typeface="Arial"/>
+        <a:font script="Hebr" typeface="Arial"/>
+        <a:font script="Thai" typeface="Cordia New"/>
+        <a:font script="Ethi" typeface="Nyala"/>
+        <a:font script="Beng" typeface="Vrinda"/>
+        <a:font script="Gujr" typeface="Shruti"/>
+        <a:font script="Khmr" typeface="DaunPenh"/>
+        <a:font script="Knda" typeface="Tunga"/>
+        <a:font script="Guru" typeface="Raavi"/>
+        <a:font script="Cans" typeface="Euphemia"/>
+        <a:font script="Cher" typeface="Plantagenet Cherokee"/>
+        <a:font script="Yiii" typeface="Microsoft Yi Baiti"/>
+        <a:font script="Tibt" typeface="Microsoft Himalaya"/>
+        <a:font script="Thaa" typeface="MV Boli"/>
+        <a:font script="Deva" typeface="Mangal"/>
+        <a:font script="Telu" typeface="Gautami"/>
+        <a:font script="Taml" typeface="Latha"/>
+        <a:font script="Syrc" typeface="Estrangelo Edessa"/>
+        <a:font script="Orya" typeface="Kalinga"/>
+        <a:font script="Mlym" typeface="Kartika"/>
+        <a:font script="Laoo" typeface="DokChampa"/>
+        <a:font script="Sinh" typeface="Iskoola Pota"/>
+        <a:font script="Mong" typeface="Mongolian Baiti"/>
+        <a:font script="Viet" typeface="Arial"/>
+        <a:font script="Uigh" typeface="Microsoft Uighur"/>
+        <a:font script="Geor" typeface="Sylfaen"/>
+      </a:minorFont>
+    </a:fontScheme>
+    <a:fmtScheme name="Office">
+      <a:fillStyleLst>
+        <a:solidFill>
+          <a:schemeClr val="phClr"/>
+        </a:solidFill>
+        <a:gradFill rotWithShape="1">
+          <a:gsLst>
+            <a:gs pos="0">
+              <a:schemeClr val="phClr">
+                <a:tint val="50000"/>
+                <a:satMod val="300000"/>
+              </a:schemeClr>
+            </a:gs>
+            <a:gs pos="35000">
+              <a:schemeClr val="phClr">
+                <a:tint val="37000"/>
+                <a:satMod val="300000"/>
+              </a:schemeClr>
+            </a:gs>
+            <a:gs pos="100000">
+              <a:schemeClr val="phClr">
+                <a:tint val="15000"/>
+                <a:satMod val="350000"/>
+              </a:schemeClr>
+            </a:gs>
+          </a:gsLst>
+          <a:lin ang="16200000" scaled="1"/>
+        </a:gradFill>
+        <a:gradFill rotWithShape="1">
+          <a:gsLst>
+            <a:gs pos="0">
+              <a:schemeClr val="phClr">
+                <a:tint val="100000"/>
+                <a:shade val="100000"/>
+                <a:satMod val="130000"/>
+              </a:schemeClr>
+            </a:gs>
+            <a:gs pos="100000">
+              <a:schemeClr val="phClr">
+                <a:tint val="50000"/>
+                <a:shade val="100000"/>
+                <a:satMod val="350000"/>
+              </a:schemeClr>
+            </a:gs>
+          </a:gsLst>
+          <a:lin ang="16200000" scaled="0"/>
+        </a:gradFill>
+      </a:fillStyleLst>
+      <a:lnStyleLst>
+        <a:ln w="9525" cap="flat" cmpd="sng" algn="ctr">
+          <a:solidFill>
+            <a:schemeClr val="phClr">
+              <a:shade val="95000"/>
+              <a:satMod val="105000"/>
+            </a:schemeClr>
+          </a:solidFill>
+          <a:prstDash val="solid"/>
+        </a:ln>
+        <a:ln w="25400" cap="flat" cmpd="sng" algn="ctr">
+          <a:solidFill>
+            <a:schemeClr val="phClr"/>
+          </a:solidFill>
+          <a:prstDash val="solid"/>
+        </a:ln>
+        <a:ln w="38100" cap="flat" cmpd="sng" algn="ctr">
+          <a:solidFill>
+            <a:schemeClr val="phClr"/>
+          </a:solidFill>
+          <a:prstDash val="solid"/>
+        </a:ln>
+      </a:lnStyleLst>
+      <a:effectStyleLst>
+        <a:effectStyle>
+          <a:effectLst>
+            <a:outerShdw blurRad="40000" dist="20000" dir="5400000" rotWithShape="0">
+              <a:srgbClr val="000000">
+                <a:alpha val="38000"/>
+              </a:srgbClr>
+            </a:outerShdw>
+          </a:effectLst>
+        </a:effectStyle>
+        <a:effectStyle>
+          <a:effectLst>
+            <a:outerShdw blurRad="40000" dist="23000" dir="5400000" rotWithShape="0">
+              <a:srgbClr val="000000">
+                <a:alpha val="35000"/>
+              </a:srgbClr>
+            </a:outerShdw>
+          </a:effectLst>
+        </a:effectStyle>
+        <a:effectStyle>
+          <a:effectLst>
+            <a:outerShdw blurRad="40000" dist="23000" dir="5400000" rotWithShape="0">
+              <a:srgbClr val="000000">
+                <a:alpha val="35000"/>
+              </a:srgbClr>
+            </a:outerShdw>
+          </a:effectLst>
+          <a:scene3d>
+            <a:camera prst="orthographicFront">
+              <a:rot lat="0" lon="0" rev="0"/>
+            </a:camera>
+            <a:lightRig rig="threePt" dir="t">
+              <a:rot lat="0" lon="0" rev="1200000"/>
+            </a:lightRig>
+          </a:scene3d>
+          <a:sp3d>
+            <a:bevelT w="63500" h="25400"/>
+          </a:sp3d>
+        </a:effectStyle>
+      </a:effectStyleLst>
+      <a:bgFillStyleLst>
+        <a:solidFill>
+          <a:schemeClr val="phClr"/>
+        </a:solidFill>
+        <a:gradFill rotWithShape="1">
+          <a:gsLst>
+            <a:gs pos="0">
+              <a:schemeClr val="phClr">
+                <a:tint val="40000"/>
+                <a:satMod val="350000"/>
+              </a:schemeClr>
+            </a:gs>
+            <a:gs pos="40000">
+              <a:schemeClr val="phClr">
+                <a:tint val="45000"/>
+                <a:shade val="99000"/>
+                <a:satMod val="350000"/>
+              </a:schemeClr>
+            </a:gs>
+            <a:gs pos="100000">
+              <a:schemeClr val="phClr">
+                <a:shade val="20000"/>
+                <a:satMod val="255000"/>
+              </a:schemeClr>
+            </a:gs>
+          </a:gsLst>
+          <a:path path="circle">
+            <a:fillToRect l="50000" t="-80000" r="50000" b="180000"/>
+          </a:path>
+        </a:gradFill>
+        <a:gradFill rotWithShape="1">
+          <a:gsLst>
+            <a:gs pos="0">
+              <a:schemeClr val="phClr">
+                <a:tint val="80000"/>
+                <a:satMod val="300000"/>
+              </a:schemeClr>
+            </a:gs>
+            <a:gs pos="100000">
+              <a:schemeClr val="phClr">
+                <a:shade val="30000"/>
+                <a:satMod val="200000"/>
+              </a:schemeClr>
+            </a:gs>
+          </a:gsLst>
+          <a:path path="circle">
+            <a:fillToRect l="50000" t="50000" r="50000" b="50000"/>
+          </a:path>
+        </a:gradFill>
+      </a:bgFillStyleLst>
+    </a:fmtScheme>
+  </a:themeElements>
+  <a:objectDefaults>
+    <a:spDef>
+      <a:spPr/>
+      <a:bodyPr/>
+      <a:lstStyle/>
+      <a:style>
+        <a:lnRef idx="1">
+          <a:schemeClr val="accent1"/>
+        </a:lnRef>
+        <a:fillRef idx="3">
+          <a:schemeClr val="accent1"/>
+        </a:fillRef>
+        <a:effectRef idx="2">
+          <a:schemeClr val="accent1"/>
+        </a:effectRef>
+        <a:fontRef idx="minor">
+          <a:schemeClr val="lt1"/>
+        </a:fontRef>
+      </a:style>
+    </a:spDef>
+    <a:lnDef>
+      <a:spPr/>
+      <a:bodyPr/>
+      <a:lstStyle/>
+      <a:style>
+        <a:lnRef idx="2">
+          <a:schemeClr val="accent1"/>
+        </a:lnRef>
+        <a:fillRef idx="0">
+          <a:schemeClr val="accent1"/>
+        </a:fillRef>
+        <a:effectRef idx="1">
+          <a:schemeClr val="accent1"/>
+        </a:effectRef>
+        <a:fontRef idx="minor">
+          <a:schemeClr val="tx1"/>
+        </a:fontRef>
+      </a:style>
+    </a:lnDef>
+  </a:objectDefaults>
+  <a:extraClrSchemeLst/>
+</a:theme>
 </file>